--- a/programming/compiler/lecture/note_1.pptx
+++ b/programming/compiler/lecture/note_1.pptx
@@ -5,64 +5,63 @@
     <p:sldMasterId id="2147483648" r:id="rId1"/>
   </p:sldMasterIdLst>
   <p:notesMasterIdLst>
-    <p:notesMasterId r:id="rId54"/>
+    <p:notesMasterId r:id="rId53"/>
   </p:notesMasterIdLst>
   <p:handoutMasterIdLst>
-    <p:handoutMasterId r:id="rId55"/>
+    <p:handoutMasterId r:id="rId54"/>
   </p:handoutMasterIdLst>
   <p:sldIdLst>
     <p:sldId id="256" r:id="rId2"/>
     <p:sldId id="257" r:id="rId3"/>
     <p:sldId id="342" r:id="rId4"/>
     <p:sldId id="343" r:id="rId5"/>
-    <p:sldId id="344" r:id="rId6"/>
-    <p:sldId id="336" r:id="rId7"/>
-    <p:sldId id="341" r:id="rId8"/>
-    <p:sldId id="259" r:id="rId9"/>
-    <p:sldId id="262" r:id="rId10"/>
-    <p:sldId id="260" r:id="rId11"/>
-    <p:sldId id="265" r:id="rId12"/>
-    <p:sldId id="264" r:id="rId13"/>
-    <p:sldId id="266" r:id="rId14"/>
-    <p:sldId id="337" r:id="rId15"/>
-    <p:sldId id="267" r:id="rId16"/>
-    <p:sldId id="269" r:id="rId17"/>
-    <p:sldId id="270" r:id="rId18"/>
-    <p:sldId id="271" r:id="rId19"/>
-    <p:sldId id="268" r:id="rId20"/>
-    <p:sldId id="272" r:id="rId21"/>
-    <p:sldId id="273" r:id="rId22"/>
-    <p:sldId id="274" r:id="rId23"/>
-    <p:sldId id="275" r:id="rId24"/>
-    <p:sldId id="277" r:id="rId25"/>
-    <p:sldId id="278" r:id="rId26"/>
-    <p:sldId id="288" r:id="rId27"/>
-    <p:sldId id="276" r:id="rId28"/>
-    <p:sldId id="279" r:id="rId29"/>
-    <p:sldId id="280" r:id="rId30"/>
-    <p:sldId id="282" r:id="rId31"/>
-    <p:sldId id="335" r:id="rId32"/>
-    <p:sldId id="281" r:id="rId33"/>
-    <p:sldId id="289" r:id="rId34"/>
-    <p:sldId id="290" r:id="rId35"/>
-    <p:sldId id="285" r:id="rId36"/>
-    <p:sldId id="292" r:id="rId37"/>
-    <p:sldId id="334" r:id="rId38"/>
-    <p:sldId id="291" r:id="rId39"/>
-    <p:sldId id="293" r:id="rId40"/>
-    <p:sldId id="294" r:id="rId41"/>
-    <p:sldId id="286" r:id="rId42"/>
-    <p:sldId id="287" r:id="rId43"/>
-    <p:sldId id="298" r:id="rId44"/>
-    <p:sldId id="295" r:id="rId45"/>
-    <p:sldId id="304" r:id="rId46"/>
-    <p:sldId id="296" r:id="rId47"/>
-    <p:sldId id="297" r:id="rId48"/>
-    <p:sldId id="299" r:id="rId49"/>
-    <p:sldId id="300" r:id="rId50"/>
-    <p:sldId id="301" r:id="rId51"/>
-    <p:sldId id="302" r:id="rId52"/>
-    <p:sldId id="339" r:id="rId53"/>
+    <p:sldId id="336" r:id="rId6"/>
+    <p:sldId id="341" r:id="rId7"/>
+    <p:sldId id="259" r:id="rId8"/>
+    <p:sldId id="262" r:id="rId9"/>
+    <p:sldId id="260" r:id="rId10"/>
+    <p:sldId id="265" r:id="rId11"/>
+    <p:sldId id="264" r:id="rId12"/>
+    <p:sldId id="266" r:id="rId13"/>
+    <p:sldId id="337" r:id="rId14"/>
+    <p:sldId id="267" r:id="rId15"/>
+    <p:sldId id="269" r:id="rId16"/>
+    <p:sldId id="270" r:id="rId17"/>
+    <p:sldId id="271" r:id="rId18"/>
+    <p:sldId id="268" r:id="rId19"/>
+    <p:sldId id="272" r:id="rId20"/>
+    <p:sldId id="273" r:id="rId21"/>
+    <p:sldId id="274" r:id="rId22"/>
+    <p:sldId id="275" r:id="rId23"/>
+    <p:sldId id="277" r:id="rId24"/>
+    <p:sldId id="278" r:id="rId25"/>
+    <p:sldId id="288" r:id="rId26"/>
+    <p:sldId id="276" r:id="rId27"/>
+    <p:sldId id="279" r:id="rId28"/>
+    <p:sldId id="280" r:id="rId29"/>
+    <p:sldId id="282" r:id="rId30"/>
+    <p:sldId id="335" r:id="rId31"/>
+    <p:sldId id="281" r:id="rId32"/>
+    <p:sldId id="289" r:id="rId33"/>
+    <p:sldId id="290" r:id="rId34"/>
+    <p:sldId id="285" r:id="rId35"/>
+    <p:sldId id="292" r:id="rId36"/>
+    <p:sldId id="334" r:id="rId37"/>
+    <p:sldId id="291" r:id="rId38"/>
+    <p:sldId id="293" r:id="rId39"/>
+    <p:sldId id="294" r:id="rId40"/>
+    <p:sldId id="286" r:id="rId41"/>
+    <p:sldId id="287" r:id="rId42"/>
+    <p:sldId id="298" r:id="rId43"/>
+    <p:sldId id="295" r:id="rId44"/>
+    <p:sldId id="304" r:id="rId45"/>
+    <p:sldId id="296" r:id="rId46"/>
+    <p:sldId id="297" r:id="rId47"/>
+    <p:sldId id="299" r:id="rId48"/>
+    <p:sldId id="300" r:id="rId49"/>
+    <p:sldId id="301" r:id="rId50"/>
+    <p:sldId id="302" r:id="rId51"/>
+    <p:sldId id="339" r:id="rId52"/>
   </p:sldIdLst>
   <p:sldSz cx="12192000" cy="6858000"/>
   <p:notesSz cx="6858000" cy="9144000"/>
@@ -835,7 +834,7 @@
           <a:p>
             <a:fld id="{3BC473AE-557F-44E0-9798-DB22B4128650}" type="slidenum">
               <a:rPr lang="ko-KR" altLang="en-US" smtClean="0"/>
-              <a:t>6</a:t>
+              <a:t>5</a:t>
             </a:fld>
             <a:endParaRPr lang="ko-KR" altLang="en-US"/>
           </a:p>
@@ -919,7 +918,7 @@
           <a:p>
             <a:fld id="{3BC473AE-557F-44E0-9798-DB22B4128650}" type="slidenum">
               <a:rPr lang="ko-KR" altLang="en-US" smtClean="0"/>
-              <a:t>20</a:t>
+              <a:t>19</a:t>
             </a:fld>
             <a:endParaRPr lang="ko-KR" altLang="en-US"/>
           </a:p>
@@ -3300,811 +3299,6 @@
           <a:p>
             <a:r>
               <a:rPr lang="ko-KR" altLang="en-US" dirty="0"/>
-              <a:t>컴파일러 도구</a:t>
-            </a:r>
-          </a:p>
-        </p:txBody>
-      </p:sp>
-      <p:sp>
-        <p:nvSpPr>
-          <p:cNvPr id="3" name="내용 개체 틀 2"/>
-          <p:cNvSpPr>
-            <a:spLocks noGrp="1"/>
-          </p:cNvSpPr>
-          <p:nvPr>
-            <p:ph idx="1"/>
-          </p:nvPr>
-        </p:nvSpPr>
-        <p:spPr/>
-        <p:txBody>
-          <a:bodyPr/>
-          <a:lstStyle/>
-          <a:p>
-            <a:r>
-              <a:rPr lang="ko-KR" altLang="en-US" dirty="0"/>
-              <a:t>컴파일러 기능의 부분적인 개발 지원 도구들 </a:t>
-            </a:r>
-            <a:endParaRPr lang="en-US" altLang="ko-KR" dirty="0"/>
-          </a:p>
-          <a:p>
-            <a:pPr lvl="1"/>
-            <a:r>
-              <a:rPr lang="ko-KR" altLang="en-US" dirty="0" err="1"/>
-              <a:t>어휘분석</a:t>
-            </a:r>
-            <a:r>
-              <a:rPr lang="ko-KR" altLang="en-US" dirty="0"/>
-              <a:t> </a:t>
-            </a:r>
-            <a:endParaRPr lang="en-US" altLang="ko-KR" dirty="0"/>
-          </a:p>
-          <a:p>
-            <a:pPr lvl="2"/>
-            <a:r>
-              <a:rPr lang="en-US" altLang="ko-KR" dirty="0"/>
-              <a:t>Lex / Flex</a:t>
-            </a:r>
-          </a:p>
-          <a:p>
-            <a:pPr lvl="2"/>
-            <a:r>
-              <a:rPr lang="en-US" altLang="ko-KR" dirty="0" err="1"/>
-              <a:t>std</a:t>
-            </a:r>
-            <a:r>
-              <a:rPr lang="en-US" altLang="ko-KR" dirty="0"/>
-              <a:t>::regex</a:t>
-            </a:r>
-          </a:p>
-          <a:p>
-            <a:pPr lvl="1"/>
-            <a:r>
-              <a:rPr lang="ko-KR" altLang="en-US" dirty="0"/>
-              <a:t>구문분석 </a:t>
-            </a:r>
-            <a:r>
-              <a:rPr lang="en-US" altLang="ko-KR" dirty="0"/>
-              <a:t>(</a:t>
-            </a:r>
-            <a:r>
-              <a:rPr lang="ko-KR" altLang="en-US" dirty="0" err="1"/>
-              <a:t>파싱</a:t>
-            </a:r>
-            <a:r>
-              <a:rPr lang="en-US" altLang="ko-KR" dirty="0"/>
-              <a:t>) </a:t>
-            </a:r>
-          </a:p>
-          <a:p>
-            <a:pPr lvl="2"/>
-            <a:r>
-              <a:rPr lang="en-US" altLang="ko-KR" dirty="0" err="1"/>
-              <a:t>Yacc</a:t>
-            </a:r>
-            <a:r>
-              <a:rPr lang="en-US" altLang="ko-KR" dirty="0"/>
-              <a:t> / Bison </a:t>
-            </a:r>
-          </a:p>
-          <a:p>
-            <a:pPr lvl="2"/>
-            <a:r>
-              <a:rPr lang="en-US" altLang="ko-KR" dirty="0"/>
-              <a:t>ANTLR </a:t>
-            </a:r>
-          </a:p>
-          <a:p>
-            <a:pPr lvl="2"/>
-            <a:r>
-              <a:rPr lang="en-US" altLang="ko-KR" dirty="0"/>
-              <a:t>Boost Spirit</a:t>
-            </a:r>
-          </a:p>
-          <a:p>
-            <a:pPr lvl="1"/>
-            <a:r>
-              <a:rPr lang="ko-KR" altLang="en-US" dirty="0"/>
-              <a:t>코드 생성</a:t>
-            </a:r>
-            <a:endParaRPr lang="en-US" altLang="ko-KR" dirty="0"/>
-          </a:p>
-          <a:p>
-            <a:pPr lvl="2"/>
-            <a:r>
-              <a:rPr lang="en-US" altLang="ko-KR" dirty="0"/>
-              <a:t>LLVM </a:t>
-            </a:r>
-          </a:p>
-          <a:p>
-            <a:r>
-              <a:rPr lang="en-US" altLang="ko-KR" dirty="0"/>
-              <a:t>flex</a:t>
-            </a:r>
-            <a:r>
-              <a:rPr lang="ko-KR" altLang="en-US" dirty="0"/>
-              <a:t>와 </a:t>
-            </a:r>
-            <a:r>
-              <a:rPr lang="en-US" altLang="ko-KR" dirty="0"/>
-              <a:t>bison </a:t>
-            </a:r>
-            <a:r>
-              <a:rPr lang="ko-KR" altLang="en-US" dirty="0"/>
-              <a:t>을 살펴봄</a:t>
-            </a:r>
-          </a:p>
-        </p:txBody>
-      </p:sp>
-      <p:sp>
-        <p:nvSpPr>
-          <p:cNvPr id="5" name="슬라이드 번호 개체 틀 4"/>
-          <p:cNvSpPr>
-            <a:spLocks noGrp="1"/>
-          </p:cNvSpPr>
-          <p:nvPr>
-            <p:ph type="sldNum" sz="quarter" idx="12"/>
-          </p:nvPr>
-        </p:nvSpPr>
-        <p:spPr/>
-        <p:txBody>
-          <a:bodyPr/>
-          <a:lstStyle/>
-          <a:p>
-            <a:r>
-              <a:rPr lang="en-US" altLang="ko-KR"/>
-              <a:t>Slide </a:t>
-            </a:r>
-            <a:fld id="{068760B5-AC99-4A9F-9335-BAC898D4A850}" type="slidenum">
-              <a:rPr lang="ko-KR" altLang="en-US" smtClean="0"/>
-              <a:pPr/>
-              <a:t>10</a:t>
-            </a:fld>
-            <a:endParaRPr lang="ko-KR" altLang="en-US" dirty="0"/>
-          </a:p>
-        </p:txBody>
-      </p:sp>
-      <p:sp>
-        <p:nvSpPr>
-          <p:cNvPr id="6" name="바닥글 개체 틀 5"/>
-          <p:cNvSpPr>
-            <a:spLocks noGrp="1"/>
-          </p:cNvSpPr>
-          <p:nvPr>
-            <p:ph type="ftr" sz="quarter" idx="11"/>
-          </p:nvPr>
-        </p:nvSpPr>
-        <p:spPr/>
-        <p:txBody>
-          <a:bodyPr/>
-          <a:lstStyle/>
-          <a:p>
-            <a:r>
-              <a:rPr lang="ko-KR" altLang="en-US"/>
-              <a:t>컴파일러</a:t>
-            </a:r>
-            <a:endParaRPr lang="ko-KR" altLang="en-US" dirty="0"/>
-          </a:p>
-        </p:txBody>
-      </p:sp>
-    </p:spTree>
-    <p:extLst>
-      <p:ext uri="{BB962C8B-B14F-4D97-AF65-F5344CB8AC3E}">
-        <p14:creationId xmlns:p14="http://schemas.microsoft.com/office/powerpoint/2010/main" val="1834831338"/>
-      </p:ext>
-    </p:extLst>
-  </p:cSld>
-  <p:clrMapOvr>
-    <a:masterClrMapping/>
-  </p:clrMapOvr>
-  <p:timing>
-    <p:tnLst>
-      <p:par>
-        <p:cTn id="1" dur="indefinite" restart="never" nodeType="tmRoot">
-          <p:childTnLst>
-            <p:seq concurrent="1" nextAc="seek">
-              <p:cTn id="2" dur="indefinite" nodeType="mainSeq">
-                <p:childTnLst>
-                  <p:par>
-                    <p:cTn id="3" fill="hold">
-                      <p:stCondLst>
-                        <p:cond delay="indefinite"/>
-                      </p:stCondLst>
-                      <p:childTnLst>
-                        <p:par>
-                          <p:cTn id="4" fill="hold">
-                            <p:stCondLst>
-                              <p:cond delay="0"/>
-                            </p:stCondLst>
-                            <p:childTnLst>
-                              <p:par>
-                                <p:cTn id="5" presetID="1" presetClass="entr" presetSubtype="0" fill="hold" grpId="0" nodeType="clickEffect">
-                                  <p:stCondLst>
-                                    <p:cond delay="0"/>
-                                  </p:stCondLst>
-                                  <p:childTnLst>
-                                    <p:set>
-                                      <p:cBhvr>
-                                        <p:cTn id="6" dur="1" fill="hold">
-                                          <p:stCondLst>
-                                            <p:cond delay="0"/>
-                                          </p:stCondLst>
-                                        </p:cTn>
-                                        <p:tgtEl>
-                                          <p:spTgt spid="3">
-                                            <p:txEl>
-                                              <p:pRg st="0" end="0"/>
-                                            </p:txEl>
-                                          </p:spTgt>
-                                        </p:tgtEl>
-                                        <p:attrNameLst>
-                                          <p:attrName>style.visibility</p:attrName>
-                                        </p:attrNameLst>
-                                      </p:cBhvr>
-                                      <p:to>
-                                        <p:strVal val="visible"/>
-                                      </p:to>
-                                    </p:set>
-                                  </p:childTnLst>
-                                </p:cTn>
-                              </p:par>
-                            </p:childTnLst>
-                          </p:cTn>
-                        </p:par>
-                      </p:childTnLst>
-                    </p:cTn>
-                  </p:par>
-                  <p:par>
-                    <p:cTn id="7" fill="hold">
-                      <p:stCondLst>
-                        <p:cond delay="indefinite"/>
-                      </p:stCondLst>
-                      <p:childTnLst>
-                        <p:par>
-                          <p:cTn id="8" fill="hold">
-                            <p:stCondLst>
-                              <p:cond delay="0"/>
-                            </p:stCondLst>
-                            <p:childTnLst>
-                              <p:par>
-                                <p:cTn id="9" presetID="1" presetClass="entr" presetSubtype="0" fill="hold" grpId="0" nodeType="clickEffect">
-                                  <p:stCondLst>
-                                    <p:cond delay="0"/>
-                                  </p:stCondLst>
-                                  <p:childTnLst>
-                                    <p:set>
-                                      <p:cBhvr>
-                                        <p:cTn id="10" dur="1" fill="hold">
-                                          <p:stCondLst>
-                                            <p:cond delay="0"/>
-                                          </p:stCondLst>
-                                        </p:cTn>
-                                        <p:tgtEl>
-                                          <p:spTgt spid="3">
-                                            <p:txEl>
-                                              <p:pRg st="1" end="1"/>
-                                            </p:txEl>
-                                          </p:spTgt>
-                                        </p:tgtEl>
-                                        <p:attrNameLst>
-                                          <p:attrName>style.visibility</p:attrName>
-                                        </p:attrNameLst>
-                                      </p:cBhvr>
-                                      <p:to>
-                                        <p:strVal val="visible"/>
-                                      </p:to>
-                                    </p:set>
-                                  </p:childTnLst>
-                                </p:cTn>
-                              </p:par>
-                            </p:childTnLst>
-                          </p:cTn>
-                        </p:par>
-                      </p:childTnLst>
-                    </p:cTn>
-                  </p:par>
-                  <p:par>
-                    <p:cTn id="11" fill="hold">
-                      <p:stCondLst>
-                        <p:cond delay="indefinite"/>
-                      </p:stCondLst>
-                      <p:childTnLst>
-                        <p:par>
-                          <p:cTn id="12" fill="hold">
-                            <p:stCondLst>
-                              <p:cond delay="0"/>
-                            </p:stCondLst>
-                            <p:childTnLst>
-                              <p:par>
-                                <p:cTn id="13" presetID="1" presetClass="entr" presetSubtype="0" fill="hold" grpId="0" nodeType="clickEffect">
-                                  <p:stCondLst>
-                                    <p:cond delay="0"/>
-                                  </p:stCondLst>
-                                  <p:childTnLst>
-                                    <p:set>
-                                      <p:cBhvr>
-                                        <p:cTn id="14" dur="1" fill="hold">
-                                          <p:stCondLst>
-                                            <p:cond delay="0"/>
-                                          </p:stCondLst>
-                                        </p:cTn>
-                                        <p:tgtEl>
-                                          <p:spTgt spid="3">
-                                            <p:txEl>
-                                              <p:pRg st="2" end="2"/>
-                                            </p:txEl>
-                                          </p:spTgt>
-                                        </p:tgtEl>
-                                        <p:attrNameLst>
-                                          <p:attrName>style.visibility</p:attrName>
-                                        </p:attrNameLst>
-                                      </p:cBhvr>
-                                      <p:to>
-                                        <p:strVal val="visible"/>
-                                      </p:to>
-                                    </p:set>
-                                  </p:childTnLst>
-                                </p:cTn>
-                              </p:par>
-                            </p:childTnLst>
-                          </p:cTn>
-                        </p:par>
-                      </p:childTnLst>
-                    </p:cTn>
-                  </p:par>
-                  <p:par>
-                    <p:cTn id="15" fill="hold">
-                      <p:stCondLst>
-                        <p:cond delay="indefinite"/>
-                      </p:stCondLst>
-                      <p:childTnLst>
-                        <p:par>
-                          <p:cTn id="16" fill="hold">
-                            <p:stCondLst>
-                              <p:cond delay="0"/>
-                            </p:stCondLst>
-                            <p:childTnLst>
-                              <p:par>
-                                <p:cTn id="17" presetID="1" presetClass="entr" presetSubtype="0" fill="hold" grpId="0" nodeType="clickEffect">
-                                  <p:stCondLst>
-                                    <p:cond delay="0"/>
-                                  </p:stCondLst>
-                                  <p:childTnLst>
-                                    <p:set>
-                                      <p:cBhvr>
-                                        <p:cTn id="18" dur="1" fill="hold">
-                                          <p:stCondLst>
-                                            <p:cond delay="0"/>
-                                          </p:stCondLst>
-                                        </p:cTn>
-                                        <p:tgtEl>
-                                          <p:spTgt spid="3">
-                                            <p:txEl>
-                                              <p:pRg st="3" end="3"/>
-                                            </p:txEl>
-                                          </p:spTgt>
-                                        </p:tgtEl>
-                                        <p:attrNameLst>
-                                          <p:attrName>style.visibility</p:attrName>
-                                        </p:attrNameLst>
-                                      </p:cBhvr>
-                                      <p:to>
-                                        <p:strVal val="visible"/>
-                                      </p:to>
-                                    </p:set>
-                                  </p:childTnLst>
-                                </p:cTn>
-                              </p:par>
-                            </p:childTnLst>
-                          </p:cTn>
-                        </p:par>
-                      </p:childTnLst>
-                    </p:cTn>
-                  </p:par>
-                  <p:par>
-                    <p:cTn id="19" fill="hold">
-                      <p:stCondLst>
-                        <p:cond delay="indefinite"/>
-                      </p:stCondLst>
-                      <p:childTnLst>
-                        <p:par>
-                          <p:cTn id="20" fill="hold">
-                            <p:stCondLst>
-                              <p:cond delay="0"/>
-                            </p:stCondLst>
-                            <p:childTnLst>
-                              <p:par>
-                                <p:cTn id="21" presetID="1" presetClass="entr" presetSubtype="0" fill="hold" grpId="0" nodeType="clickEffect">
-                                  <p:stCondLst>
-                                    <p:cond delay="0"/>
-                                  </p:stCondLst>
-                                  <p:childTnLst>
-                                    <p:set>
-                                      <p:cBhvr>
-                                        <p:cTn id="22" dur="1" fill="hold">
-                                          <p:stCondLst>
-                                            <p:cond delay="0"/>
-                                          </p:stCondLst>
-                                        </p:cTn>
-                                        <p:tgtEl>
-                                          <p:spTgt spid="3">
-                                            <p:txEl>
-                                              <p:pRg st="4" end="4"/>
-                                            </p:txEl>
-                                          </p:spTgt>
-                                        </p:tgtEl>
-                                        <p:attrNameLst>
-                                          <p:attrName>style.visibility</p:attrName>
-                                        </p:attrNameLst>
-                                      </p:cBhvr>
-                                      <p:to>
-                                        <p:strVal val="visible"/>
-                                      </p:to>
-                                    </p:set>
-                                  </p:childTnLst>
-                                </p:cTn>
-                              </p:par>
-                            </p:childTnLst>
-                          </p:cTn>
-                        </p:par>
-                      </p:childTnLst>
-                    </p:cTn>
-                  </p:par>
-                  <p:par>
-                    <p:cTn id="23" fill="hold">
-                      <p:stCondLst>
-                        <p:cond delay="indefinite"/>
-                      </p:stCondLst>
-                      <p:childTnLst>
-                        <p:par>
-                          <p:cTn id="24" fill="hold">
-                            <p:stCondLst>
-                              <p:cond delay="0"/>
-                            </p:stCondLst>
-                            <p:childTnLst>
-                              <p:par>
-                                <p:cTn id="25" presetID="1" presetClass="entr" presetSubtype="0" fill="hold" grpId="0" nodeType="clickEffect">
-                                  <p:stCondLst>
-                                    <p:cond delay="0"/>
-                                  </p:stCondLst>
-                                  <p:childTnLst>
-                                    <p:set>
-                                      <p:cBhvr>
-                                        <p:cTn id="26" dur="1" fill="hold">
-                                          <p:stCondLst>
-                                            <p:cond delay="0"/>
-                                          </p:stCondLst>
-                                        </p:cTn>
-                                        <p:tgtEl>
-                                          <p:spTgt spid="3">
-                                            <p:txEl>
-                                              <p:pRg st="5" end="5"/>
-                                            </p:txEl>
-                                          </p:spTgt>
-                                        </p:tgtEl>
-                                        <p:attrNameLst>
-                                          <p:attrName>style.visibility</p:attrName>
-                                        </p:attrNameLst>
-                                      </p:cBhvr>
-                                      <p:to>
-                                        <p:strVal val="visible"/>
-                                      </p:to>
-                                    </p:set>
-                                  </p:childTnLst>
-                                </p:cTn>
-                              </p:par>
-                            </p:childTnLst>
-                          </p:cTn>
-                        </p:par>
-                      </p:childTnLst>
-                    </p:cTn>
-                  </p:par>
-                  <p:par>
-                    <p:cTn id="27" fill="hold">
-                      <p:stCondLst>
-                        <p:cond delay="indefinite"/>
-                      </p:stCondLst>
-                      <p:childTnLst>
-                        <p:par>
-                          <p:cTn id="28" fill="hold">
-                            <p:stCondLst>
-                              <p:cond delay="0"/>
-                            </p:stCondLst>
-                            <p:childTnLst>
-                              <p:par>
-                                <p:cTn id="29" presetID="1" presetClass="entr" presetSubtype="0" fill="hold" grpId="0" nodeType="clickEffect">
-                                  <p:stCondLst>
-                                    <p:cond delay="0"/>
-                                  </p:stCondLst>
-                                  <p:childTnLst>
-                                    <p:set>
-                                      <p:cBhvr>
-                                        <p:cTn id="30" dur="1" fill="hold">
-                                          <p:stCondLst>
-                                            <p:cond delay="0"/>
-                                          </p:stCondLst>
-                                        </p:cTn>
-                                        <p:tgtEl>
-                                          <p:spTgt spid="3">
-                                            <p:txEl>
-                                              <p:pRg st="6" end="6"/>
-                                            </p:txEl>
-                                          </p:spTgt>
-                                        </p:tgtEl>
-                                        <p:attrNameLst>
-                                          <p:attrName>style.visibility</p:attrName>
-                                        </p:attrNameLst>
-                                      </p:cBhvr>
-                                      <p:to>
-                                        <p:strVal val="visible"/>
-                                      </p:to>
-                                    </p:set>
-                                  </p:childTnLst>
-                                </p:cTn>
-                              </p:par>
-                            </p:childTnLst>
-                          </p:cTn>
-                        </p:par>
-                      </p:childTnLst>
-                    </p:cTn>
-                  </p:par>
-                  <p:par>
-                    <p:cTn id="31" fill="hold">
-                      <p:stCondLst>
-                        <p:cond delay="indefinite"/>
-                      </p:stCondLst>
-                      <p:childTnLst>
-                        <p:par>
-                          <p:cTn id="32" fill="hold">
-                            <p:stCondLst>
-                              <p:cond delay="0"/>
-                            </p:stCondLst>
-                            <p:childTnLst>
-                              <p:par>
-                                <p:cTn id="33" presetID="1" presetClass="entr" presetSubtype="0" fill="hold" grpId="0" nodeType="clickEffect">
-                                  <p:stCondLst>
-                                    <p:cond delay="0"/>
-                                  </p:stCondLst>
-                                  <p:childTnLst>
-                                    <p:set>
-                                      <p:cBhvr>
-                                        <p:cTn id="34" dur="1" fill="hold">
-                                          <p:stCondLst>
-                                            <p:cond delay="0"/>
-                                          </p:stCondLst>
-                                        </p:cTn>
-                                        <p:tgtEl>
-                                          <p:spTgt spid="3">
-                                            <p:txEl>
-                                              <p:pRg st="7" end="7"/>
-                                            </p:txEl>
-                                          </p:spTgt>
-                                        </p:tgtEl>
-                                        <p:attrNameLst>
-                                          <p:attrName>style.visibility</p:attrName>
-                                        </p:attrNameLst>
-                                      </p:cBhvr>
-                                      <p:to>
-                                        <p:strVal val="visible"/>
-                                      </p:to>
-                                    </p:set>
-                                  </p:childTnLst>
-                                </p:cTn>
-                              </p:par>
-                            </p:childTnLst>
-                          </p:cTn>
-                        </p:par>
-                      </p:childTnLst>
-                    </p:cTn>
-                  </p:par>
-                  <p:par>
-                    <p:cTn id="35" fill="hold">
-                      <p:stCondLst>
-                        <p:cond delay="indefinite"/>
-                      </p:stCondLst>
-                      <p:childTnLst>
-                        <p:par>
-                          <p:cTn id="36" fill="hold">
-                            <p:stCondLst>
-                              <p:cond delay="0"/>
-                            </p:stCondLst>
-                            <p:childTnLst>
-                              <p:par>
-                                <p:cTn id="37" presetID="1" presetClass="entr" presetSubtype="0" fill="hold" grpId="0" nodeType="clickEffect">
-                                  <p:stCondLst>
-                                    <p:cond delay="0"/>
-                                  </p:stCondLst>
-                                  <p:childTnLst>
-                                    <p:set>
-                                      <p:cBhvr>
-                                        <p:cTn id="38" dur="1" fill="hold">
-                                          <p:stCondLst>
-                                            <p:cond delay="0"/>
-                                          </p:stCondLst>
-                                        </p:cTn>
-                                        <p:tgtEl>
-                                          <p:spTgt spid="3">
-                                            <p:txEl>
-                                              <p:pRg st="8" end="8"/>
-                                            </p:txEl>
-                                          </p:spTgt>
-                                        </p:tgtEl>
-                                        <p:attrNameLst>
-                                          <p:attrName>style.visibility</p:attrName>
-                                        </p:attrNameLst>
-                                      </p:cBhvr>
-                                      <p:to>
-                                        <p:strVal val="visible"/>
-                                      </p:to>
-                                    </p:set>
-                                  </p:childTnLst>
-                                </p:cTn>
-                              </p:par>
-                            </p:childTnLst>
-                          </p:cTn>
-                        </p:par>
-                      </p:childTnLst>
-                    </p:cTn>
-                  </p:par>
-                  <p:par>
-                    <p:cTn id="39" fill="hold">
-                      <p:stCondLst>
-                        <p:cond delay="indefinite"/>
-                      </p:stCondLst>
-                      <p:childTnLst>
-                        <p:par>
-                          <p:cTn id="40" fill="hold">
-                            <p:stCondLst>
-                              <p:cond delay="0"/>
-                            </p:stCondLst>
-                            <p:childTnLst>
-                              <p:par>
-                                <p:cTn id="41" presetID="1" presetClass="entr" presetSubtype="0" fill="hold" grpId="0" nodeType="clickEffect">
-                                  <p:stCondLst>
-                                    <p:cond delay="0"/>
-                                  </p:stCondLst>
-                                  <p:childTnLst>
-                                    <p:set>
-                                      <p:cBhvr>
-                                        <p:cTn id="42" dur="1" fill="hold">
-                                          <p:stCondLst>
-                                            <p:cond delay="0"/>
-                                          </p:stCondLst>
-                                        </p:cTn>
-                                        <p:tgtEl>
-                                          <p:spTgt spid="3">
-                                            <p:txEl>
-                                              <p:pRg st="9" end="9"/>
-                                            </p:txEl>
-                                          </p:spTgt>
-                                        </p:tgtEl>
-                                        <p:attrNameLst>
-                                          <p:attrName>style.visibility</p:attrName>
-                                        </p:attrNameLst>
-                                      </p:cBhvr>
-                                      <p:to>
-                                        <p:strVal val="visible"/>
-                                      </p:to>
-                                    </p:set>
-                                  </p:childTnLst>
-                                </p:cTn>
-                              </p:par>
-                            </p:childTnLst>
-                          </p:cTn>
-                        </p:par>
-                      </p:childTnLst>
-                    </p:cTn>
-                  </p:par>
-                  <p:par>
-                    <p:cTn id="43" fill="hold">
-                      <p:stCondLst>
-                        <p:cond delay="indefinite"/>
-                      </p:stCondLst>
-                      <p:childTnLst>
-                        <p:par>
-                          <p:cTn id="44" fill="hold">
-                            <p:stCondLst>
-                              <p:cond delay="0"/>
-                            </p:stCondLst>
-                            <p:childTnLst>
-                              <p:par>
-                                <p:cTn id="45" presetID="1" presetClass="entr" presetSubtype="0" fill="hold" grpId="0" nodeType="clickEffect">
-                                  <p:stCondLst>
-                                    <p:cond delay="0"/>
-                                  </p:stCondLst>
-                                  <p:childTnLst>
-                                    <p:set>
-                                      <p:cBhvr>
-                                        <p:cTn id="46" dur="1" fill="hold">
-                                          <p:stCondLst>
-                                            <p:cond delay="0"/>
-                                          </p:stCondLst>
-                                        </p:cTn>
-                                        <p:tgtEl>
-                                          <p:spTgt spid="3">
-                                            <p:txEl>
-                                              <p:pRg st="10" end="10"/>
-                                            </p:txEl>
-                                          </p:spTgt>
-                                        </p:tgtEl>
-                                        <p:attrNameLst>
-                                          <p:attrName>style.visibility</p:attrName>
-                                        </p:attrNameLst>
-                                      </p:cBhvr>
-                                      <p:to>
-                                        <p:strVal val="visible"/>
-                                      </p:to>
-                                    </p:set>
-                                  </p:childTnLst>
-                                </p:cTn>
-                              </p:par>
-                            </p:childTnLst>
-                          </p:cTn>
-                        </p:par>
-                      </p:childTnLst>
-                    </p:cTn>
-                  </p:par>
-                </p:childTnLst>
-              </p:cTn>
-              <p:prevCondLst>
-                <p:cond evt="onPrev" delay="0">
-                  <p:tgtEl>
-                    <p:sldTgt/>
-                  </p:tgtEl>
-                </p:cond>
-              </p:prevCondLst>
-              <p:nextCondLst>
-                <p:cond evt="onNext" delay="0">
-                  <p:tgtEl>
-                    <p:sldTgt/>
-                  </p:tgtEl>
-                </p:cond>
-              </p:nextCondLst>
-            </p:seq>
-          </p:childTnLst>
-        </p:cTn>
-      </p:par>
-    </p:tnLst>
-    <p:bldLst>
-      <p:bldP spid="3" grpId="0" uiExpand="1" build="p"/>
-    </p:bldLst>
-  </p:timing>
-</p:sld>
-</file>
-
-<file path=ppt/slides/slide11.xml><?xml version="1.0" encoding="utf-8"?>
-<p:sld xmlns:a="http://schemas.openxmlformats.org/drawingml/2006/main" xmlns:r="http://schemas.openxmlformats.org/officeDocument/2006/relationships" xmlns:p="http://schemas.openxmlformats.org/presentationml/2006/main">
-  <p:cSld>
-    <p:spTree>
-      <p:nvGrpSpPr>
-        <p:cNvPr id="1" name=""/>
-        <p:cNvGrpSpPr/>
-        <p:nvPr/>
-      </p:nvGrpSpPr>
-      <p:grpSpPr>
-        <a:xfrm>
-          <a:off x="0" y="0"/>
-          <a:ext cx="0" cy="0"/>
-          <a:chOff x="0" y="0"/>
-          <a:chExt cx="0" cy="0"/>
-        </a:xfrm>
-      </p:grpSpPr>
-      <p:sp>
-        <p:nvSpPr>
-          <p:cNvPr id="2" name="제목 1"/>
-          <p:cNvSpPr>
-            <a:spLocks noGrp="1"/>
-          </p:cNvSpPr>
-          <p:nvPr>
-            <p:ph type="title"/>
-          </p:nvPr>
-        </p:nvSpPr>
-        <p:spPr/>
-        <p:txBody>
-          <a:bodyPr/>
-          <a:lstStyle/>
-          <a:p>
-            <a:r>
-              <a:rPr lang="ko-KR" altLang="en-US" dirty="0"/>
               <a:t>정규 표현식</a:t>
             </a:r>
           </a:p>
@@ -4289,7 +3483,7 @@
             <a:fld id="{068760B5-AC99-4A9F-9335-BAC898D4A850}" type="slidenum">
               <a:rPr lang="ko-KR" altLang="en-US" smtClean="0"/>
               <a:pPr/>
-              <a:t>11</a:t>
+              <a:t>10</a:t>
             </a:fld>
             <a:endParaRPr lang="ko-KR" altLang="en-US" dirty="0"/>
           </a:p>
@@ -4839,7 +4033,7 @@
 </p:sld>
 </file>
 
-<file path=ppt/slides/slide12.xml><?xml version="1.0" encoding="utf-8"?>
+<file path=ppt/slides/slide11.xml><?xml version="1.0" encoding="utf-8"?>
 <p:sld xmlns:a="http://schemas.openxmlformats.org/drawingml/2006/main" xmlns:r="http://schemas.openxmlformats.org/officeDocument/2006/relationships" xmlns:p="http://schemas.openxmlformats.org/presentationml/2006/main">
   <p:cSld>
     <p:spTree>
@@ -4962,7 +4156,7 @@
             <a:fld id="{068760B5-AC99-4A9F-9335-BAC898D4A850}" type="slidenum">
               <a:rPr lang="ko-KR" altLang="en-US" smtClean="0"/>
               <a:pPr/>
-              <a:t>12</a:t>
+              <a:t>11</a:t>
             </a:fld>
             <a:endParaRPr lang="ko-KR" altLang="en-US" dirty="0"/>
           </a:p>
@@ -5228,7 +4422,7 @@
 </p:sld>
 </file>
 
-<file path=ppt/slides/slide13.xml><?xml version="1.0" encoding="utf-8"?>
+<file path=ppt/slides/slide12.xml><?xml version="1.0" encoding="utf-8"?>
 <p:sld xmlns:a="http://schemas.openxmlformats.org/drawingml/2006/main" xmlns:r="http://schemas.openxmlformats.org/officeDocument/2006/relationships" xmlns:p="http://schemas.openxmlformats.org/presentationml/2006/main">
   <p:cSld>
     <p:spTree>
@@ -5289,7 +4483,7 @@
             <a:fld id="{068760B5-AC99-4A9F-9335-BAC898D4A850}" type="slidenum">
               <a:rPr lang="ko-KR" altLang="en-US" smtClean="0"/>
               <a:pPr/>
-              <a:t>13</a:t>
+              <a:t>12</a:t>
             </a:fld>
             <a:endParaRPr lang="ko-KR" altLang="en-US" dirty="0"/>
           </a:p>
@@ -6196,7 +5390,7 @@
 </p:sld>
 </file>
 
-<file path=ppt/slides/slide14.xml><?xml version="1.0" encoding="utf-8"?>
+<file path=ppt/slides/slide13.xml><?xml version="1.0" encoding="utf-8"?>
 <p:sld xmlns:a="http://schemas.openxmlformats.org/drawingml/2006/main" xmlns:r="http://schemas.openxmlformats.org/officeDocument/2006/relationships" xmlns:p="http://schemas.openxmlformats.org/presentationml/2006/main">
   <p:cSld>
     <p:spTree>
@@ -6341,7 +5535,7 @@
             <a:fld id="{068760B5-AC99-4A9F-9335-BAC898D4A850}" type="slidenum">
               <a:rPr lang="ko-KR" altLang="en-US" smtClean="0"/>
               <a:pPr/>
-              <a:t>14</a:t>
+              <a:t>13</a:t>
             </a:fld>
             <a:endParaRPr lang="ko-KR" altLang="en-US" dirty="0"/>
           </a:p>
@@ -6360,7 +5554,7 @@
 </p:sld>
 </file>
 
-<file path=ppt/slides/slide15.xml><?xml version="1.0" encoding="utf-8"?>
+<file path=ppt/slides/slide14.xml><?xml version="1.0" encoding="utf-8"?>
 <p:sld xmlns:a="http://schemas.openxmlformats.org/drawingml/2006/main" xmlns:r="http://schemas.openxmlformats.org/officeDocument/2006/relationships" xmlns:p="http://schemas.openxmlformats.org/presentationml/2006/main">
   <p:cSld>
     <p:spTree>
@@ -6533,7 +5727,7 @@
             <a:fld id="{068760B5-AC99-4A9F-9335-BAC898D4A850}" type="slidenum">
               <a:rPr lang="ko-KR" altLang="en-US" smtClean="0"/>
               <a:pPr/>
-              <a:t>15</a:t>
+              <a:t>14</a:t>
             </a:fld>
             <a:endParaRPr lang="ko-KR" altLang="en-US" dirty="0"/>
           </a:p>
@@ -6848,7 +6042,7 @@
 </p:sld>
 </file>
 
-<file path=ppt/slides/slide16.xml><?xml version="1.0" encoding="utf-8"?>
+<file path=ppt/slides/slide15.xml><?xml version="1.0" encoding="utf-8"?>
 <p:sld xmlns:a="http://schemas.openxmlformats.org/drawingml/2006/main" xmlns:r="http://schemas.openxmlformats.org/officeDocument/2006/relationships" xmlns:p="http://schemas.openxmlformats.org/presentationml/2006/main">
   <p:cSld>
     <p:spTree>
@@ -7010,7 +6204,7 @@
             <a:fld id="{068760B5-AC99-4A9F-9335-BAC898D4A850}" type="slidenum">
               <a:rPr lang="ko-KR" altLang="en-US" smtClean="0"/>
               <a:pPr/>
-              <a:t>16</a:t>
+              <a:t>15</a:t>
             </a:fld>
             <a:endParaRPr lang="ko-KR" altLang="en-US" dirty="0"/>
           </a:p>
@@ -7431,7 +6625,7 @@
 </p:sld>
 </file>
 
-<file path=ppt/slides/slide17.xml><?xml version="1.0" encoding="utf-8"?>
+<file path=ppt/slides/slide16.xml><?xml version="1.0" encoding="utf-8"?>
 <p:sld xmlns:a="http://schemas.openxmlformats.org/drawingml/2006/main" xmlns:r="http://schemas.openxmlformats.org/officeDocument/2006/relationships" xmlns:p="http://schemas.openxmlformats.org/presentationml/2006/main">
   <p:cSld>
     <p:spTree>
@@ -7862,7 +7056,7 @@
             <a:fld id="{068760B5-AC99-4A9F-9335-BAC898D4A850}" type="slidenum">
               <a:rPr lang="ko-KR" altLang="en-US" smtClean="0"/>
               <a:pPr/>
-              <a:t>17</a:t>
+              <a:t>16</a:t>
             </a:fld>
             <a:endParaRPr lang="ko-KR" altLang="en-US" dirty="0"/>
           </a:p>
@@ -8350,7 +7544,7 @@
 </p:sld>
 </file>
 
-<file path=ppt/slides/slide18.xml><?xml version="1.0" encoding="utf-8"?>
+<file path=ppt/slides/slide17.xml><?xml version="1.0" encoding="utf-8"?>
 <p:sld xmlns:a="http://schemas.openxmlformats.org/drawingml/2006/main" xmlns:r="http://schemas.openxmlformats.org/officeDocument/2006/relationships" xmlns:p="http://schemas.openxmlformats.org/presentationml/2006/main">
   <p:cSld>
     <p:spTree>
@@ -8532,7 +7726,7 @@
             <a:fld id="{068760B5-AC99-4A9F-9335-BAC898D4A850}" type="slidenum">
               <a:rPr lang="ko-KR" altLang="en-US" smtClean="0"/>
               <a:pPr/>
-              <a:t>18</a:t>
+              <a:t>17</a:t>
             </a:fld>
             <a:endParaRPr lang="ko-KR" altLang="en-US" dirty="0"/>
           </a:p>
@@ -8860,7 +8054,7 @@
 </p:sld>
 </file>
 
-<file path=ppt/slides/slide19.xml><?xml version="1.0" encoding="utf-8"?>
+<file path=ppt/slides/slide18.xml><?xml version="1.0" encoding="utf-8"?>
 <p:sld xmlns:a="http://schemas.openxmlformats.org/drawingml/2006/main" xmlns:r="http://schemas.openxmlformats.org/officeDocument/2006/relationships" xmlns:p="http://schemas.openxmlformats.org/presentationml/2006/main">
   <p:cSld>
     <p:spTree>
@@ -9190,7 +8384,7 @@
             <a:fld id="{068760B5-AC99-4A9F-9335-BAC898D4A850}" type="slidenum">
               <a:rPr lang="ko-KR" altLang="en-US" smtClean="0"/>
               <a:pPr/>
-              <a:t>19</a:t>
+              <a:t>18</a:t>
             </a:fld>
             <a:endParaRPr lang="ko-KR" altLang="en-US" dirty="0"/>
           </a:p>
@@ -9758,6 +8952,467 @@
 </p:sld>
 </file>
 
+<file path=ppt/slides/slide19.xml><?xml version="1.0" encoding="utf-8"?>
+<p:sld xmlns:a="http://schemas.openxmlformats.org/drawingml/2006/main" xmlns:r="http://schemas.openxmlformats.org/officeDocument/2006/relationships" xmlns:p="http://schemas.openxmlformats.org/presentationml/2006/main">
+  <p:cSld>
+    <p:spTree>
+      <p:nvGrpSpPr>
+        <p:cNvPr id="1" name=""/>
+        <p:cNvGrpSpPr/>
+        <p:nvPr/>
+      </p:nvGrpSpPr>
+      <p:grpSpPr>
+        <a:xfrm>
+          <a:off x="0" y="0"/>
+          <a:ext cx="0" cy="0"/>
+          <a:chOff x="0" y="0"/>
+          <a:chExt cx="0" cy="0"/>
+        </a:xfrm>
+      </p:grpSpPr>
+      <p:sp>
+        <p:nvSpPr>
+          <p:cNvPr id="2" name="제목 1"/>
+          <p:cNvSpPr>
+            <a:spLocks noGrp="1"/>
+          </p:cNvSpPr>
+          <p:nvPr>
+            <p:ph type="title"/>
+          </p:nvPr>
+        </p:nvSpPr>
+        <p:spPr/>
+        <p:txBody>
+          <a:bodyPr/>
+          <a:lstStyle/>
+          <a:p>
+            <a:r>
+              <a:rPr lang="ko-KR" altLang="en-US" dirty="0"/>
+              <a:t>다른 문법 정의 방법 </a:t>
+            </a:r>
+          </a:p>
+        </p:txBody>
+      </p:sp>
+      <p:sp>
+        <p:nvSpPr>
+          <p:cNvPr id="5" name="슬라이드 번호 개체 틀 4"/>
+          <p:cNvSpPr>
+            <a:spLocks noGrp="1"/>
+          </p:cNvSpPr>
+          <p:nvPr>
+            <p:ph type="sldNum" sz="quarter" idx="12"/>
+          </p:nvPr>
+        </p:nvSpPr>
+        <p:spPr/>
+        <p:txBody>
+          <a:bodyPr/>
+          <a:lstStyle/>
+          <a:p>
+            <a:r>
+              <a:rPr lang="en-US" altLang="ko-KR"/>
+              <a:t>Slide </a:t>
+            </a:r>
+            <a:fld id="{068760B5-AC99-4A9F-9335-BAC898D4A850}" type="slidenum">
+              <a:rPr lang="ko-KR" altLang="en-US" smtClean="0"/>
+              <a:pPr/>
+              <a:t>19</a:t>
+            </a:fld>
+            <a:endParaRPr lang="ko-KR" altLang="en-US" dirty="0"/>
+          </a:p>
+        </p:txBody>
+      </p:sp>
+      <p:pic>
+        <p:nvPicPr>
+          <p:cNvPr id="6" name="그림 5"/>
+          <p:cNvPicPr>
+            <a:picLocks noChangeAspect="1"/>
+          </p:cNvPicPr>
+          <p:nvPr/>
+        </p:nvPicPr>
+        <p:blipFill>
+          <a:blip r:embed="rId3"/>
+          <a:stretch>
+            <a:fillRect/>
+          </a:stretch>
+        </p:blipFill>
+        <p:spPr>
+          <a:xfrm>
+            <a:off x="1182543" y="1096674"/>
+            <a:ext cx="5653687" cy="1143144"/>
+          </a:xfrm>
+          <a:prstGeom prst="rect">
+            <a:avLst/>
+          </a:prstGeom>
+        </p:spPr>
+      </p:pic>
+      <p:pic>
+        <p:nvPicPr>
+          <p:cNvPr id="7" name="그림 6"/>
+          <p:cNvPicPr>
+            <a:picLocks noChangeAspect="1"/>
+          </p:cNvPicPr>
+          <p:nvPr/>
+        </p:nvPicPr>
+        <p:blipFill>
+          <a:blip r:embed="rId4"/>
+          <a:stretch>
+            <a:fillRect/>
+          </a:stretch>
+        </p:blipFill>
+        <p:spPr>
+          <a:xfrm>
+            <a:off x="1182544" y="2447205"/>
+            <a:ext cx="5653686" cy="1125462"/>
+          </a:xfrm>
+          <a:prstGeom prst="rect">
+            <a:avLst/>
+          </a:prstGeom>
+        </p:spPr>
+      </p:pic>
+      <p:pic>
+        <p:nvPicPr>
+          <p:cNvPr id="8" name="그림 7"/>
+          <p:cNvPicPr>
+            <a:picLocks noChangeAspect="1"/>
+          </p:cNvPicPr>
+          <p:nvPr/>
+        </p:nvPicPr>
+        <p:blipFill>
+          <a:blip r:embed="rId5"/>
+          <a:stretch>
+            <a:fillRect/>
+          </a:stretch>
+        </p:blipFill>
+        <p:spPr>
+          <a:xfrm>
+            <a:off x="1182543" y="3786188"/>
+            <a:ext cx="5401137" cy="2529868"/>
+          </a:xfrm>
+          <a:prstGeom prst="rect">
+            <a:avLst/>
+          </a:prstGeom>
+        </p:spPr>
+      </p:pic>
+      <p:sp>
+        <p:nvSpPr>
+          <p:cNvPr id="10" name="TextBox 9"/>
+          <p:cNvSpPr txBox="1"/>
+          <p:nvPr/>
+        </p:nvSpPr>
+        <p:spPr>
+          <a:xfrm>
+            <a:off x="7467599" y="1200357"/>
+            <a:ext cx="4224233" cy="1200329"/>
+          </a:xfrm>
+          <a:prstGeom prst="rect">
+            <a:avLst/>
+          </a:prstGeom>
+          <a:noFill/>
+        </p:spPr>
+        <p:txBody>
+          <a:bodyPr wrap="none" rtlCol="0">
+            <a:spAutoFit/>
+          </a:bodyPr>
+          <a:lstStyle/>
+          <a:p>
+            <a:r>
+              <a:rPr lang="ko-KR" altLang="en-US" dirty="0">
+                <a:latin typeface="나눔고딕코딩" panose="020D0009000000000000" pitchFamily="49" charset="-127"/>
+                <a:ea typeface="나눔고딕코딩" panose="020D0009000000000000" pitchFamily="49" charset="-127"/>
+              </a:rPr>
+              <a:t>왼쪽에서 오른쪽으로 사다리 타기</a:t>
+            </a:r>
+            <a:r>
+              <a:rPr lang="en-US" altLang="ko-KR" dirty="0">
+                <a:latin typeface="나눔고딕코딩" panose="020D0009000000000000" pitchFamily="49" charset="-127"/>
+                <a:ea typeface="나눔고딕코딩" panose="020D0009000000000000" pitchFamily="49" charset="-127"/>
+              </a:rPr>
+              <a:t>.</a:t>
+            </a:r>
+          </a:p>
+          <a:p>
+            <a:r>
+              <a:rPr lang="ko-KR" altLang="en-US" dirty="0">
+                <a:latin typeface="나눔고딕코딩" panose="020D0009000000000000" pitchFamily="49" charset="-127"/>
+                <a:ea typeface="나눔고딕코딩" panose="020D0009000000000000" pitchFamily="49" charset="-127"/>
+              </a:rPr>
+              <a:t>단</a:t>
+            </a:r>
+            <a:r>
+              <a:rPr lang="en-US" altLang="ko-KR" dirty="0">
+                <a:latin typeface="나눔고딕코딩" panose="020D0009000000000000" pitchFamily="49" charset="-127"/>
+                <a:ea typeface="나눔고딕코딩" panose="020D0009000000000000" pitchFamily="49" charset="-127"/>
+              </a:rPr>
+              <a:t>, </a:t>
+            </a:r>
+            <a:r>
+              <a:rPr lang="ko-KR" altLang="en-US" dirty="0">
+                <a:latin typeface="나눔고딕코딩" panose="020D0009000000000000" pitchFamily="49" charset="-127"/>
+                <a:ea typeface="나눔고딕코딩" panose="020D0009000000000000" pitchFamily="49" charset="-127"/>
+              </a:rPr>
+              <a:t>갈래에서 선택이 가능</a:t>
+            </a:r>
+            <a:r>
+              <a:rPr lang="en-US" altLang="ko-KR" dirty="0">
+                <a:latin typeface="나눔고딕코딩" panose="020D0009000000000000" pitchFamily="49" charset="-127"/>
+                <a:ea typeface="나눔고딕코딩" panose="020D0009000000000000" pitchFamily="49" charset="-127"/>
+              </a:rPr>
+              <a:t>.</a:t>
+            </a:r>
+          </a:p>
+          <a:p>
+            <a:endParaRPr lang="en-US" altLang="ko-KR" dirty="0">
+              <a:latin typeface="나눔고딕코딩" panose="020D0009000000000000" pitchFamily="49" charset="-127"/>
+              <a:ea typeface="나눔고딕코딩" panose="020D0009000000000000" pitchFamily="49" charset="-127"/>
+            </a:endParaRPr>
+          </a:p>
+          <a:p>
+            <a:r>
+              <a:rPr lang="ko-KR" altLang="en-US" dirty="0">
+                <a:latin typeface="나눔고딕코딩" panose="020D0009000000000000" pitchFamily="49" charset="-127"/>
+                <a:ea typeface="나눔고딕코딩" panose="020D0009000000000000" pitchFamily="49" charset="-127"/>
+              </a:rPr>
+              <a:t>문법 도표 </a:t>
+            </a:r>
+            <a:r>
+              <a:rPr lang="en-US" altLang="ko-KR" dirty="0">
+                <a:latin typeface="나눔고딕코딩" panose="020D0009000000000000" pitchFamily="49" charset="-127"/>
+                <a:ea typeface="나눔고딕코딩" panose="020D0009000000000000" pitchFamily="49" charset="-127"/>
+              </a:rPr>
+              <a:t>(Syntax Diagram) </a:t>
+            </a:r>
+            <a:r>
+              <a:rPr lang="ko-KR" altLang="en-US" dirty="0">
+                <a:latin typeface="나눔고딕코딩" panose="020D0009000000000000" pitchFamily="49" charset="-127"/>
+                <a:ea typeface="나눔고딕코딩" panose="020D0009000000000000" pitchFamily="49" charset="-127"/>
+              </a:rPr>
+              <a:t>중 하나</a:t>
+            </a:r>
+            <a:r>
+              <a:rPr lang="en-US" altLang="ko-KR" dirty="0">
+                <a:latin typeface="나눔고딕코딩" panose="020D0009000000000000" pitchFamily="49" charset="-127"/>
+                <a:ea typeface="나눔고딕코딩" panose="020D0009000000000000" pitchFamily="49" charset="-127"/>
+              </a:rPr>
+              <a:t>.</a:t>
+            </a:r>
+            <a:endParaRPr lang="ko-KR" altLang="en-US" dirty="0">
+              <a:latin typeface="나눔고딕코딩" panose="020D0009000000000000" pitchFamily="49" charset="-127"/>
+              <a:ea typeface="나눔고딕코딩" panose="020D0009000000000000" pitchFamily="49" charset="-127"/>
+            </a:endParaRPr>
+          </a:p>
+        </p:txBody>
+      </p:sp>
+      <p:sp>
+        <p:nvSpPr>
+          <p:cNvPr id="3" name="바닥글 개체 틀 2"/>
+          <p:cNvSpPr>
+            <a:spLocks noGrp="1"/>
+          </p:cNvSpPr>
+          <p:nvPr>
+            <p:ph type="ftr" sz="quarter" idx="11"/>
+          </p:nvPr>
+        </p:nvSpPr>
+        <p:spPr/>
+        <p:txBody>
+          <a:bodyPr/>
+          <a:lstStyle/>
+          <a:p>
+            <a:r>
+              <a:rPr lang="ko-KR" altLang="en-US"/>
+              <a:t>컴파일러</a:t>
+            </a:r>
+            <a:endParaRPr lang="ko-KR" altLang="en-US" dirty="0"/>
+          </a:p>
+        </p:txBody>
+      </p:sp>
+    </p:spTree>
+    <p:extLst>
+      <p:ext uri="{BB962C8B-B14F-4D97-AF65-F5344CB8AC3E}">
+        <p14:creationId xmlns:p14="http://schemas.microsoft.com/office/powerpoint/2010/main" val="3440820147"/>
+      </p:ext>
+    </p:extLst>
+  </p:cSld>
+  <p:clrMapOvr>
+    <a:masterClrMapping/>
+  </p:clrMapOvr>
+  <p:timing>
+    <p:tnLst>
+      <p:par>
+        <p:cTn id="1" dur="indefinite" restart="never" nodeType="tmRoot">
+          <p:childTnLst>
+            <p:seq concurrent="1" nextAc="seek">
+              <p:cTn id="2" dur="indefinite" nodeType="mainSeq">
+                <p:childTnLst>
+                  <p:par>
+                    <p:cTn id="3" fill="hold">
+                      <p:stCondLst>
+                        <p:cond delay="indefinite"/>
+                      </p:stCondLst>
+                      <p:childTnLst>
+                        <p:par>
+                          <p:cTn id="4" fill="hold">
+                            <p:stCondLst>
+                              <p:cond delay="0"/>
+                            </p:stCondLst>
+                            <p:childTnLst>
+                              <p:par>
+                                <p:cTn id="5" presetID="1" presetClass="entr" presetSubtype="0" fill="hold" nodeType="clickEffect">
+                                  <p:stCondLst>
+                                    <p:cond delay="0"/>
+                                  </p:stCondLst>
+                                  <p:childTnLst>
+                                    <p:set>
+                                      <p:cBhvr>
+                                        <p:cTn id="6" dur="1" fill="hold">
+                                          <p:stCondLst>
+                                            <p:cond delay="0"/>
+                                          </p:stCondLst>
+                                        </p:cTn>
+                                        <p:tgtEl>
+                                          <p:spTgt spid="6"/>
+                                        </p:tgtEl>
+                                        <p:attrNameLst>
+                                          <p:attrName>style.visibility</p:attrName>
+                                        </p:attrNameLst>
+                                      </p:cBhvr>
+                                      <p:to>
+                                        <p:strVal val="visible"/>
+                                      </p:to>
+                                    </p:set>
+                                  </p:childTnLst>
+                                </p:cTn>
+                              </p:par>
+                              <p:par>
+                                <p:cTn id="7" presetID="1" presetClass="entr" presetSubtype="0" fill="hold" nodeType="withEffect">
+                                  <p:stCondLst>
+                                    <p:cond delay="0"/>
+                                  </p:stCondLst>
+                                  <p:childTnLst>
+                                    <p:set>
+                                      <p:cBhvr>
+                                        <p:cTn id="8" dur="1" fill="hold">
+                                          <p:stCondLst>
+                                            <p:cond delay="0"/>
+                                          </p:stCondLst>
+                                        </p:cTn>
+                                        <p:tgtEl>
+                                          <p:spTgt spid="7"/>
+                                        </p:tgtEl>
+                                        <p:attrNameLst>
+                                          <p:attrName>style.visibility</p:attrName>
+                                        </p:attrNameLst>
+                                      </p:cBhvr>
+                                      <p:to>
+                                        <p:strVal val="visible"/>
+                                      </p:to>
+                                    </p:set>
+                                  </p:childTnLst>
+                                </p:cTn>
+                              </p:par>
+                              <p:par>
+                                <p:cTn id="9" presetID="1" presetClass="entr" presetSubtype="0" fill="hold" nodeType="withEffect">
+                                  <p:stCondLst>
+                                    <p:cond delay="0"/>
+                                  </p:stCondLst>
+                                  <p:childTnLst>
+                                    <p:set>
+                                      <p:cBhvr>
+                                        <p:cTn id="10" dur="1" fill="hold">
+                                          <p:stCondLst>
+                                            <p:cond delay="0"/>
+                                          </p:stCondLst>
+                                        </p:cTn>
+                                        <p:tgtEl>
+                                          <p:spTgt spid="8"/>
+                                        </p:tgtEl>
+                                        <p:attrNameLst>
+                                          <p:attrName>style.visibility</p:attrName>
+                                        </p:attrNameLst>
+                                      </p:cBhvr>
+                                      <p:to>
+                                        <p:strVal val="visible"/>
+                                      </p:to>
+                                    </p:set>
+                                  </p:childTnLst>
+                                </p:cTn>
+                              </p:par>
+                            </p:childTnLst>
+                          </p:cTn>
+                        </p:par>
+                      </p:childTnLst>
+                    </p:cTn>
+                  </p:par>
+                  <p:par>
+                    <p:cTn id="11" fill="hold">
+                      <p:stCondLst>
+                        <p:cond delay="indefinite"/>
+                      </p:stCondLst>
+                      <p:childTnLst>
+                        <p:par>
+                          <p:cTn id="12" fill="hold">
+                            <p:stCondLst>
+                              <p:cond delay="0"/>
+                            </p:stCondLst>
+                            <p:childTnLst>
+                              <p:par>
+                                <p:cTn id="13" presetID="1" presetClass="entr" presetSubtype="0" fill="hold" grpId="0" nodeType="clickEffect">
+                                  <p:stCondLst>
+                                    <p:cond delay="0"/>
+                                  </p:stCondLst>
+                                  <p:childTnLst>
+                                    <p:set>
+                                      <p:cBhvr>
+                                        <p:cTn id="14" dur="1" fill="hold">
+                                          <p:stCondLst>
+                                            <p:cond delay="0"/>
+                                          </p:stCondLst>
+                                        </p:cTn>
+                                        <p:tgtEl>
+                                          <p:spTgt spid="10"/>
+                                        </p:tgtEl>
+                                        <p:attrNameLst>
+                                          <p:attrName>style.visibility</p:attrName>
+                                        </p:attrNameLst>
+                                      </p:cBhvr>
+                                      <p:to>
+                                        <p:strVal val="visible"/>
+                                      </p:to>
+                                    </p:set>
+                                  </p:childTnLst>
+                                </p:cTn>
+                              </p:par>
+                            </p:childTnLst>
+                          </p:cTn>
+                        </p:par>
+                      </p:childTnLst>
+                    </p:cTn>
+                  </p:par>
+                </p:childTnLst>
+              </p:cTn>
+              <p:prevCondLst>
+                <p:cond evt="onPrev" delay="0">
+                  <p:tgtEl>
+                    <p:sldTgt/>
+                  </p:tgtEl>
+                </p:cond>
+              </p:prevCondLst>
+              <p:nextCondLst>
+                <p:cond evt="onNext" delay="0">
+                  <p:tgtEl>
+                    <p:sldTgt/>
+                  </p:tgtEl>
+                </p:cond>
+              </p:nextCondLst>
+            </p:seq>
+          </p:childTnLst>
+        </p:cTn>
+      </p:par>
+    </p:tnLst>
+    <p:bldLst>
+      <p:bldP spid="10" grpId="0"/>
+    </p:bldLst>
+  </p:timing>
+</p:sld>
+</file>
+
 <file path=ppt/slides/slide2.xml><?xml version="1.0" encoding="utf-8"?>
 <p:sld xmlns:a="http://schemas.openxmlformats.org/drawingml/2006/main" xmlns:r="http://schemas.openxmlformats.org/officeDocument/2006/relationships" xmlns:p="http://schemas.openxmlformats.org/presentationml/2006/main">
   <p:cSld>
@@ -10412,467 +10067,6 @@
           <a:lstStyle/>
           <a:p>
             <a:r>
-              <a:rPr lang="ko-KR" altLang="en-US" dirty="0"/>
-              <a:t>다른 문법 정의 방법 </a:t>
-            </a:r>
-          </a:p>
-        </p:txBody>
-      </p:sp>
-      <p:sp>
-        <p:nvSpPr>
-          <p:cNvPr id="5" name="슬라이드 번호 개체 틀 4"/>
-          <p:cNvSpPr>
-            <a:spLocks noGrp="1"/>
-          </p:cNvSpPr>
-          <p:nvPr>
-            <p:ph type="sldNum" sz="quarter" idx="12"/>
-          </p:nvPr>
-        </p:nvSpPr>
-        <p:spPr/>
-        <p:txBody>
-          <a:bodyPr/>
-          <a:lstStyle/>
-          <a:p>
-            <a:r>
-              <a:rPr lang="en-US" altLang="ko-KR"/>
-              <a:t>Slide </a:t>
-            </a:r>
-            <a:fld id="{068760B5-AC99-4A9F-9335-BAC898D4A850}" type="slidenum">
-              <a:rPr lang="ko-KR" altLang="en-US" smtClean="0"/>
-              <a:pPr/>
-              <a:t>20</a:t>
-            </a:fld>
-            <a:endParaRPr lang="ko-KR" altLang="en-US" dirty="0"/>
-          </a:p>
-        </p:txBody>
-      </p:sp>
-      <p:pic>
-        <p:nvPicPr>
-          <p:cNvPr id="6" name="그림 5"/>
-          <p:cNvPicPr>
-            <a:picLocks noChangeAspect="1"/>
-          </p:cNvPicPr>
-          <p:nvPr/>
-        </p:nvPicPr>
-        <p:blipFill>
-          <a:blip r:embed="rId3"/>
-          <a:stretch>
-            <a:fillRect/>
-          </a:stretch>
-        </p:blipFill>
-        <p:spPr>
-          <a:xfrm>
-            <a:off x="1182543" y="1096674"/>
-            <a:ext cx="5653687" cy="1143144"/>
-          </a:xfrm>
-          <a:prstGeom prst="rect">
-            <a:avLst/>
-          </a:prstGeom>
-        </p:spPr>
-      </p:pic>
-      <p:pic>
-        <p:nvPicPr>
-          <p:cNvPr id="7" name="그림 6"/>
-          <p:cNvPicPr>
-            <a:picLocks noChangeAspect="1"/>
-          </p:cNvPicPr>
-          <p:nvPr/>
-        </p:nvPicPr>
-        <p:blipFill>
-          <a:blip r:embed="rId4"/>
-          <a:stretch>
-            <a:fillRect/>
-          </a:stretch>
-        </p:blipFill>
-        <p:spPr>
-          <a:xfrm>
-            <a:off x="1182544" y="2447205"/>
-            <a:ext cx="5653686" cy="1125462"/>
-          </a:xfrm>
-          <a:prstGeom prst="rect">
-            <a:avLst/>
-          </a:prstGeom>
-        </p:spPr>
-      </p:pic>
-      <p:pic>
-        <p:nvPicPr>
-          <p:cNvPr id="8" name="그림 7"/>
-          <p:cNvPicPr>
-            <a:picLocks noChangeAspect="1"/>
-          </p:cNvPicPr>
-          <p:nvPr/>
-        </p:nvPicPr>
-        <p:blipFill>
-          <a:blip r:embed="rId5"/>
-          <a:stretch>
-            <a:fillRect/>
-          </a:stretch>
-        </p:blipFill>
-        <p:spPr>
-          <a:xfrm>
-            <a:off x="1182543" y="3786188"/>
-            <a:ext cx="5401137" cy="2529868"/>
-          </a:xfrm>
-          <a:prstGeom prst="rect">
-            <a:avLst/>
-          </a:prstGeom>
-        </p:spPr>
-      </p:pic>
-      <p:sp>
-        <p:nvSpPr>
-          <p:cNvPr id="10" name="TextBox 9"/>
-          <p:cNvSpPr txBox="1"/>
-          <p:nvPr/>
-        </p:nvSpPr>
-        <p:spPr>
-          <a:xfrm>
-            <a:off x="7467599" y="1200357"/>
-            <a:ext cx="4224233" cy="1200329"/>
-          </a:xfrm>
-          <a:prstGeom prst="rect">
-            <a:avLst/>
-          </a:prstGeom>
-          <a:noFill/>
-        </p:spPr>
-        <p:txBody>
-          <a:bodyPr wrap="none" rtlCol="0">
-            <a:spAutoFit/>
-          </a:bodyPr>
-          <a:lstStyle/>
-          <a:p>
-            <a:r>
-              <a:rPr lang="ko-KR" altLang="en-US" dirty="0">
-                <a:latin typeface="나눔고딕코딩" panose="020D0009000000000000" pitchFamily="49" charset="-127"/>
-                <a:ea typeface="나눔고딕코딩" panose="020D0009000000000000" pitchFamily="49" charset="-127"/>
-              </a:rPr>
-              <a:t>왼쪽에서 오른쪽으로 사다리 타기</a:t>
-            </a:r>
-            <a:r>
-              <a:rPr lang="en-US" altLang="ko-KR" dirty="0">
-                <a:latin typeface="나눔고딕코딩" panose="020D0009000000000000" pitchFamily="49" charset="-127"/>
-                <a:ea typeface="나눔고딕코딩" panose="020D0009000000000000" pitchFamily="49" charset="-127"/>
-              </a:rPr>
-              <a:t>.</a:t>
-            </a:r>
-          </a:p>
-          <a:p>
-            <a:r>
-              <a:rPr lang="ko-KR" altLang="en-US" dirty="0">
-                <a:latin typeface="나눔고딕코딩" panose="020D0009000000000000" pitchFamily="49" charset="-127"/>
-                <a:ea typeface="나눔고딕코딩" panose="020D0009000000000000" pitchFamily="49" charset="-127"/>
-              </a:rPr>
-              <a:t>단</a:t>
-            </a:r>
-            <a:r>
-              <a:rPr lang="en-US" altLang="ko-KR" dirty="0">
-                <a:latin typeface="나눔고딕코딩" panose="020D0009000000000000" pitchFamily="49" charset="-127"/>
-                <a:ea typeface="나눔고딕코딩" panose="020D0009000000000000" pitchFamily="49" charset="-127"/>
-              </a:rPr>
-              <a:t>, </a:t>
-            </a:r>
-            <a:r>
-              <a:rPr lang="ko-KR" altLang="en-US" dirty="0">
-                <a:latin typeface="나눔고딕코딩" panose="020D0009000000000000" pitchFamily="49" charset="-127"/>
-                <a:ea typeface="나눔고딕코딩" panose="020D0009000000000000" pitchFamily="49" charset="-127"/>
-              </a:rPr>
-              <a:t>갈래에서 선택이 가능</a:t>
-            </a:r>
-            <a:r>
-              <a:rPr lang="en-US" altLang="ko-KR" dirty="0">
-                <a:latin typeface="나눔고딕코딩" panose="020D0009000000000000" pitchFamily="49" charset="-127"/>
-                <a:ea typeface="나눔고딕코딩" panose="020D0009000000000000" pitchFamily="49" charset="-127"/>
-              </a:rPr>
-              <a:t>.</a:t>
-            </a:r>
-          </a:p>
-          <a:p>
-            <a:endParaRPr lang="en-US" altLang="ko-KR" dirty="0">
-              <a:latin typeface="나눔고딕코딩" panose="020D0009000000000000" pitchFamily="49" charset="-127"/>
-              <a:ea typeface="나눔고딕코딩" panose="020D0009000000000000" pitchFamily="49" charset="-127"/>
-            </a:endParaRPr>
-          </a:p>
-          <a:p>
-            <a:r>
-              <a:rPr lang="ko-KR" altLang="en-US" dirty="0">
-                <a:latin typeface="나눔고딕코딩" panose="020D0009000000000000" pitchFamily="49" charset="-127"/>
-                <a:ea typeface="나눔고딕코딩" panose="020D0009000000000000" pitchFamily="49" charset="-127"/>
-              </a:rPr>
-              <a:t>문법 도표 </a:t>
-            </a:r>
-            <a:r>
-              <a:rPr lang="en-US" altLang="ko-KR" dirty="0">
-                <a:latin typeface="나눔고딕코딩" panose="020D0009000000000000" pitchFamily="49" charset="-127"/>
-                <a:ea typeface="나눔고딕코딩" panose="020D0009000000000000" pitchFamily="49" charset="-127"/>
-              </a:rPr>
-              <a:t>(Syntax Diagram) </a:t>
-            </a:r>
-            <a:r>
-              <a:rPr lang="ko-KR" altLang="en-US" dirty="0">
-                <a:latin typeface="나눔고딕코딩" panose="020D0009000000000000" pitchFamily="49" charset="-127"/>
-                <a:ea typeface="나눔고딕코딩" panose="020D0009000000000000" pitchFamily="49" charset="-127"/>
-              </a:rPr>
-              <a:t>중 하나</a:t>
-            </a:r>
-            <a:r>
-              <a:rPr lang="en-US" altLang="ko-KR" dirty="0">
-                <a:latin typeface="나눔고딕코딩" panose="020D0009000000000000" pitchFamily="49" charset="-127"/>
-                <a:ea typeface="나눔고딕코딩" panose="020D0009000000000000" pitchFamily="49" charset="-127"/>
-              </a:rPr>
-              <a:t>.</a:t>
-            </a:r>
-            <a:endParaRPr lang="ko-KR" altLang="en-US" dirty="0">
-              <a:latin typeface="나눔고딕코딩" panose="020D0009000000000000" pitchFamily="49" charset="-127"/>
-              <a:ea typeface="나눔고딕코딩" panose="020D0009000000000000" pitchFamily="49" charset="-127"/>
-            </a:endParaRPr>
-          </a:p>
-        </p:txBody>
-      </p:sp>
-      <p:sp>
-        <p:nvSpPr>
-          <p:cNvPr id="3" name="바닥글 개체 틀 2"/>
-          <p:cNvSpPr>
-            <a:spLocks noGrp="1"/>
-          </p:cNvSpPr>
-          <p:nvPr>
-            <p:ph type="ftr" sz="quarter" idx="11"/>
-          </p:nvPr>
-        </p:nvSpPr>
-        <p:spPr/>
-        <p:txBody>
-          <a:bodyPr/>
-          <a:lstStyle/>
-          <a:p>
-            <a:r>
-              <a:rPr lang="ko-KR" altLang="en-US"/>
-              <a:t>컴파일러</a:t>
-            </a:r>
-            <a:endParaRPr lang="ko-KR" altLang="en-US" dirty="0"/>
-          </a:p>
-        </p:txBody>
-      </p:sp>
-    </p:spTree>
-    <p:extLst>
-      <p:ext uri="{BB962C8B-B14F-4D97-AF65-F5344CB8AC3E}">
-        <p14:creationId xmlns:p14="http://schemas.microsoft.com/office/powerpoint/2010/main" val="3440820147"/>
-      </p:ext>
-    </p:extLst>
-  </p:cSld>
-  <p:clrMapOvr>
-    <a:masterClrMapping/>
-  </p:clrMapOvr>
-  <p:timing>
-    <p:tnLst>
-      <p:par>
-        <p:cTn id="1" dur="indefinite" restart="never" nodeType="tmRoot">
-          <p:childTnLst>
-            <p:seq concurrent="1" nextAc="seek">
-              <p:cTn id="2" dur="indefinite" nodeType="mainSeq">
-                <p:childTnLst>
-                  <p:par>
-                    <p:cTn id="3" fill="hold">
-                      <p:stCondLst>
-                        <p:cond delay="indefinite"/>
-                      </p:stCondLst>
-                      <p:childTnLst>
-                        <p:par>
-                          <p:cTn id="4" fill="hold">
-                            <p:stCondLst>
-                              <p:cond delay="0"/>
-                            </p:stCondLst>
-                            <p:childTnLst>
-                              <p:par>
-                                <p:cTn id="5" presetID="1" presetClass="entr" presetSubtype="0" fill="hold" nodeType="clickEffect">
-                                  <p:stCondLst>
-                                    <p:cond delay="0"/>
-                                  </p:stCondLst>
-                                  <p:childTnLst>
-                                    <p:set>
-                                      <p:cBhvr>
-                                        <p:cTn id="6" dur="1" fill="hold">
-                                          <p:stCondLst>
-                                            <p:cond delay="0"/>
-                                          </p:stCondLst>
-                                        </p:cTn>
-                                        <p:tgtEl>
-                                          <p:spTgt spid="6"/>
-                                        </p:tgtEl>
-                                        <p:attrNameLst>
-                                          <p:attrName>style.visibility</p:attrName>
-                                        </p:attrNameLst>
-                                      </p:cBhvr>
-                                      <p:to>
-                                        <p:strVal val="visible"/>
-                                      </p:to>
-                                    </p:set>
-                                  </p:childTnLst>
-                                </p:cTn>
-                              </p:par>
-                              <p:par>
-                                <p:cTn id="7" presetID="1" presetClass="entr" presetSubtype="0" fill="hold" nodeType="withEffect">
-                                  <p:stCondLst>
-                                    <p:cond delay="0"/>
-                                  </p:stCondLst>
-                                  <p:childTnLst>
-                                    <p:set>
-                                      <p:cBhvr>
-                                        <p:cTn id="8" dur="1" fill="hold">
-                                          <p:stCondLst>
-                                            <p:cond delay="0"/>
-                                          </p:stCondLst>
-                                        </p:cTn>
-                                        <p:tgtEl>
-                                          <p:spTgt spid="7"/>
-                                        </p:tgtEl>
-                                        <p:attrNameLst>
-                                          <p:attrName>style.visibility</p:attrName>
-                                        </p:attrNameLst>
-                                      </p:cBhvr>
-                                      <p:to>
-                                        <p:strVal val="visible"/>
-                                      </p:to>
-                                    </p:set>
-                                  </p:childTnLst>
-                                </p:cTn>
-                              </p:par>
-                              <p:par>
-                                <p:cTn id="9" presetID="1" presetClass="entr" presetSubtype="0" fill="hold" nodeType="withEffect">
-                                  <p:stCondLst>
-                                    <p:cond delay="0"/>
-                                  </p:stCondLst>
-                                  <p:childTnLst>
-                                    <p:set>
-                                      <p:cBhvr>
-                                        <p:cTn id="10" dur="1" fill="hold">
-                                          <p:stCondLst>
-                                            <p:cond delay="0"/>
-                                          </p:stCondLst>
-                                        </p:cTn>
-                                        <p:tgtEl>
-                                          <p:spTgt spid="8"/>
-                                        </p:tgtEl>
-                                        <p:attrNameLst>
-                                          <p:attrName>style.visibility</p:attrName>
-                                        </p:attrNameLst>
-                                      </p:cBhvr>
-                                      <p:to>
-                                        <p:strVal val="visible"/>
-                                      </p:to>
-                                    </p:set>
-                                  </p:childTnLst>
-                                </p:cTn>
-                              </p:par>
-                            </p:childTnLst>
-                          </p:cTn>
-                        </p:par>
-                      </p:childTnLst>
-                    </p:cTn>
-                  </p:par>
-                  <p:par>
-                    <p:cTn id="11" fill="hold">
-                      <p:stCondLst>
-                        <p:cond delay="indefinite"/>
-                      </p:stCondLst>
-                      <p:childTnLst>
-                        <p:par>
-                          <p:cTn id="12" fill="hold">
-                            <p:stCondLst>
-                              <p:cond delay="0"/>
-                            </p:stCondLst>
-                            <p:childTnLst>
-                              <p:par>
-                                <p:cTn id="13" presetID="1" presetClass="entr" presetSubtype="0" fill="hold" grpId="0" nodeType="clickEffect">
-                                  <p:stCondLst>
-                                    <p:cond delay="0"/>
-                                  </p:stCondLst>
-                                  <p:childTnLst>
-                                    <p:set>
-                                      <p:cBhvr>
-                                        <p:cTn id="14" dur="1" fill="hold">
-                                          <p:stCondLst>
-                                            <p:cond delay="0"/>
-                                          </p:stCondLst>
-                                        </p:cTn>
-                                        <p:tgtEl>
-                                          <p:spTgt spid="10"/>
-                                        </p:tgtEl>
-                                        <p:attrNameLst>
-                                          <p:attrName>style.visibility</p:attrName>
-                                        </p:attrNameLst>
-                                      </p:cBhvr>
-                                      <p:to>
-                                        <p:strVal val="visible"/>
-                                      </p:to>
-                                    </p:set>
-                                  </p:childTnLst>
-                                </p:cTn>
-                              </p:par>
-                            </p:childTnLst>
-                          </p:cTn>
-                        </p:par>
-                      </p:childTnLst>
-                    </p:cTn>
-                  </p:par>
-                </p:childTnLst>
-              </p:cTn>
-              <p:prevCondLst>
-                <p:cond evt="onPrev" delay="0">
-                  <p:tgtEl>
-                    <p:sldTgt/>
-                  </p:tgtEl>
-                </p:cond>
-              </p:prevCondLst>
-              <p:nextCondLst>
-                <p:cond evt="onNext" delay="0">
-                  <p:tgtEl>
-                    <p:sldTgt/>
-                  </p:tgtEl>
-                </p:cond>
-              </p:nextCondLst>
-            </p:seq>
-          </p:childTnLst>
-        </p:cTn>
-      </p:par>
-    </p:tnLst>
-    <p:bldLst>
-      <p:bldP spid="10" grpId="0"/>
-    </p:bldLst>
-  </p:timing>
-</p:sld>
-</file>
-
-<file path=ppt/slides/slide21.xml><?xml version="1.0" encoding="utf-8"?>
-<p:sld xmlns:a="http://schemas.openxmlformats.org/drawingml/2006/main" xmlns:r="http://schemas.openxmlformats.org/officeDocument/2006/relationships" xmlns:p="http://schemas.openxmlformats.org/presentationml/2006/main">
-  <p:cSld>
-    <p:spTree>
-      <p:nvGrpSpPr>
-        <p:cNvPr id="1" name=""/>
-        <p:cNvGrpSpPr/>
-        <p:nvPr/>
-      </p:nvGrpSpPr>
-      <p:grpSpPr>
-        <a:xfrm>
-          <a:off x="0" y="0"/>
-          <a:ext cx="0" cy="0"/>
-          <a:chOff x="0" y="0"/>
-          <a:chExt cx="0" cy="0"/>
-        </a:xfrm>
-      </p:grpSpPr>
-      <p:sp>
-        <p:nvSpPr>
-          <p:cNvPr id="2" name="제목 1"/>
-          <p:cNvSpPr>
-            <a:spLocks noGrp="1"/>
-          </p:cNvSpPr>
-          <p:nvPr>
-            <p:ph type="title"/>
-          </p:nvPr>
-        </p:nvSpPr>
-        <p:spPr/>
-        <p:txBody>
-          <a:bodyPr/>
-          <a:lstStyle/>
-          <a:p>
-            <a:r>
               <a:rPr lang="en-US" altLang="ko-KR" dirty="0"/>
               <a:t>C </a:t>
             </a:r>
@@ -11023,7 +10217,7 @@
             <a:fld id="{068760B5-AC99-4A9F-9335-BAC898D4A850}" type="slidenum">
               <a:rPr lang="ko-KR" altLang="en-US" smtClean="0"/>
               <a:pPr/>
-              <a:t>21</a:t>
+              <a:t>20</a:t>
             </a:fld>
             <a:endParaRPr lang="ko-KR" altLang="en-US" dirty="0"/>
           </a:p>
@@ -11542,7 +10736,7 @@
 </p:sld>
 </file>
 
-<file path=ppt/slides/slide22.xml><?xml version="1.0" encoding="utf-8"?>
+<file path=ppt/slides/slide21.xml><?xml version="1.0" encoding="utf-8"?>
 <p:sld xmlns:a="http://schemas.openxmlformats.org/drawingml/2006/main" xmlns:r="http://schemas.openxmlformats.org/officeDocument/2006/relationships" xmlns:p="http://schemas.openxmlformats.org/presentationml/2006/main">
   <p:cSld>
     <p:spTree>
@@ -11732,7 +10926,7 @@
             <a:fld id="{068760B5-AC99-4A9F-9335-BAC898D4A850}" type="slidenum">
               <a:rPr lang="ko-KR" altLang="en-US" smtClean="0"/>
               <a:pPr/>
-              <a:t>22</a:t>
+              <a:t>21</a:t>
             </a:fld>
             <a:endParaRPr lang="ko-KR" altLang="en-US" dirty="0"/>
           </a:p>
@@ -12171,7 +11365,7 @@
 </p:sld>
 </file>
 
-<file path=ppt/slides/slide23.xml><?xml version="1.0" encoding="utf-8"?>
+<file path=ppt/slides/slide22.xml><?xml version="1.0" encoding="utf-8"?>
 <p:sld xmlns:a="http://schemas.openxmlformats.org/drawingml/2006/main" xmlns:r="http://schemas.openxmlformats.org/officeDocument/2006/relationships" xmlns:p="http://schemas.openxmlformats.org/presentationml/2006/main">
   <p:cSld>
     <p:spTree>
@@ -12577,7 +11771,7 @@
             <a:fld id="{068760B5-AC99-4A9F-9335-BAC898D4A850}" type="slidenum">
               <a:rPr lang="ko-KR" altLang="en-US" smtClean="0"/>
               <a:pPr/>
-              <a:t>23</a:t>
+              <a:t>22</a:t>
             </a:fld>
             <a:endParaRPr lang="ko-KR" altLang="en-US" dirty="0"/>
           </a:p>
@@ -13202,7 +12396,7 @@
 </p:sld>
 </file>
 
-<file path=ppt/slides/slide24.xml><?xml version="1.0" encoding="utf-8"?>
+<file path=ppt/slides/slide23.xml><?xml version="1.0" encoding="utf-8"?>
 <p:sld xmlns:a="http://schemas.openxmlformats.org/drawingml/2006/main" xmlns:r="http://schemas.openxmlformats.org/officeDocument/2006/relationships" xmlns:p="http://schemas.openxmlformats.org/presentationml/2006/main">
   <p:cSld>
     <p:spTree>
@@ -13502,7 +12696,7 @@
             <a:fld id="{068760B5-AC99-4A9F-9335-BAC898D4A850}" type="slidenum">
               <a:rPr lang="ko-KR" altLang="en-US" smtClean="0"/>
               <a:pPr/>
-              <a:t>24</a:t>
+              <a:t>23</a:t>
             </a:fld>
             <a:endParaRPr lang="ko-KR" altLang="en-US" dirty="0"/>
           </a:p>
@@ -14016,7 +13210,7 @@
 </p:sld>
 </file>
 
-<file path=ppt/slides/slide25.xml><?xml version="1.0" encoding="utf-8"?>
+<file path=ppt/slides/slide24.xml><?xml version="1.0" encoding="utf-8"?>
 <p:sld xmlns:a="http://schemas.openxmlformats.org/drawingml/2006/main" xmlns:r="http://schemas.openxmlformats.org/officeDocument/2006/relationships" xmlns:p="http://schemas.openxmlformats.org/presentationml/2006/main">
   <p:cSld>
     <p:spTree>
@@ -14077,7 +13271,7 @@
             <a:fld id="{068760B5-AC99-4A9F-9335-BAC898D4A850}" type="slidenum">
               <a:rPr lang="ko-KR" altLang="en-US" smtClean="0"/>
               <a:pPr/>
-              <a:t>25</a:t>
+              <a:t>24</a:t>
             </a:fld>
             <a:endParaRPr lang="ko-KR" altLang="en-US" dirty="0"/>
           </a:p>
@@ -15703,6 +14897,196 @@
 </p:sld>
 </file>
 
+<file path=ppt/slides/slide25.xml><?xml version="1.0" encoding="utf-8"?>
+<p:sld xmlns:a="http://schemas.openxmlformats.org/drawingml/2006/main" xmlns:r="http://schemas.openxmlformats.org/officeDocument/2006/relationships" xmlns:p="http://schemas.openxmlformats.org/presentationml/2006/main">
+  <p:cSld>
+    <p:spTree>
+      <p:nvGrpSpPr>
+        <p:cNvPr id="1" name=""/>
+        <p:cNvGrpSpPr/>
+        <p:nvPr/>
+      </p:nvGrpSpPr>
+      <p:grpSpPr>
+        <a:xfrm>
+          <a:off x="0" y="0"/>
+          <a:ext cx="0" cy="0"/>
+          <a:chOff x="0" y="0"/>
+          <a:chExt cx="0" cy="0"/>
+        </a:xfrm>
+      </p:grpSpPr>
+      <p:sp>
+        <p:nvSpPr>
+          <p:cNvPr id="2" name="제목 1"/>
+          <p:cNvSpPr>
+            <a:spLocks noGrp="1"/>
+          </p:cNvSpPr>
+          <p:nvPr>
+            <p:ph type="title"/>
+          </p:nvPr>
+        </p:nvSpPr>
+        <p:spPr/>
+        <p:txBody>
+          <a:bodyPr/>
+          <a:lstStyle/>
+          <a:p>
+            <a:r>
+              <a:rPr lang="ko-KR" altLang="en-US" dirty="0"/>
+              <a:t>연습</a:t>
+            </a:r>
+          </a:p>
+        </p:txBody>
+      </p:sp>
+      <p:sp>
+        <p:nvSpPr>
+          <p:cNvPr id="3" name="내용 개체 틀 2"/>
+          <p:cNvSpPr>
+            <a:spLocks noGrp="1"/>
+          </p:cNvSpPr>
+          <p:nvPr>
+            <p:ph idx="1"/>
+          </p:nvPr>
+        </p:nvSpPr>
+        <p:spPr/>
+        <p:txBody>
+          <a:bodyPr/>
+          <a:lstStyle/>
+          <a:p>
+            <a:r>
+              <a:rPr lang="en-US" altLang="ko-KR" dirty="0"/>
+              <a:t>3 + 5 * 3 / 7</a:t>
+            </a:r>
+            <a:r>
+              <a:rPr lang="ko-KR" altLang="en-US" dirty="0"/>
+              <a:t>의 </a:t>
+            </a:r>
+            <a:r>
+              <a:rPr lang="ko-KR" altLang="en-US" dirty="0" err="1"/>
+              <a:t>좌파스</a:t>
+            </a:r>
+            <a:r>
+              <a:rPr lang="ko-KR" altLang="en-US" dirty="0"/>
+              <a:t> </a:t>
+            </a:r>
+            <a:r>
+              <a:rPr lang="en-US" altLang="ko-KR" dirty="0"/>
+              <a:t>/ </a:t>
+            </a:r>
+            <a:r>
+              <a:rPr lang="ko-KR" altLang="en-US" dirty="0" err="1"/>
+              <a:t>우파스</a:t>
+            </a:r>
+            <a:r>
+              <a:rPr lang="ko-KR" altLang="en-US" dirty="0"/>
+              <a:t> 트리 생성 </a:t>
+            </a:r>
+            <a:endParaRPr lang="en-US" altLang="ko-KR" dirty="0"/>
+          </a:p>
+          <a:p>
+            <a:endParaRPr lang="en-US" altLang="ko-KR" dirty="0"/>
+          </a:p>
+          <a:p>
+            <a:r>
+              <a:rPr lang="en-US" altLang="ko-KR" dirty="0"/>
+              <a:t>5 * (3 + 7)</a:t>
+            </a:r>
+            <a:r>
+              <a:rPr lang="ko-KR" altLang="en-US" dirty="0"/>
+              <a:t>의 </a:t>
+            </a:r>
+            <a:r>
+              <a:rPr lang="ko-KR" altLang="en-US" dirty="0" err="1"/>
+              <a:t>좌파스</a:t>
+            </a:r>
+            <a:r>
+              <a:rPr lang="ko-KR" altLang="en-US" dirty="0"/>
+              <a:t> </a:t>
+            </a:r>
+            <a:r>
+              <a:rPr lang="en-US" altLang="ko-KR" dirty="0"/>
+              <a:t>/ </a:t>
+            </a:r>
+            <a:r>
+              <a:rPr lang="ko-KR" altLang="en-US" dirty="0" err="1"/>
+              <a:t>우파스</a:t>
+            </a:r>
+            <a:r>
+              <a:rPr lang="ko-KR" altLang="en-US" dirty="0"/>
+              <a:t> 트리 생성 </a:t>
+            </a:r>
+            <a:endParaRPr lang="en-US" altLang="ko-KR" dirty="0"/>
+          </a:p>
+          <a:p>
+            <a:endParaRPr lang="en-US" altLang="ko-KR" dirty="0"/>
+          </a:p>
+          <a:p>
+            <a:endParaRPr lang="ko-KR" altLang="en-US" dirty="0"/>
+          </a:p>
+        </p:txBody>
+      </p:sp>
+      <p:sp>
+        <p:nvSpPr>
+          <p:cNvPr id="5" name="슬라이드 번호 개체 틀 4"/>
+          <p:cNvSpPr>
+            <a:spLocks noGrp="1"/>
+          </p:cNvSpPr>
+          <p:nvPr>
+            <p:ph type="sldNum" sz="quarter" idx="12"/>
+          </p:nvPr>
+        </p:nvSpPr>
+        <p:spPr/>
+        <p:txBody>
+          <a:bodyPr/>
+          <a:lstStyle/>
+          <a:p>
+            <a:r>
+              <a:rPr lang="en-US" altLang="ko-KR"/>
+              <a:t>Slide </a:t>
+            </a:r>
+            <a:fld id="{068760B5-AC99-4A9F-9335-BAC898D4A850}" type="slidenum">
+              <a:rPr lang="ko-KR" altLang="en-US" smtClean="0"/>
+              <a:pPr/>
+              <a:t>25</a:t>
+            </a:fld>
+            <a:endParaRPr lang="ko-KR" altLang="en-US" dirty="0"/>
+          </a:p>
+        </p:txBody>
+      </p:sp>
+      <p:sp>
+        <p:nvSpPr>
+          <p:cNvPr id="6" name="바닥글 개체 틀 5"/>
+          <p:cNvSpPr>
+            <a:spLocks noGrp="1"/>
+          </p:cNvSpPr>
+          <p:nvPr>
+            <p:ph type="ftr" sz="quarter" idx="11"/>
+          </p:nvPr>
+        </p:nvSpPr>
+        <p:spPr/>
+        <p:txBody>
+          <a:bodyPr/>
+          <a:lstStyle/>
+          <a:p>
+            <a:r>
+              <a:rPr lang="ko-KR" altLang="en-US"/>
+              <a:t>컴파일러</a:t>
+            </a:r>
+            <a:endParaRPr lang="ko-KR" altLang="en-US" dirty="0"/>
+          </a:p>
+        </p:txBody>
+      </p:sp>
+    </p:spTree>
+    <p:extLst>
+      <p:ext uri="{BB962C8B-B14F-4D97-AF65-F5344CB8AC3E}">
+        <p14:creationId xmlns:p14="http://schemas.microsoft.com/office/powerpoint/2010/main" val="1445902694"/>
+      </p:ext>
+    </p:extLst>
+  </p:cSld>
+  <p:clrMapOvr>
+    <a:masterClrMapping/>
+  </p:clrMapOvr>
+</p:sld>
+</file>
+
 <file path=ppt/slides/slide26.xml><?xml version="1.0" encoding="utf-8"?>
 <p:sld xmlns:a="http://schemas.openxmlformats.org/drawingml/2006/main" xmlns:r="http://schemas.openxmlformats.org/officeDocument/2006/relationships" xmlns:p="http://schemas.openxmlformats.org/presentationml/2006/main">
   <p:cSld>
@@ -15737,196 +15121,6 @@
           <a:p>
             <a:r>
               <a:rPr lang="ko-KR" altLang="en-US" dirty="0"/>
-              <a:t>연습</a:t>
-            </a:r>
-          </a:p>
-        </p:txBody>
-      </p:sp>
-      <p:sp>
-        <p:nvSpPr>
-          <p:cNvPr id="3" name="내용 개체 틀 2"/>
-          <p:cNvSpPr>
-            <a:spLocks noGrp="1"/>
-          </p:cNvSpPr>
-          <p:nvPr>
-            <p:ph idx="1"/>
-          </p:nvPr>
-        </p:nvSpPr>
-        <p:spPr/>
-        <p:txBody>
-          <a:bodyPr/>
-          <a:lstStyle/>
-          <a:p>
-            <a:r>
-              <a:rPr lang="en-US" altLang="ko-KR" dirty="0"/>
-              <a:t>3 + 5 * 3 / 7</a:t>
-            </a:r>
-            <a:r>
-              <a:rPr lang="ko-KR" altLang="en-US" dirty="0"/>
-              <a:t>의 </a:t>
-            </a:r>
-            <a:r>
-              <a:rPr lang="ko-KR" altLang="en-US" dirty="0" err="1"/>
-              <a:t>좌파스</a:t>
-            </a:r>
-            <a:r>
-              <a:rPr lang="ko-KR" altLang="en-US" dirty="0"/>
-              <a:t> </a:t>
-            </a:r>
-            <a:r>
-              <a:rPr lang="en-US" altLang="ko-KR" dirty="0"/>
-              <a:t>/ </a:t>
-            </a:r>
-            <a:r>
-              <a:rPr lang="ko-KR" altLang="en-US" dirty="0" err="1"/>
-              <a:t>우파스</a:t>
-            </a:r>
-            <a:r>
-              <a:rPr lang="ko-KR" altLang="en-US" dirty="0"/>
-              <a:t> 트리 생성 </a:t>
-            </a:r>
-            <a:endParaRPr lang="en-US" altLang="ko-KR" dirty="0"/>
-          </a:p>
-          <a:p>
-            <a:endParaRPr lang="en-US" altLang="ko-KR" dirty="0"/>
-          </a:p>
-          <a:p>
-            <a:r>
-              <a:rPr lang="en-US" altLang="ko-KR" dirty="0"/>
-              <a:t>5 * (3 + 7)</a:t>
-            </a:r>
-            <a:r>
-              <a:rPr lang="ko-KR" altLang="en-US" dirty="0"/>
-              <a:t>의 </a:t>
-            </a:r>
-            <a:r>
-              <a:rPr lang="ko-KR" altLang="en-US" dirty="0" err="1"/>
-              <a:t>좌파스</a:t>
-            </a:r>
-            <a:r>
-              <a:rPr lang="ko-KR" altLang="en-US" dirty="0"/>
-              <a:t> </a:t>
-            </a:r>
-            <a:r>
-              <a:rPr lang="en-US" altLang="ko-KR" dirty="0"/>
-              <a:t>/ </a:t>
-            </a:r>
-            <a:r>
-              <a:rPr lang="ko-KR" altLang="en-US" dirty="0" err="1"/>
-              <a:t>우파스</a:t>
-            </a:r>
-            <a:r>
-              <a:rPr lang="ko-KR" altLang="en-US" dirty="0"/>
-              <a:t> 트리 생성 </a:t>
-            </a:r>
-            <a:endParaRPr lang="en-US" altLang="ko-KR" dirty="0"/>
-          </a:p>
-          <a:p>
-            <a:endParaRPr lang="en-US" altLang="ko-KR" dirty="0"/>
-          </a:p>
-          <a:p>
-            <a:endParaRPr lang="ko-KR" altLang="en-US" dirty="0"/>
-          </a:p>
-        </p:txBody>
-      </p:sp>
-      <p:sp>
-        <p:nvSpPr>
-          <p:cNvPr id="5" name="슬라이드 번호 개체 틀 4"/>
-          <p:cNvSpPr>
-            <a:spLocks noGrp="1"/>
-          </p:cNvSpPr>
-          <p:nvPr>
-            <p:ph type="sldNum" sz="quarter" idx="12"/>
-          </p:nvPr>
-        </p:nvSpPr>
-        <p:spPr/>
-        <p:txBody>
-          <a:bodyPr/>
-          <a:lstStyle/>
-          <a:p>
-            <a:r>
-              <a:rPr lang="en-US" altLang="ko-KR"/>
-              <a:t>Slide </a:t>
-            </a:r>
-            <a:fld id="{068760B5-AC99-4A9F-9335-BAC898D4A850}" type="slidenum">
-              <a:rPr lang="ko-KR" altLang="en-US" smtClean="0"/>
-              <a:pPr/>
-              <a:t>26</a:t>
-            </a:fld>
-            <a:endParaRPr lang="ko-KR" altLang="en-US" dirty="0"/>
-          </a:p>
-        </p:txBody>
-      </p:sp>
-      <p:sp>
-        <p:nvSpPr>
-          <p:cNvPr id="6" name="바닥글 개체 틀 5"/>
-          <p:cNvSpPr>
-            <a:spLocks noGrp="1"/>
-          </p:cNvSpPr>
-          <p:nvPr>
-            <p:ph type="ftr" sz="quarter" idx="11"/>
-          </p:nvPr>
-        </p:nvSpPr>
-        <p:spPr/>
-        <p:txBody>
-          <a:bodyPr/>
-          <a:lstStyle/>
-          <a:p>
-            <a:r>
-              <a:rPr lang="ko-KR" altLang="en-US"/>
-              <a:t>컴파일러</a:t>
-            </a:r>
-            <a:endParaRPr lang="ko-KR" altLang="en-US" dirty="0"/>
-          </a:p>
-        </p:txBody>
-      </p:sp>
-    </p:spTree>
-    <p:extLst>
-      <p:ext uri="{BB962C8B-B14F-4D97-AF65-F5344CB8AC3E}">
-        <p14:creationId xmlns:p14="http://schemas.microsoft.com/office/powerpoint/2010/main" val="1445902694"/>
-      </p:ext>
-    </p:extLst>
-  </p:cSld>
-  <p:clrMapOvr>
-    <a:masterClrMapping/>
-  </p:clrMapOvr>
-</p:sld>
-</file>
-
-<file path=ppt/slides/slide27.xml><?xml version="1.0" encoding="utf-8"?>
-<p:sld xmlns:a="http://schemas.openxmlformats.org/drawingml/2006/main" xmlns:r="http://schemas.openxmlformats.org/officeDocument/2006/relationships" xmlns:p="http://schemas.openxmlformats.org/presentationml/2006/main">
-  <p:cSld>
-    <p:spTree>
-      <p:nvGrpSpPr>
-        <p:cNvPr id="1" name=""/>
-        <p:cNvGrpSpPr/>
-        <p:nvPr/>
-      </p:nvGrpSpPr>
-      <p:grpSpPr>
-        <a:xfrm>
-          <a:off x="0" y="0"/>
-          <a:ext cx="0" cy="0"/>
-          <a:chOff x="0" y="0"/>
-          <a:chExt cx="0" cy="0"/>
-        </a:xfrm>
-      </p:grpSpPr>
-      <p:sp>
-        <p:nvSpPr>
-          <p:cNvPr id="2" name="제목 1"/>
-          <p:cNvSpPr>
-            <a:spLocks noGrp="1"/>
-          </p:cNvSpPr>
-          <p:nvPr>
-            <p:ph type="title"/>
-          </p:nvPr>
-        </p:nvSpPr>
-        <p:spPr/>
-        <p:txBody>
-          <a:bodyPr/>
-          <a:lstStyle/>
-          <a:p>
-            <a:r>
-              <a:rPr lang="ko-KR" altLang="en-US" dirty="0"/>
               <a:t>구문 분석 </a:t>
             </a:r>
             <a:r>
@@ -16095,7 +15289,7 @@
             <a:fld id="{068760B5-AC99-4A9F-9335-BAC898D4A850}" type="slidenum">
               <a:rPr lang="ko-KR" altLang="en-US" smtClean="0"/>
               <a:pPr/>
-              <a:t>27</a:t>
+              <a:t>26</a:t>
             </a:fld>
             <a:endParaRPr lang="ko-KR" altLang="en-US" dirty="0"/>
           </a:p>
@@ -16503,7 +15697,7 @@
 </p:sld>
 </file>
 
-<file path=ppt/slides/slide28.xml><?xml version="1.0" encoding="utf-8"?>
+<file path=ppt/slides/slide27.xml><?xml version="1.0" encoding="utf-8"?>
 <p:sld xmlns:a="http://schemas.openxmlformats.org/drawingml/2006/main" xmlns:r="http://schemas.openxmlformats.org/officeDocument/2006/relationships" xmlns:p="http://schemas.openxmlformats.org/presentationml/2006/main">
   <p:cSld>
     <p:spTree>
@@ -16681,7 +15875,7 @@
             <a:fld id="{068760B5-AC99-4A9F-9335-BAC898D4A850}" type="slidenum">
               <a:rPr lang="ko-KR" altLang="en-US" smtClean="0"/>
               <a:pPr/>
-              <a:t>28</a:t>
+              <a:t>27</a:t>
             </a:fld>
             <a:endParaRPr lang="ko-KR" altLang="en-US" dirty="0"/>
           </a:p>
@@ -17099,7 +16293,7 @@
 </p:sld>
 </file>
 
-<file path=ppt/slides/slide29.xml><?xml version="1.0" encoding="utf-8"?>
+<file path=ppt/slides/slide28.xml><?xml version="1.0" encoding="utf-8"?>
 <p:sld xmlns:a="http://schemas.openxmlformats.org/drawingml/2006/main" xmlns:r="http://schemas.openxmlformats.org/officeDocument/2006/relationships" xmlns:p="http://schemas.openxmlformats.org/presentationml/2006/main">
   <p:cSld>
     <p:spTree>
@@ -17264,7 +16458,7 @@
             <a:fld id="{068760B5-AC99-4A9F-9335-BAC898D4A850}" type="slidenum">
               <a:rPr lang="ko-KR" altLang="en-US" smtClean="0"/>
               <a:pPr/>
-              <a:t>29</a:t>
+              <a:t>28</a:t>
             </a:fld>
             <a:endParaRPr lang="ko-KR" altLang="en-US" dirty="0"/>
           </a:p>
@@ -17633,228 +16827,7 @@
 </p:sld>
 </file>
 
-<file path=ppt/slides/slide3.xml><?xml version="1.0" encoding="utf-8"?>
-<p:sld xmlns:a="http://schemas.openxmlformats.org/drawingml/2006/main" xmlns:r="http://schemas.openxmlformats.org/officeDocument/2006/relationships" xmlns:p="http://schemas.openxmlformats.org/presentationml/2006/main">
-  <p:cSld>
-    <p:spTree>
-      <p:nvGrpSpPr>
-        <p:cNvPr id="1" name=""/>
-        <p:cNvGrpSpPr/>
-        <p:nvPr/>
-      </p:nvGrpSpPr>
-      <p:grpSpPr>
-        <a:xfrm>
-          <a:off x="0" y="0"/>
-          <a:ext cx="0" cy="0"/>
-          <a:chOff x="0" y="0"/>
-          <a:chExt cx="0" cy="0"/>
-        </a:xfrm>
-      </p:grpSpPr>
-      <p:sp>
-        <p:nvSpPr>
-          <p:cNvPr id="2" name="제목 1">
-            <a:extLst>
-              <a:ext uri="{FF2B5EF4-FFF2-40B4-BE49-F238E27FC236}">
-                <a16:creationId xmlns:a16="http://schemas.microsoft.com/office/drawing/2014/main" id="{3F7BCB26-2E3D-4641-BDA9-221F1C0B771F}"/>
-              </a:ext>
-            </a:extLst>
-          </p:cNvPr>
-          <p:cNvSpPr>
-            <a:spLocks noGrp="1"/>
-          </p:cNvSpPr>
-          <p:nvPr>
-            <p:ph type="title"/>
-          </p:nvPr>
-        </p:nvSpPr>
-        <p:spPr/>
-        <p:txBody>
-          <a:bodyPr/>
-          <a:lstStyle/>
-          <a:p>
-            <a:r>
-              <a:rPr lang="ko-KR" altLang="en-US" dirty="0"/>
-              <a:t>테이블 관리 코드</a:t>
-            </a:r>
-          </a:p>
-        </p:txBody>
-      </p:sp>
-      <p:pic>
-        <p:nvPicPr>
-          <p:cNvPr id="7" name="내용 개체 틀 6">
-            <a:extLst>
-              <a:ext uri="{FF2B5EF4-FFF2-40B4-BE49-F238E27FC236}">
-                <a16:creationId xmlns:a16="http://schemas.microsoft.com/office/drawing/2014/main" id="{DDA1233D-F2EB-45D7-A3FC-5FC94EA50A9F}"/>
-              </a:ext>
-            </a:extLst>
-          </p:cNvPr>
-          <p:cNvPicPr>
-            <a:picLocks noGrp="1" noChangeAspect="1"/>
-          </p:cNvPicPr>
-          <p:nvPr>
-            <p:ph idx="1"/>
-          </p:nvPr>
-        </p:nvPicPr>
-        <p:blipFill>
-          <a:blip r:embed="rId2"/>
-          <a:stretch>
-            <a:fillRect/>
-          </a:stretch>
-        </p:blipFill>
-        <p:spPr>
-          <a:xfrm>
-            <a:off x="882163" y="1692591"/>
-            <a:ext cx="2247900" cy="4448262"/>
-          </a:xfrm>
-          <a:prstGeom prst="rect">
-            <a:avLst/>
-          </a:prstGeom>
-        </p:spPr>
-      </p:pic>
-      <p:sp>
-        <p:nvSpPr>
-          <p:cNvPr id="4" name="바닥글 개체 틀 3">
-            <a:extLst>
-              <a:ext uri="{FF2B5EF4-FFF2-40B4-BE49-F238E27FC236}">
-                <a16:creationId xmlns:a16="http://schemas.microsoft.com/office/drawing/2014/main" id="{5C95DE89-5629-4175-AC3A-D5A0FB3CFF74}"/>
-              </a:ext>
-            </a:extLst>
-          </p:cNvPr>
-          <p:cNvSpPr>
-            <a:spLocks noGrp="1"/>
-          </p:cNvSpPr>
-          <p:nvPr>
-            <p:ph type="ftr" sz="quarter" idx="11"/>
-          </p:nvPr>
-        </p:nvSpPr>
-        <p:spPr/>
-        <p:txBody>
-          <a:bodyPr/>
-          <a:lstStyle/>
-          <a:p>
-            <a:r>
-              <a:rPr lang="ko-KR" altLang="en-US"/>
-              <a:t>컴파일러</a:t>
-            </a:r>
-            <a:endParaRPr lang="ko-KR" altLang="en-US" dirty="0"/>
-          </a:p>
-        </p:txBody>
-      </p:sp>
-      <p:sp>
-        <p:nvSpPr>
-          <p:cNvPr id="5" name="슬라이드 번호 개체 틀 4">
-            <a:extLst>
-              <a:ext uri="{FF2B5EF4-FFF2-40B4-BE49-F238E27FC236}">
-                <a16:creationId xmlns:a16="http://schemas.microsoft.com/office/drawing/2014/main" id="{9D554C9A-84CC-4565-A5A4-FBB209CD8BCE}"/>
-              </a:ext>
-            </a:extLst>
-          </p:cNvPr>
-          <p:cNvSpPr>
-            <a:spLocks noGrp="1"/>
-          </p:cNvSpPr>
-          <p:nvPr>
-            <p:ph type="sldNum" sz="quarter" idx="12"/>
-          </p:nvPr>
-        </p:nvSpPr>
-        <p:spPr/>
-        <p:txBody>
-          <a:bodyPr/>
-          <a:lstStyle/>
-          <a:p>
-            <a:r>
-              <a:rPr lang="en-US" altLang="ko-KR"/>
-              <a:t>Slide </a:t>
-            </a:r>
-            <a:fld id="{068760B5-AC99-4A9F-9335-BAC898D4A850}" type="slidenum">
-              <a:rPr lang="ko-KR" altLang="en-US" smtClean="0"/>
-              <a:pPr/>
-              <a:t>3</a:t>
-            </a:fld>
-            <a:endParaRPr lang="ko-KR" altLang="en-US" dirty="0"/>
-          </a:p>
-        </p:txBody>
-      </p:sp>
-      <p:pic>
-        <p:nvPicPr>
-          <p:cNvPr id="6" name="그림 5">
-            <a:extLst>
-              <a:ext uri="{FF2B5EF4-FFF2-40B4-BE49-F238E27FC236}">
-                <a16:creationId xmlns:a16="http://schemas.microsoft.com/office/drawing/2014/main" id="{B14DA32C-BE20-48C7-98ED-18F4E88F20B4}"/>
-              </a:ext>
-            </a:extLst>
-          </p:cNvPr>
-          <p:cNvPicPr>
-            <a:picLocks noChangeAspect="1"/>
-          </p:cNvPicPr>
-          <p:nvPr/>
-        </p:nvPicPr>
-        <p:blipFill>
-          <a:blip r:embed="rId3"/>
-          <a:stretch>
-            <a:fillRect/>
-          </a:stretch>
-        </p:blipFill>
-        <p:spPr>
-          <a:xfrm>
-            <a:off x="3919276" y="1692591"/>
-            <a:ext cx="5585210" cy="4444568"/>
-          </a:xfrm>
-          <a:prstGeom prst="rect">
-            <a:avLst/>
-          </a:prstGeom>
-        </p:spPr>
-      </p:pic>
-      <p:sp>
-        <p:nvSpPr>
-          <p:cNvPr id="8" name="TextBox 7">
-            <a:extLst>
-              <a:ext uri="{FF2B5EF4-FFF2-40B4-BE49-F238E27FC236}">
-                <a16:creationId xmlns:a16="http://schemas.microsoft.com/office/drawing/2014/main" id="{C191BA9E-A0A2-449A-84E3-7AD4F0C36D70}"/>
-              </a:ext>
-            </a:extLst>
-          </p:cNvPr>
-          <p:cNvSpPr txBox="1"/>
-          <p:nvPr/>
-        </p:nvSpPr>
-        <p:spPr>
-          <a:xfrm>
-            <a:off x="861646" y="1116623"/>
-            <a:ext cx="8853854" cy="369332"/>
-          </a:xfrm>
-          <a:prstGeom prst="rect">
-            <a:avLst/>
-          </a:prstGeom>
-          <a:noFill/>
-        </p:spPr>
-        <p:txBody>
-          <a:bodyPr wrap="square" rtlCol="0">
-            <a:spAutoFit/>
-          </a:bodyPr>
-          <a:lstStyle/>
-          <a:p>
-            <a:r>
-              <a:rPr lang="ko-KR" altLang="en-US" dirty="0">
-                <a:latin typeface="나눔고딕코딩" panose="020D0009000000000000" pitchFamily="49" charset="-127"/>
-                <a:ea typeface="나눔고딕코딩" panose="020D0009000000000000" pitchFamily="49" charset="-127"/>
-              </a:rPr>
-              <a:t>많은 데이터 테이블을 다루므로 한 언어에서도 자동 생성이 필요</a:t>
-            </a:r>
-          </a:p>
-        </p:txBody>
-      </p:sp>
-    </p:spTree>
-    <p:extLst>
-      <p:ext uri="{BB962C8B-B14F-4D97-AF65-F5344CB8AC3E}">
-        <p14:creationId xmlns:p14="http://schemas.microsoft.com/office/powerpoint/2010/main" val="493626933"/>
-      </p:ext>
-    </p:extLst>
-  </p:cSld>
-  <p:clrMapOvr>
-    <a:masterClrMapping/>
-  </p:clrMapOvr>
-</p:sld>
-</file>
-
-<file path=ppt/slides/slide30.xml><?xml version="1.0" encoding="utf-8"?>
+<file path=ppt/slides/slide29.xml><?xml version="1.0" encoding="utf-8"?>
 <p:sld xmlns:a="http://schemas.openxmlformats.org/drawingml/2006/main" xmlns:r="http://schemas.openxmlformats.org/officeDocument/2006/relationships" xmlns:p="http://schemas.openxmlformats.org/presentationml/2006/main">
   <p:cSld>
     <p:spTree>
@@ -18034,7 +17007,7 @@
             <a:fld id="{068760B5-AC99-4A9F-9335-BAC898D4A850}" type="slidenum">
               <a:rPr lang="ko-KR" altLang="en-US" smtClean="0"/>
               <a:pPr/>
-              <a:t>30</a:t>
+              <a:t>29</a:t>
             </a:fld>
             <a:endParaRPr lang="ko-KR" altLang="en-US" dirty="0"/>
           </a:p>
@@ -18424,7 +17397,228 @@
 </p:sld>
 </file>
 
-<file path=ppt/slides/slide31.xml><?xml version="1.0" encoding="utf-8"?>
+<file path=ppt/slides/slide3.xml><?xml version="1.0" encoding="utf-8"?>
+<p:sld xmlns:a="http://schemas.openxmlformats.org/drawingml/2006/main" xmlns:r="http://schemas.openxmlformats.org/officeDocument/2006/relationships" xmlns:p="http://schemas.openxmlformats.org/presentationml/2006/main">
+  <p:cSld>
+    <p:spTree>
+      <p:nvGrpSpPr>
+        <p:cNvPr id="1" name=""/>
+        <p:cNvGrpSpPr/>
+        <p:nvPr/>
+      </p:nvGrpSpPr>
+      <p:grpSpPr>
+        <a:xfrm>
+          <a:off x="0" y="0"/>
+          <a:ext cx="0" cy="0"/>
+          <a:chOff x="0" y="0"/>
+          <a:chExt cx="0" cy="0"/>
+        </a:xfrm>
+      </p:grpSpPr>
+      <p:sp>
+        <p:nvSpPr>
+          <p:cNvPr id="2" name="제목 1">
+            <a:extLst>
+              <a:ext uri="{FF2B5EF4-FFF2-40B4-BE49-F238E27FC236}">
+                <a16:creationId xmlns:a16="http://schemas.microsoft.com/office/drawing/2014/main" id="{3F7BCB26-2E3D-4641-BDA9-221F1C0B771F}"/>
+              </a:ext>
+            </a:extLst>
+          </p:cNvPr>
+          <p:cNvSpPr>
+            <a:spLocks noGrp="1"/>
+          </p:cNvSpPr>
+          <p:nvPr>
+            <p:ph type="title"/>
+          </p:nvPr>
+        </p:nvSpPr>
+        <p:spPr/>
+        <p:txBody>
+          <a:bodyPr/>
+          <a:lstStyle/>
+          <a:p>
+            <a:r>
+              <a:rPr lang="ko-KR" altLang="en-US" dirty="0"/>
+              <a:t>테이블 관리 코드</a:t>
+            </a:r>
+          </a:p>
+        </p:txBody>
+      </p:sp>
+      <p:pic>
+        <p:nvPicPr>
+          <p:cNvPr id="7" name="내용 개체 틀 6">
+            <a:extLst>
+              <a:ext uri="{FF2B5EF4-FFF2-40B4-BE49-F238E27FC236}">
+                <a16:creationId xmlns:a16="http://schemas.microsoft.com/office/drawing/2014/main" id="{DDA1233D-F2EB-45D7-A3FC-5FC94EA50A9F}"/>
+              </a:ext>
+            </a:extLst>
+          </p:cNvPr>
+          <p:cNvPicPr>
+            <a:picLocks noGrp="1" noChangeAspect="1"/>
+          </p:cNvPicPr>
+          <p:nvPr>
+            <p:ph idx="1"/>
+          </p:nvPr>
+        </p:nvPicPr>
+        <p:blipFill>
+          <a:blip r:embed="rId2"/>
+          <a:stretch>
+            <a:fillRect/>
+          </a:stretch>
+        </p:blipFill>
+        <p:spPr>
+          <a:xfrm>
+            <a:off x="882163" y="1692591"/>
+            <a:ext cx="2247900" cy="4448262"/>
+          </a:xfrm>
+          <a:prstGeom prst="rect">
+            <a:avLst/>
+          </a:prstGeom>
+        </p:spPr>
+      </p:pic>
+      <p:sp>
+        <p:nvSpPr>
+          <p:cNvPr id="4" name="바닥글 개체 틀 3">
+            <a:extLst>
+              <a:ext uri="{FF2B5EF4-FFF2-40B4-BE49-F238E27FC236}">
+                <a16:creationId xmlns:a16="http://schemas.microsoft.com/office/drawing/2014/main" id="{5C95DE89-5629-4175-AC3A-D5A0FB3CFF74}"/>
+              </a:ext>
+            </a:extLst>
+          </p:cNvPr>
+          <p:cNvSpPr>
+            <a:spLocks noGrp="1"/>
+          </p:cNvSpPr>
+          <p:nvPr>
+            <p:ph type="ftr" sz="quarter" idx="11"/>
+          </p:nvPr>
+        </p:nvSpPr>
+        <p:spPr/>
+        <p:txBody>
+          <a:bodyPr/>
+          <a:lstStyle/>
+          <a:p>
+            <a:r>
+              <a:rPr lang="ko-KR" altLang="en-US"/>
+              <a:t>컴파일러</a:t>
+            </a:r>
+            <a:endParaRPr lang="ko-KR" altLang="en-US" dirty="0"/>
+          </a:p>
+        </p:txBody>
+      </p:sp>
+      <p:sp>
+        <p:nvSpPr>
+          <p:cNvPr id="5" name="슬라이드 번호 개체 틀 4">
+            <a:extLst>
+              <a:ext uri="{FF2B5EF4-FFF2-40B4-BE49-F238E27FC236}">
+                <a16:creationId xmlns:a16="http://schemas.microsoft.com/office/drawing/2014/main" id="{9D554C9A-84CC-4565-A5A4-FBB209CD8BCE}"/>
+              </a:ext>
+            </a:extLst>
+          </p:cNvPr>
+          <p:cNvSpPr>
+            <a:spLocks noGrp="1"/>
+          </p:cNvSpPr>
+          <p:nvPr>
+            <p:ph type="sldNum" sz="quarter" idx="12"/>
+          </p:nvPr>
+        </p:nvSpPr>
+        <p:spPr/>
+        <p:txBody>
+          <a:bodyPr/>
+          <a:lstStyle/>
+          <a:p>
+            <a:r>
+              <a:rPr lang="en-US" altLang="ko-KR"/>
+              <a:t>Slide </a:t>
+            </a:r>
+            <a:fld id="{068760B5-AC99-4A9F-9335-BAC898D4A850}" type="slidenum">
+              <a:rPr lang="ko-KR" altLang="en-US" smtClean="0"/>
+              <a:pPr/>
+              <a:t>3</a:t>
+            </a:fld>
+            <a:endParaRPr lang="ko-KR" altLang="en-US" dirty="0"/>
+          </a:p>
+        </p:txBody>
+      </p:sp>
+      <p:pic>
+        <p:nvPicPr>
+          <p:cNvPr id="6" name="그림 5">
+            <a:extLst>
+              <a:ext uri="{FF2B5EF4-FFF2-40B4-BE49-F238E27FC236}">
+                <a16:creationId xmlns:a16="http://schemas.microsoft.com/office/drawing/2014/main" id="{B14DA32C-BE20-48C7-98ED-18F4E88F20B4}"/>
+              </a:ext>
+            </a:extLst>
+          </p:cNvPr>
+          <p:cNvPicPr>
+            <a:picLocks noChangeAspect="1"/>
+          </p:cNvPicPr>
+          <p:nvPr/>
+        </p:nvPicPr>
+        <p:blipFill>
+          <a:blip r:embed="rId3"/>
+          <a:stretch>
+            <a:fillRect/>
+          </a:stretch>
+        </p:blipFill>
+        <p:spPr>
+          <a:xfrm>
+            <a:off x="3919276" y="1692591"/>
+            <a:ext cx="5585210" cy="4444568"/>
+          </a:xfrm>
+          <a:prstGeom prst="rect">
+            <a:avLst/>
+          </a:prstGeom>
+        </p:spPr>
+      </p:pic>
+      <p:sp>
+        <p:nvSpPr>
+          <p:cNvPr id="8" name="TextBox 7">
+            <a:extLst>
+              <a:ext uri="{FF2B5EF4-FFF2-40B4-BE49-F238E27FC236}">
+                <a16:creationId xmlns:a16="http://schemas.microsoft.com/office/drawing/2014/main" id="{C191BA9E-A0A2-449A-84E3-7AD4F0C36D70}"/>
+              </a:ext>
+            </a:extLst>
+          </p:cNvPr>
+          <p:cNvSpPr txBox="1"/>
+          <p:nvPr/>
+        </p:nvSpPr>
+        <p:spPr>
+          <a:xfrm>
+            <a:off x="861646" y="1116623"/>
+            <a:ext cx="8853854" cy="369332"/>
+          </a:xfrm>
+          <a:prstGeom prst="rect">
+            <a:avLst/>
+          </a:prstGeom>
+          <a:noFill/>
+        </p:spPr>
+        <p:txBody>
+          <a:bodyPr wrap="square" rtlCol="0">
+            <a:spAutoFit/>
+          </a:bodyPr>
+          <a:lstStyle/>
+          <a:p>
+            <a:r>
+              <a:rPr lang="ko-KR" altLang="en-US" dirty="0">
+                <a:latin typeface="나눔고딕코딩" panose="020D0009000000000000" pitchFamily="49" charset="-127"/>
+                <a:ea typeface="나눔고딕코딩" panose="020D0009000000000000" pitchFamily="49" charset="-127"/>
+              </a:rPr>
+              <a:t>많은 데이터 테이블을 다루므로 한 언어에서도 자동 생성이 필요</a:t>
+            </a:r>
+          </a:p>
+        </p:txBody>
+      </p:sp>
+    </p:spTree>
+    <p:extLst>
+      <p:ext uri="{BB962C8B-B14F-4D97-AF65-F5344CB8AC3E}">
+        <p14:creationId xmlns:p14="http://schemas.microsoft.com/office/powerpoint/2010/main" val="493626933"/>
+      </p:ext>
+    </p:extLst>
+  </p:cSld>
+  <p:clrMapOvr>
+    <a:masterClrMapping/>
+  </p:clrMapOvr>
+</p:sld>
+</file>
+
+<file path=ppt/slides/slide30.xml><?xml version="1.0" encoding="utf-8"?>
 <p:sld xmlns:a="http://schemas.openxmlformats.org/drawingml/2006/main" xmlns:r="http://schemas.openxmlformats.org/officeDocument/2006/relationships" xmlns:p="http://schemas.openxmlformats.org/presentationml/2006/main">
   <p:cSld>
     <p:spTree>
@@ -18734,7 +17928,7 @@
             <a:fld id="{068760B5-AC99-4A9F-9335-BAC898D4A850}" type="slidenum">
               <a:rPr lang="ko-KR" altLang="en-US" smtClean="0"/>
               <a:pPr/>
-              <a:t>31</a:t>
+              <a:t>30</a:t>
             </a:fld>
             <a:endParaRPr lang="ko-KR" altLang="en-US" dirty="0"/>
           </a:p>
@@ -19217,7 +18411,7 @@
 </p:sld>
 </file>
 
-<file path=ppt/slides/slide32.xml><?xml version="1.0" encoding="utf-8"?>
+<file path=ppt/slides/slide31.xml><?xml version="1.0" encoding="utf-8"?>
 <p:sld xmlns:a="http://schemas.openxmlformats.org/drawingml/2006/main" xmlns:r="http://schemas.openxmlformats.org/officeDocument/2006/relationships" xmlns:p="http://schemas.openxmlformats.org/presentationml/2006/main">
   <p:cSld>
     <p:spTree>
@@ -19479,7 +18673,7 @@
             <a:fld id="{068760B5-AC99-4A9F-9335-BAC898D4A850}" type="slidenum">
               <a:rPr lang="ko-KR" altLang="en-US" smtClean="0"/>
               <a:pPr/>
-              <a:t>32</a:t>
+              <a:t>31</a:t>
             </a:fld>
             <a:endParaRPr lang="ko-KR" altLang="en-US" dirty="0"/>
           </a:p>
@@ -19918,7 +19112,7 @@
 </p:sld>
 </file>
 
-<file path=ppt/slides/slide33.xml><?xml version="1.0" encoding="utf-8"?>
+<file path=ppt/slides/slide32.xml><?xml version="1.0" encoding="utf-8"?>
 <p:sld xmlns:a="http://schemas.openxmlformats.org/drawingml/2006/main" xmlns:r="http://schemas.openxmlformats.org/officeDocument/2006/relationships" xmlns:p="http://schemas.openxmlformats.org/presentationml/2006/main">
   <p:cSld>
     <p:spTree>
@@ -20164,7 +19358,7 @@
             <a:fld id="{068760B5-AC99-4A9F-9335-BAC898D4A850}" type="slidenum">
               <a:rPr lang="ko-KR" altLang="en-US" smtClean="0"/>
               <a:pPr/>
-              <a:t>33</a:t>
+              <a:t>32</a:t>
             </a:fld>
             <a:endParaRPr lang="ko-KR" altLang="en-US" dirty="0"/>
           </a:p>
@@ -20541,7 +19735,7 @@
 </p:sld>
 </file>
 
-<file path=ppt/slides/slide34.xml><?xml version="1.0" encoding="utf-8"?>
+<file path=ppt/slides/slide33.xml><?xml version="1.0" encoding="utf-8"?>
 <p:sld xmlns:a="http://schemas.openxmlformats.org/drawingml/2006/main" xmlns:r="http://schemas.openxmlformats.org/officeDocument/2006/relationships" xmlns:p="http://schemas.openxmlformats.org/presentationml/2006/main">
   <p:cSld>
     <p:spTree>
@@ -21076,7 +20270,7 @@
             <a:fld id="{068760B5-AC99-4A9F-9335-BAC898D4A850}" type="slidenum">
               <a:rPr lang="ko-KR" altLang="en-US" smtClean="0"/>
               <a:pPr/>
-              <a:t>34</a:t>
+              <a:t>33</a:t>
             </a:fld>
             <a:endParaRPr lang="ko-KR" altLang="en-US" dirty="0"/>
           </a:p>
@@ -21538,7 +20732,7 @@
 </p:sld>
 </file>
 
-<file path=ppt/slides/slide35.xml><?xml version="1.0" encoding="utf-8"?>
+<file path=ppt/slides/slide34.xml><?xml version="1.0" encoding="utf-8"?>
 <p:sld xmlns:a="http://schemas.openxmlformats.org/drawingml/2006/main" xmlns:r="http://schemas.openxmlformats.org/officeDocument/2006/relationships" xmlns:p="http://schemas.openxmlformats.org/presentationml/2006/main">
   <p:cSld>
     <p:spTree>
@@ -21810,7 +21004,7 @@
             <a:fld id="{068760B5-AC99-4A9F-9335-BAC898D4A850}" type="slidenum">
               <a:rPr lang="ko-KR" altLang="en-US" smtClean="0"/>
               <a:pPr/>
-              <a:t>35</a:t>
+              <a:t>34</a:t>
             </a:fld>
             <a:endParaRPr lang="ko-KR" altLang="en-US" dirty="0"/>
           </a:p>
@@ -22218,7 +21412,7 @@
 </p:sld>
 </file>
 
-<file path=ppt/slides/slide36.xml><?xml version="1.0" encoding="utf-8"?>
+<file path=ppt/slides/slide35.xml><?xml version="1.0" encoding="utf-8"?>
 <p:sld xmlns:a="http://schemas.openxmlformats.org/drawingml/2006/main" xmlns:r="http://schemas.openxmlformats.org/officeDocument/2006/relationships" xmlns:p="http://schemas.openxmlformats.org/presentationml/2006/main">
   <p:cSld>
     <p:spTree>
@@ -22368,7 +21562,7 @@
             <a:fld id="{068760B5-AC99-4A9F-9335-BAC898D4A850}" type="slidenum">
               <a:rPr lang="ko-KR" altLang="en-US" smtClean="0"/>
               <a:pPr/>
-              <a:t>36</a:t>
+              <a:t>35</a:t>
             </a:fld>
             <a:endParaRPr lang="ko-KR" altLang="en-US" dirty="0"/>
           </a:p>
@@ -22665,6 +21859,206 @@
 </p:sld>
 </file>
 
+<file path=ppt/slides/slide36.xml><?xml version="1.0" encoding="utf-8"?>
+<p:sld xmlns:a="http://schemas.openxmlformats.org/drawingml/2006/main" xmlns:r="http://schemas.openxmlformats.org/officeDocument/2006/relationships" xmlns:p="http://schemas.openxmlformats.org/presentationml/2006/main">
+  <p:cSld>
+    <p:spTree>
+      <p:nvGrpSpPr>
+        <p:cNvPr id="1" name=""/>
+        <p:cNvGrpSpPr/>
+        <p:nvPr/>
+      </p:nvGrpSpPr>
+      <p:grpSpPr>
+        <a:xfrm>
+          <a:off x="0" y="0"/>
+          <a:ext cx="0" cy="0"/>
+          <a:chOff x="0" y="0"/>
+          <a:chExt cx="0" cy="0"/>
+        </a:xfrm>
+      </p:grpSpPr>
+      <p:sp>
+        <p:nvSpPr>
+          <p:cNvPr id="2" name="제목 1"/>
+          <p:cNvSpPr>
+            <a:spLocks noGrp="1"/>
+          </p:cNvSpPr>
+          <p:nvPr>
+            <p:ph type="title"/>
+          </p:nvPr>
+        </p:nvSpPr>
+        <p:spPr/>
+        <p:txBody>
+          <a:bodyPr/>
+          <a:lstStyle/>
+          <a:p>
+            <a:r>
+              <a:rPr lang="en-US" altLang="ko-KR" dirty="0"/>
+              <a:t>LL(1) </a:t>
+            </a:r>
+            <a:r>
+              <a:rPr lang="ko-KR" altLang="en-US" dirty="0"/>
+              <a:t>문법</a:t>
+            </a:r>
+          </a:p>
+        </p:txBody>
+      </p:sp>
+      <p:sp>
+        <p:nvSpPr>
+          <p:cNvPr id="3" name="내용 개체 틀 2"/>
+          <p:cNvSpPr>
+            <a:spLocks noGrp="1"/>
+          </p:cNvSpPr>
+          <p:nvPr>
+            <p:ph idx="1"/>
+          </p:nvPr>
+        </p:nvSpPr>
+        <p:spPr/>
+        <p:txBody>
+          <a:bodyPr/>
+          <a:lstStyle/>
+          <a:p>
+            <a:r>
+              <a:rPr lang="ko-KR" altLang="en-US" dirty="0"/>
+              <a:t>각</a:t>
+            </a:r>
+            <a:r>
+              <a:rPr lang="en-US" altLang="ko-KR" dirty="0"/>
+              <a:t> </a:t>
+            </a:r>
+            <a:r>
+              <a:rPr lang="ko-KR" altLang="en-US" dirty="0" err="1"/>
+              <a:t>비단말</a:t>
+            </a:r>
+            <a:r>
+              <a:rPr lang="ko-KR" altLang="en-US" dirty="0"/>
+              <a:t> 기호의 첫 토큰이 구분되도록 재구성 </a:t>
+            </a:r>
+            <a:endParaRPr lang="en-US" altLang="ko-KR" dirty="0"/>
+          </a:p>
+          <a:p>
+            <a:pPr lvl="1"/>
+            <a:r>
+              <a:rPr lang="en-US" altLang="ko-KR" dirty="0"/>
+              <a:t>&lt;expr&gt;    := &lt;term&gt; &lt;expr1&gt;</a:t>
+            </a:r>
+          </a:p>
+          <a:p>
+            <a:pPr lvl="1"/>
+            <a:r>
+              <a:rPr lang="en-US" altLang="ko-KR" dirty="0"/>
+              <a:t>&lt;expr1&gt;   := + &lt;term&gt; &lt;expr1&gt; | - &lt;term&gt; &lt;expr1&gt;</a:t>
+            </a:r>
+          </a:p>
+          <a:p>
+            <a:pPr lvl="1"/>
+            <a:r>
+              <a:rPr lang="en-US" altLang="ko-KR" dirty="0"/>
+              <a:t>&lt;term&gt;    := &lt;factor&gt; &lt;term1&gt; | &lt;empty&gt;</a:t>
+            </a:r>
+          </a:p>
+          <a:p>
+            <a:pPr lvl="1"/>
+            <a:r>
+              <a:rPr lang="en-US" altLang="ko-KR" dirty="0"/>
+              <a:t>&lt;term1&gt;   := * &lt;factor&gt; &lt;term1&gt; | / &lt;factor&gt; &lt;term1&gt; | &lt;empty&gt;</a:t>
+            </a:r>
+          </a:p>
+          <a:p>
+            <a:pPr lvl="1"/>
+            <a:r>
+              <a:rPr lang="en-US" altLang="ko-KR" dirty="0"/>
+              <a:t>&lt;factor&gt;  := ( &lt;expr&gt; ) | number</a:t>
+            </a:r>
+          </a:p>
+          <a:p>
+            <a:r>
+              <a:rPr lang="ko-KR" altLang="en-US" dirty="0"/>
+              <a:t>자료</a:t>
+            </a:r>
+            <a:r>
+              <a:rPr lang="en-US" altLang="ko-KR" dirty="0"/>
+              <a:t> </a:t>
+            </a:r>
+          </a:p>
+          <a:p>
+            <a:pPr lvl="1"/>
+            <a:r>
+              <a:rPr lang="en-US" altLang="ko-KR" dirty="0">
+                <a:hlinkClick r:id="rId2"/>
+              </a:rPr>
+              <a:t>https://planetcalc.com/6385/</a:t>
+            </a:r>
+            <a:endParaRPr lang="en-US" altLang="ko-KR" dirty="0"/>
+          </a:p>
+          <a:p>
+            <a:endParaRPr lang="ko-KR" altLang="en-US" dirty="0"/>
+          </a:p>
+        </p:txBody>
+      </p:sp>
+      <p:sp>
+        <p:nvSpPr>
+          <p:cNvPr id="5" name="슬라이드 번호 개체 틀 4"/>
+          <p:cNvSpPr>
+            <a:spLocks noGrp="1"/>
+          </p:cNvSpPr>
+          <p:nvPr>
+            <p:ph type="sldNum" sz="quarter" idx="12"/>
+          </p:nvPr>
+        </p:nvSpPr>
+        <p:spPr/>
+        <p:txBody>
+          <a:bodyPr/>
+          <a:lstStyle/>
+          <a:p>
+            <a:r>
+              <a:rPr lang="en-US" altLang="ko-KR"/>
+              <a:t>Slide </a:t>
+            </a:r>
+            <a:fld id="{068760B5-AC99-4A9F-9335-BAC898D4A850}" type="slidenum">
+              <a:rPr lang="ko-KR" altLang="en-US" smtClean="0"/>
+              <a:pPr/>
+              <a:t>36</a:t>
+            </a:fld>
+            <a:endParaRPr lang="ko-KR" altLang="en-US" dirty="0"/>
+          </a:p>
+        </p:txBody>
+      </p:sp>
+      <p:sp>
+        <p:nvSpPr>
+          <p:cNvPr id="6" name="바닥글 개체 틀 5"/>
+          <p:cNvSpPr>
+            <a:spLocks noGrp="1"/>
+          </p:cNvSpPr>
+          <p:nvPr>
+            <p:ph type="ftr" sz="quarter" idx="11"/>
+          </p:nvPr>
+        </p:nvSpPr>
+        <p:spPr/>
+        <p:txBody>
+          <a:bodyPr/>
+          <a:lstStyle/>
+          <a:p>
+            <a:r>
+              <a:rPr lang="ko-KR" altLang="en-US"/>
+              <a:t>컴파일러</a:t>
+            </a:r>
+            <a:endParaRPr lang="ko-KR" altLang="en-US" dirty="0"/>
+          </a:p>
+        </p:txBody>
+      </p:sp>
+    </p:spTree>
+    <p:extLst>
+      <p:ext uri="{BB962C8B-B14F-4D97-AF65-F5344CB8AC3E}">
+        <p14:creationId xmlns:p14="http://schemas.microsoft.com/office/powerpoint/2010/main" val="3386466228"/>
+      </p:ext>
+    </p:extLst>
+  </p:cSld>
+  <p:clrMapOvr>
+    <a:masterClrMapping/>
+  </p:clrMapOvr>
+</p:sld>
+</file>
+
 <file path=ppt/slides/slide37.xml><?xml version="1.0" encoding="utf-8"?>
 <p:sld xmlns:a="http://schemas.openxmlformats.org/drawingml/2006/main" xmlns:r="http://schemas.openxmlformats.org/officeDocument/2006/relationships" xmlns:p="http://schemas.openxmlformats.org/presentationml/2006/main">
   <p:cSld>
@@ -22702,206 +22096,6 @@
               <a:t>LL(1) </a:t>
             </a:r>
             <a:r>
-              <a:rPr lang="ko-KR" altLang="en-US" dirty="0"/>
-              <a:t>문법</a:t>
-            </a:r>
-          </a:p>
-        </p:txBody>
-      </p:sp>
-      <p:sp>
-        <p:nvSpPr>
-          <p:cNvPr id="3" name="내용 개체 틀 2"/>
-          <p:cNvSpPr>
-            <a:spLocks noGrp="1"/>
-          </p:cNvSpPr>
-          <p:nvPr>
-            <p:ph idx="1"/>
-          </p:nvPr>
-        </p:nvSpPr>
-        <p:spPr/>
-        <p:txBody>
-          <a:bodyPr/>
-          <a:lstStyle/>
-          <a:p>
-            <a:r>
-              <a:rPr lang="ko-KR" altLang="en-US" dirty="0"/>
-              <a:t>각</a:t>
-            </a:r>
-            <a:r>
-              <a:rPr lang="en-US" altLang="ko-KR" dirty="0"/>
-              <a:t> </a:t>
-            </a:r>
-            <a:r>
-              <a:rPr lang="ko-KR" altLang="en-US" dirty="0" err="1"/>
-              <a:t>비단말</a:t>
-            </a:r>
-            <a:r>
-              <a:rPr lang="ko-KR" altLang="en-US" dirty="0"/>
-              <a:t> 기호의 첫 토큰이 구분되도록 재구성 </a:t>
-            </a:r>
-            <a:endParaRPr lang="en-US" altLang="ko-KR" dirty="0"/>
-          </a:p>
-          <a:p>
-            <a:pPr lvl="1"/>
-            <a:r>
-              <a:rPr lang="en-US" altLang="ko-KR" dirty="0"/>
-              <a:t>&lt;expr&gt;    := &lt;term&gt; &lt;expr1&gt;</a:t>
-            </a:r>
-          </a:p>
-          <a:p>
-            <a:pPr lvl="1"/>
-            <a:r>
-              <a:rPr lang="en-US" altLang="ko-KR" dirty="0"/>
-              <a:t>&lt;expr1&gt;   := + &lt;term&gt; &lt;expr1&gt; | - &lt;term&gt; &lt;expr1&gt;</a:t>
-            </a:r>
-          </a:p>
-          <a:p>
-            <a:pPr lvl="1"/>
-            <a:r>
-              <a:rPr lang="en-US" altLang="ko-KR" dirty="0"/>
-              <a:t>&lt;term&gt;    := &lt;factor&gt; &lt;term1&gt; | &lt;empty&gt;</a:t>
-            </a:r>
-          </a:p>
-          <a:p>
-            <a:pPr lvl="1"/>
-            <a:r>
-              <a:rPr lang="en-US" altLang="ko-KR" dirty="0"/>
-              <a:t>&lt;term1&gt;   := * &lt;factor&gt; &lt;term1&gt; | / &lt;factor&gt; &lt;term1&gt; | &lt;empty&gt;</a:t>
-            </a:r>
-          </a:p>
-          <a:p>
-            <a:pPr lvl="1"/>
-            <a:r>
-              <a:rPr lang="en-US" altLang="ko-KR" dirty="0"/>
-              <a:t>&lt;factor&gt;  := ( &lt;expr&gt; ) | number</a:t>
-            </a:r>
-          </a:p>
-          <a:p>
-            <a:r>
-              <a:rPr lang="ko-KR" altLang="en-US" dirty="0"/>
-              <a:t>자료</a:t>
-            </a:r>
-            <a:r>
-              <a:rPr lang="en-US" altLang="ko-KR" dirty="0"/>
-              <a:t> </a:t>
-            </a:r>
-          </a:p>
-          <a:p>
-            <a:pPr lvl="1"/>
-            <a:r>
-              <a:rPr lang="en-US" altLang="ko-KR" dirty="0">
-                <a:hlinkClick r:id="rId2"/>
-              </a:rPr>
-              <a:t>https://planetcalc.com/6385/</a:t>
-            </a:r>
-            <a:endParaRPr lang="en-US" altLang="ko-KR" dirty="0"/>
-          </a:p>
-          <a:p>
-            <a:endParaRPr lang="ko-KR" altLang="en-US" dirty="0"/>
-          </a:p>
-        </p:txBody>
-      </p:sp>
-      <p:sp>
-        <p:nvSpPr>
-          <p:cNvPr id="5" name="슬라이드 번호 개체 틀 4"/>
-          <p:cNvSpPr>
-            <a:spLocks noGrp="1"/>
-          </p:cNvSpPr>
-          <p:nvPr>
-            <p:ph type="sldNum" sz="quarter" idx="12"/>
-          </p:nvPr>
-        </p:nvSpPr>
-        <p:spPr/>
-        <p:txBody>
-          <a:bodyPr/>
-          <a:lstStyle/>
-          <a:p>
-            <a:r>
-              <a:rPr lang="en-US" altLang="ko-KR"/>
-              <a:t>Slide </a:t>
-            </a:r>
-            <a:fld id="{068760B5-AC99-4A9F-9335-BAC898D4A850}" type="slidenum">
-              <a:rPr lang="ko-KR" altLang="en-US" smtClean="0"/>
-              <a:pPr/>
-              <a:t>37</a:t>
-            </a:fld>
-            <a:endParaRPr lang="ko-KR" altLang="en-US" dirty="0"/>
-          </a:p>
-        </p:txBody>
-      </p:sp>
-      <p:sp>
-        <p:nvSpPr>
-          <p:cNvPr id="6" name="바닥글 개체 틀 5"/>
-          <p:cNvSpPr>
-            <a:spLocks noGrp="1"/>
-          </p:cNvSpPr>
-          <p:nvPr>
-            <p:ph type="ftr" sz="quarter" idx="11"/>
-          </p:nvPr>
-        </p:nvSpPr>
-        <p:spPr/>
-        <p:txBody>
-          <a:bodyPr/>
-          <a:lstStyle/>
-          <a:p>
-            <a:r>
-              <a:rPr lang="ko-KR" altLang="en-US"/>
-              <a:t>컴파일러</a:t>
-            </a:r>
-            <a:endParaRPr lang="ko-KR" altLang="en-US" dirty="0"/>
-          </a:p>
-        </p:txBody>
-      </p:sp>
-    </p:spTree>
-    <p:extLst>
-      <p:ext uri="{BB962C8B-B14F-4D97-AF65-F5344CB8AC3E}">
-        <p14:creationId xmlns:p14="http://schemas.microsoft.com/office/powerpoint/2010/main" val="3386466228"/>
-      </p:ext>
-    </p:extLst>
-  </p:cSld>
-  <p:clrMapOvr>
-    <a:masterClrMapping/>
-  </p:clrMapOvr>
-</p:sld>
-</file>
-
-<file path=ppt/slides/slide38.xml><?xml version="1.0" encoding="utf-8"?>
-<p:sld xmlns:a="http://schemas.openxmlformats.org/drawingml/2006/main" xmlns:r="http://schemas.openxmlformats.org/officeDocument/2006/relationships" xmlns:p="http://schemas.openxmlformats.org/presentationml/2006/main">
-  <p:cSld>
-    <p:spTree>
-      <p:nvGrpSpPr>
-        <p:cNvPr id="1" name=""/>
-        <p:cNvGrpSpPr/>
-        <p:nvPr/>
-      </p:nvGrpSpPr>
-      <p:grpSpPr>
-        <a:xfrm>
-          <a:off x="0" y="0"/>
-          <a:ext cx="0" cy="0"/>
-          <a:chOff x="0" y="0"/>
-          <a:chExt cx="0" cy="0"/>
-        </a:xfrm>
-      </p:grpSpPr>
-      <p:sp>
-        <p:nvSpPr>
-          <p:cNvPr id="2" name="제목 1"/>
-          <p:cNvSpPr>
-            <a:spLocks noGrp="1"/>
-          </p:cNvSpPr>
-          <p:nvPr>
-            <p:ph type="title"/>
-          </p:nvPr>
-        </p:nvSpPr>
-        <p:spPr/>
-        <p:txBody>
-          <a:bodyPr/>
-          <a:lstStyle/>
-          <a:p>
-            <a:r>
-              <a:rPr lang="en-US" altLang="ko-KR" dirty="0"/>
-              <a:t>LL(1) </a:t>
-            </a:r>
-            <a:r>
               <a:rPr lang="ko-KR" altLang="en-US" dirty="0" err="1"/>
               <a:t>파서의</a:t>
             </a:r>
@@ -23139,7 +22333,7 @@
             <a:fld id="{068760B5-AC99-4A9F-9335-BAC898D4A850}" type="slidenum">
               <a:rPr lang="ko-KR" altLang="en-US" smtClean="0"/>
               <a:pPr/>
-              <a:t>38</a:t>
+              <a:t>37</a:t>
             </a:fld>
             <a:endParaRPr lang="ko-KR" altLang="en-US" dirty="0"/>
           </a:p>
@@ -23872,7 +23066,7 @@
 </p:sld>
 </file>
 
-<file path=ppt/slides/slide39.xml><?xml version="1.0" encoding="utf-8"?>
+<file path=ppt/slides/slide38.xml><?xml version="1.0" encoding="utf-8"?>
 <p:sld xmlns:a="http://schemas.openxmlformats.org/drawingml/2006/main" xmlns:r="http://schemas.openxmlformats.org/officeDocument/2006/relationships" xmlns:p="http://schemas.openxmlformats.org/presentationml/2006/main">
   <p:cSld>
     <p:spTree>
@@ -24245,7 +23439,7 @@
             <a:fld id="{068760B5-AC99-4A9F-9335-BAC898D4A850}" type="slidenum">
               <a:rPr lang="ko-KR" altLang="en-US" smtClean="0"/>
               <a:pPr/>
-              <a:t>39</a:t>
+              <a:t>38</a:t>
             </a:fld>
             <a:endParaRPr lang="ko-KR" altLang="en-US" dirty="0"/>
           </a:p>
@@ -25125,339 +24319,7 @@
 </p:sld>
 </file>
 
-<file path=ppt/slides/slide4.xml><?xml version="1.0" encoding="utf-8"?>
-<p:sld xmlns:a="http://schemas.openxmlformats.org/drawingml/2006/main" xmlns:r="http://schemas.openxmlformats.org/officeDocument/2006/relationships" xmlns:p="http://schemas.openxmlformats.org/presentationml/2006/main">
-  <p:cSld>
-    <p:spTree>
-      <p:nvGrpSpPr>
-        <p:cNvPr id="1" name=""/>
-        <p:cNvGrpSpPr/>
-        <p:nvPr/>
-      </p:nvGrpSpPr>
-      <p:grpSpPr>
-        <a:xfrm>
-          <a:off x="0" y="0"/>
-          <a:ext cx="0" cy="0"/>
-          <a:chOff x="0" y="0"/>
-          <a:chExt cx="0" cy="0"/>
-        </a:xfrm>
-      </p:grpSpPr>
-      <p:sp>
-        <p:nvSpPr>
-          <p:cNvPr id="2" name="제목 1">
-            <a:extLst>
-              <a:ext uri="{FF2B5EF4-FFF2-40B4-BE49-F238E27FC236}">
-                <a16:creationId xmlns:a16="http://schemas.microsoft.com/office/drawing/2014/main" id="{E93E0DD7-0CDA-46BE-BF92-0569A552849E}"/>
-              </a:ext>
-            </a:extLst>
-          </p:cNvPr>
-          <p:cNvSpPr>
-            <a:spLocks noGrp="1"/>
-          </p:cNvSpPr>
-          <p:nvPr>
-            <p:ph type="title"/>
-          </p:nvPr>
-        </p:nvSpPr>
-        <p:spPr/>
-        <p:txBody>
-          <a:bodyPr/>
-          <a:lstStyle/>
-          <a:p>
-            <a:r>
-              <a:rPr lang="ko-KR" altLang="en-US" dirty="0"/>
-              <a:t>네트워크 메시지 코드 </a:t>
-            </a:r>
-            <a:r>
-              <a:rPr lang="en-US" altLang="ko-KR" dirty="0"/>
-              <a:t>(thrift </a:t>
-            </a:r>
-            <a:r>
-              <a:rPr lang="ko-KR" altLang="en-US" dirty="0"/>
-              <a:t>생성 </a:t>
-            </a:r>
-            <a:r>
-              <a:rPr lang="en-US" altLang="ko-KR" dirty="0"/>
-              <a:t>/ C#)</a:t>
-            </a:r>
-            <a:endParaRPr lang="ko-KR" altLang="en-US" dirty="0"/>
-          </a:p>
-        </p:txBody>
-      </p:sp>
-      <p:sp>
-        <p:nvSpPr>
-          <p:cNvPr id="4" name="바닥글 개체 틀 3">
-            <a:extLst>
-              <a:ext uri="{FF2B5EF4-FFF2-40B4-BE49-F238E27FC236}">
-                <a16:creationId xmlns:a16="http://schemas.microsoft.com/office/drawing/2014/main" id="{97CB1E7D-88D9-46C6-AAD2-179C4DDFFE78}"/>
-              </a:ext>
-            </a:extLst>
-          </p:cNvPr>
-          <p:cNvSpPr>
-            <a:spLocks noGrp="1"/>
-          </p:cNvSpPr>
-          <p:nvPr>
-            <p:ph type="ftr" sz="quarter" idx="11"/>
-          </p:nvPr>
-        </p:nvSpPr>
-        <p:spPr/>
-        <p:txBody>
-          <a:bodyPr/>
-          <a:lstStyle/>
-          <a:p>
-            <a:r>
-              <a:rPr lang="ko-KR" altLang="en-US"/>
-              <a:t>컴파일러</a:t>
-            </a:r>
-            <a:endParaRPr lang="ko-KR" altLang="en-US" dirty="0"/>
-          </a:p>
-        </p:txBody>
-      </p:sp>
-      <p:sp>
-        <p:nvSpPr>
-          <p:cNvPr id="5" name="슬라이드 번호 개체 틀 4">
-            <a:extLst>
-              <a:ext uri="{FF2B5EF4-FFF2-40B4-BE49-F238E27FC236}">
-                <a16:creationId xmlns:a16="http://schemas.microsoft.com/office/drawing/2014/main" id="{F9E075EF-86B5-4D01-8630-5B7D3988BAB8}"/>
-              </a:ext>
-            </a:extLst>
-          </p:cNvPr>
-          <p:cNvSpPr>
-            <a:spLocks noGrp="1"/>
-          </p:cNvSpPr>
-          <p:nvPr>
-            <p:ph type="sldNum" sz="quarter" idx="12"/>
-          </p:nvPr>
-        </p:nvSpPr>
-        <p:spPr/>
-        <p:txBody>
-          <a:bodyPr/>
-          <a:lstStyle/>
-          <a:p>
-            <a:r>
-              <a:rPr lang="en-US" altLang="ko-KR"/>
-              <a:t>Slide </a:t>
-            </a:r>
-            <a:fld id="{068760B5-AC99-4A9F-9335-BAC898D4A850}" type="slidenum">
-              <a:rPr lang="ko-KR" altLang="en-US" smtClean="0"/>
-              <a:pPr/>
-              <a:t>4</a:t>
-            </a:fld>
-            <a:endParaRPr lang="ko-KR" altLang="en-US" dirty="0"/>
-          </a:p>
-        </p:txBody>
-      </p:sp>
-      <p:pic>
-        <p:nvPicPr>
-          <p:cNvPr id="6" name="그림 5">
-            <a:extLst>
-              <a:ext uri="{FF2B5EF4-FFF2-40B4-BE49-F238E27FC236}">
-                <a16:creationId xmlns:a16="http://schemas.microsoft.com/office/drawing/2014/main" id="{4BD1EE65-6D1F-42D3-91E6-1D8776873083}"/>
-              </a:ext>
-            </a:extLst>
-          </p:cNvPr>
-          <p:cNvPicPr>
-            <a:picLocks noChangeAspect="1"/>
-          </p:cNvPicPr>
-          <p:nvPr/>
-        </p:nvPicPr>
-        <p:blipFill>
-          <a:blip r:embed="rId2"/>
-          <a:stretch>
-            <a:fillRect/>
-          </a:stretch>
-        </p:blipFill>
-        <p:spPr>
-          <a:xfrm>
-            <a:off x="4497236" y="930507"/>
-            <a:ext cx="2941522" cy="5285208"/>
-          </a:xfrm>
-          <a:prstGeom prst="rect">
-            <a:avLst/>
-          </a:prstGeom>
-        </p:spPr>
-      </p:pic>
-      <p:pic>
-        <p:nvPicPr>
-          <p:cNvPr id="7" name="그림 6">
-            <a:extLst>
-              <a:ext uri="{FF2B5EF4-FFF2-40B4-BE49-F238E27FC236}">
-                <a16:creationId xmlns:a16="http://schemas.microsoft.com/office/drawing/2014/main" id="{ABCB5981-BCF6-4F61-8399-7BD91E181A20}"/>
-              </a:ext>
-            </a:extLst>
-          </p:cNvPr>
-          <p:cNvPicPr>
-            <a:picLocks noChangeAspect="1"/>
-          </p:cNvPicPr>
-          <p:nvPr/>
-        </p:nvPicPr>
-        <p:blipFill>
-          <a:blip r:embed="rId3"/>
-          <a:stretch>
-            <a:fillRect/>
-          </a:stretch>
-        </p:blipFill>
-        <p:spPr>
-          <a:xfrm>
-            <a:off x="7806766" y="930507"/>
-            <a:ext cx="3050625" cy="5285208"/>
-          </a:xfrm>
-          <a:prstGeom prst="rect">
-            <a:avLst/>
-          </a:prstGeom>
-        </p:spPr>
-      </p:pic>
-      <p:sp>
-        <p:nvSpPr>
-          <p:cNvPr id="9" name="TextBox 8">
-            <a:extLst>
-              <a:ext uri="{FF2B5EF4-FFF2-40B4-BE49-F238E27FC236}">
-                <a16:creationId xmlns:a16="http://schemas.microsoft.com/office/drawing/2014/main" id="{14F1BFCB-CE35-493F-9AD0-F45A606B79A6}"/>
-              </a:ext>
-            </a:extLst>
-          </p:cNvPr>
-          <p:cNvSpPr txBox="1"/>
-          <p:nvPr/>
-        </p:nvSpPr>
-        <p:spPr>
-          <a:xfrm flipH="1">
-            <a:off x="766688" y="1028700"/>
-            <a:ext cx="5667524" cy="3139321"/>
-          </a:xfrm>
-          <a:prstGeom prst="rect">
-            <a:avLst/>
-          </a:prstGeom>
-          <a:noFill/>
-        </p:spPr>
-        <p:txBody>
-          <a:bodyPr wrap="square" rtlCol="0">
-            <a:spAutoFit/>
-          </a:bodyPr>
-          <a:lstStyle/>
-          <a:p>
-            <a:r>
-              <a:rPr lang="en-US" altLang="ko-KR" dirty="0">
-                <a:latin typeface="나눔고딕코딩" panose="020D0009000000000000" pitchFamily="49" charset="-127"/>
-                <a:ea typeface="나눔고딕코딩" panose="020D0009000000000000" pitchFamily="49" charset="-127"/>
-              </a:rPr>
-              <a:t>struct Sample1</a:t>
-            </a:r>
-          </a:p>
-          <a:p>
-            <a:r>
-              <a:rPr lang="en-US" altLang="ko-KR" dirty="0">
-                <a:latin typeface="나눔고딕코딩" panose="020D0009000000000000" pitchFamily="49" charset="-127"/>
-                <a:ea typeface="나눔고딕코딩" panose="020D0009000000000000" pitchFamily="49" charset="-127"/>
-              </a:rPr>
-              <a:t>{</a:t>
-            </a:r>
-          </a:p>
-          <a:p>
-            <a:r>
-              <a:rPr lang="en-US" altLang="ko-KR" dirty="0">
-                <a:latin typeface="나눔고딕코딩" panose="020D0009000000000000" pitchFamily="49" charset="-127"/>
-                <a:ea typeface="나눔고딕코딩" panose="020D0009000000000000" pitchFamily="49" charset="-127"/>
-              </a:rPr>
-              <a:t>  1: i32 field1; </a:t>
-            </a:r>
-          </a:p>
-          <a:p>
-            <a:r>
-              <a:rPr lang="en-US" altLang="ko-KR" dirty="0">
-                <a:latin typeface="나눔고딕코딩" panose="020D0009000000000000" pitchFamily="49" charset="-127"/>
-                <a:ea typeface="나눔고딕코딩" panose="020D0009000000000000" pitchFamily="49" charset="-127"/>
-              </a:rPr>
-              <a:t>  2: i32 field2; </a:t>
-            </a:r>
-          </a:p>
-          <a:p>
-            <a:r>
-              <a:rPr lang="en-US" altLang="ko-KR" dirty="0">
-                <a:latin typeface="나눔고딕코딩" panose="020D0009000000000000" pitchFamily="49" charset="-127"/>
-                <a:ea typeface="나눔고딕코딩" panose="020D0009000000000000" pitchFamily="49" charset="-127"/>
-              </a:rPr>
-              <a:t>  3: string field3;</a:t>
-            </a:r>
-          </a:p>
-          <a:p>
-            <a:r>
-              <a:rPr lang="en-US" altLang="ko-KR" dirty="0">
-                <a:latin typeface="나눔고딕코딩" panose="020D0009000000000000" pitchFamily="49" charset="-127"/>
-                <a:ea typeface="나눔고딕코딩" panose="020D0009000000000000" pitchFamily="49" charset="-127"/>
-              </a:rPr>
-              <a:t>}</a:t>
-            </a:r>
-            <a:r>
-              <a:rPr lang="ko-KR" altLang="en-US" dirty="0">
-                <a:latin typeface="나눔고딕코딩" panose="020D0009000000000000" pitchFamily="49" charset="-127"/>
-                <a:ea typeface="나눔고딕코딩" panose="020D0009000000000000" pitchFamily="49" charset="-127"/>
-              </a:rPr>
-              <a:t> </a:t>
-            </a:r>
-            <a:endParaRPr lang="en-US" altLang="ko-KR" dirty="0">
-              <a:latin typeface="나눔고딕코딩" panose="020D0009000000000000" pitchFamily="49" charset="-127"/>
-              <a:ea typeface="나눔고딕코딩" panose="020D0009000000000000" pitchFamily="49" charset="-127"/>
-            </a:endParaRPr>
-          </a:p>
-          <a:p>
-            <a:endParaRPr lang="en-US" altLang="ko-KR" dirty="0">
-              <a:latin typeface="나눔고딕코딩" panose="020D0009000000000000" pitchFamily="49" charset="-127"/>
-              <a:ea typeface="나눔고딕코딩" panose="020D0009000000000000" pitchFamily="49" charset="-127"/>
-            </a:endParaRPr>
-          </a:p>
-          <a:p>
-            <a:endParaRPr lang="en-US" altLang="ko-KR" dirty="0">
-              <a:latin typeface="나눔고딕코딩" panose="020D0009000000000000" pitchFamily="49" charset="-127"/>
-              <a:ea typeface="나눔고딕코딩" panose="020D0009000000000000" pitchFamily="49" charset="-127"/>
-            </a:endParaRPr>
-          </a:p>
-          <a:p>
-            <a:r>
-              <a:rPr lang="ko-KR" altLang="en-US" dirty="0">
-                <a:latin typeface="나눔고딕코딩" panose="020D0009000000000000" pitchFamily="49" charset="-127"/>
-                <a:ea typeface="나눔고딕코딩" panose="020D0009000000000000" pitchFamily="49" charset="-127"/>
-              </a:rPr>
-              <a:t>위 정의에서 각 언어별 </a:t>
-            </a:r>
-            <a:endParaRPr lang="en-US" altLang="ko-KR" dirty="0">
-              <a:latin typeface="나눔고딕코딩" panose="020D0009000000000000" pitchFamily="49" charset="-127"/>
-              <a:ea typeface="나눔고딕코딩" panose="020D0009000000000000" pitchFamily="49" charset="-127"/>
-            </a:endParaRPr>
-          </a:p>
-          <a:p>
-            <a:r>
-              <a:rPr lang="ko-KR" altLang="en-US" dirty="0">
-                <a:latin typeface="나눔고딕코딩" panose="020D0009000000000000" pitchFamily="49" charset="-127"/>
-                <a:ea typeface="나눔고딕코딩" panose="020D0009000000000000" pitchFamily="49" charset="-127"/>
-              </a:rPr>
-              <a:t>메시지와 통신 관련 코드 생성</a:t>
-            </a:r>
-            <a:endParaRPr lang="en-US" altLang="ko-KR" dirty="0">
-              <a:latin typeface="나눔고딕코딩" panose="020D0009000000000000" pitchFamily="49" charset="-127"/>
-              <a:ea typeface="나눔고딕코딩" panose="020D0009000000000000" pitchFamily="49" charset="-127"/>
-            </a:endParaRPr>
-          </a:p>
-          <a:p>
-            <a:endParaRPr lang="ko-KR" altLang="en-US" dirty="0">
-              <a:latin typeface="나눔고딕코딩" panose="020D0009000000000000" pitchFamily="49" charset="-127"/>
-              <a:ea typeface="나눔고딕코딩" panose="020D0009000000000000" pitchFamily="49" charset="-127"/>
-            </a:endParaRPr>
-          </a:p>
-        </p:txBody>
-      </p:sp>
-    </p:spTree>
-    <p:extLst>
-      <p:ext uri="{BB962C8B-B14F-4D97-AF65-F5344CB8AC3E}">
-        <p14:creationId xmlns:p14="http://schemas.microsoft.com/office/powerpoint/2010/main" val="3770821035"/>
-      </p:ext>
-    </p:extLst>
-  </p:cSld>
-  <p:clrMapOvr>
-    <a:masterClrMapping/>
-  </p:clrMapOvr>
-</p:sld>
-</file>
-
-<file path=ppt/slides/slide40.xml><?xml version="1.0" encoding="utf-8"?>
+<file path=ppt/slides/slide39.xml><?xml version="1.0" encoding="utf-8"?>
 <p:sld xmlns:a="http://schemas.openxmlformats.org/drawingml/2006/main" xmlns:r="http://schemas.openxmlformats.org/officeDocument/2006/relationships" xmlns:p="http://schemas.openxmlformats.org/presentationml/2006/main">
   <p:cSld>
     <p:spTree>
@@ -25708,7 +24570,7 @@
             <a:fld id="{068760B5-AC99-4A9F-9335-BAC898D4A850}" type="slidenum">
               <a:rPr lang="ko-KR" altLang="en-US" smtClean="0"/>
               <a:pPr/>
-              <a:t>40</a:t>
+              <a:t>39</a:t>
             </a:fld>
             <a:endParaRPr lang="ko-KR" altLang="en-US" dirty="0"/>
           </a:p>
@@ -26134,7 +24996,339 @@
 </p:sld>
 </file>
 
-<file path=ppt/slides/slide41.xml><?xml version="1.0" encoding="utf-8"?>
+<file path=ppt/slides/slide4.xml><?xml version="1.0" encoding="utf-8"?>
+<p:sld xmlns:a="http://schemas.openxmlformats.org/drawingml/2006/main" xmlns:r="http://schemas.openxmlformats.org/officeDocument/2006/relationships" xmlns:p="http://schemas.openxmlformats.org/presentationml/2006/main">
+  <p:cSld>
+    <p:spTree>
+      <p:nvGrpSpPr>
+        <p:cNvPr id="1" name=""/>
+        <p:cNvGrpSpPr/>
+        <p:nvPr/>
+      </p:nvGrpSpPr>
+      <p:grpSpPr>
+        <a:xfrm>
+          <a:off x="0" y="0"/>
+          <a:ext cx="0" cy="0"/>
+          <a:chOff x="0" y="0"/>
+          <a:chExt cx="0" cy="0"/>
+        </a:xfrm>
+      </p:grpSpPr>
+      <p:sp>
+        <p:nvSpPr>
+          <p:cNvPr id="2" name="제목 1">
+            <a:extLst>
+              <a:ext uri="{FF2B5EF4-FFF2-40B4-BE49-F238E27FC236}">
+                <a16:creationId xmlns:a16="http://schemas.microsoft.com/office/drawing/2014/main" id="{E93E0DD7-0CDA-46BE-BF92-0569A552849E}"/>
+              </a:ext>
+            </a:extLst>
+          </p:cNvPr>
+          <p:cNvSpPr>
+            <a:spLocks noGrp="1"/>
+          </p:cNvSpPr>
+          <p:nvPr>
+            <p:ph type="title"/>
+          </p:nvPr>
+        </p:nvSpPr>
+        <p:spPr/>
+        <p:txBody>
+          <a:bodyPr/>
+          <a:lstStyle/>
+          <a:p>
+            <a:r>
+              <a:rPr lang="ko-KR" altLang="en-US" dirty="0"/>
+              <a:t>네트워크 메시지 코드 </a:t>
+            </a:r>
+            <a:r>
+              <a:rPr lang="en-US" altLang="ko-KR" dirty="0"/>
+              <a:t>(thrift </a:t>
+            </a:r>
+            <a:r>
+              <a:rPr lang="ko-KR" altLang="en-US" dirty="0"/>
+              <a:t>생성 </a:t>
+            </a:r>
+            <a:r>
+              <a:rPr lang="en-US" altLang="ko-KR" dirty="0"/>
+              <a:t>/ C#)</a:t>
+            </a:r>
+            <a:endParaRPr lang="ko-KR" altLang="en-US" dirty="0"/>
+          </a:p>
+        </p:txBody>
+      </p:sp>
+      <p:sp>
+        <p:nvSpPr>
+          <p:cNvPr id="4" name="바닥글 개체 틀 3">
+            <a:extLst>
+              <a:ext uri="{FF2B5EF4-FFF2-40B4-BE49-F238E27FC236}">
+                <a16:creationId xmlns:a16="http://schemas.microsoft.com/office/drawing/2014/main" id="{97CB1E7D-88D9-46C6-AAD2-179C4DDFFE78}"/>
+              </a:ext>
+            </a:extLst>
+          </p:cNvPr>
+          <p:cNvSpPr>
+            <a:spLocks noGrp="1"/>
+          </p:cNvSpPr>
+          <p:nvPr>
+            <p:ph type="ftr" sz="quarter" idx="11"/>
+          </p:nvPr>
+        </p:nvSpPr>
+        <p:spPr/>
+        <p:txBody>
+          <a:bodyPr/>
+          <a:lstStyle/>
+          <a:p>
+            <a:r>
+              <a:rPr lang="ko-KR" altLang="en-US"/>
+              <a:t>컴파일러</a:t>
+            </a:r>
+            <a:endParaRPr lang="ko-KR" altLang="en-US" dirty="0"/>
+          </a:p>
+        </p:txBody>
+      </p:sp>
+      <p:sp>
+        <p:nvSpPr>
+          <p:cNvPr id="5" name="슬라이드 번호 개체 틀 4">
+            <a:extLst>
+              <a:ext uri="{FF2B5EF4-FFF2-40B4-BE49-F238E27FC236}">
+                <a16:creationId xmlns:a16="http://schemas.microsoft.com/office/drawing/2014/main" id="{F9E075EF-86B5-4D01-8630-5B7D3988BAB8}"/>
+              </a:ext>
+            </a:extLst>
+          </p:cNvPr>
+          <p:cNvSpPr>
+            <a:spLocks noGrp="1"/>
+          </p:cNvSpPr>
+          <p:nvPr>
+            <p:ph type="sldNum" sz="quarter" idx="12"/>
+          </p:nvPr>
+        </p:nvSpPr>
+        <p:spPr/>
+        <p:txBody>
+          <a:bodyPr/>
+          <a:lstStyle/>
+          <a:p>
+            <a:r>
+              <a:rPr lang="en-US" altLang="ko-KR"/>
+              <a:t>Slide </a:t>
+            </a:r>
+            <a:fld id="{068760B5-AC99-4A9F-9335-BAC898D4A850}" type="slidenum">
+              <a:rPr lang="ko-KR" altLang="en-US" smtClean="0"/>
+              <a:pPr/>
+              <a:t>4</a:t>
+            </a:fld>
+            <a:endParaRPr lang="ko-KR" altLang="en-US" dirty="0"/>
+          </a:p>
+        </p:txBody>
+      </p:sp>
+      <p:pic>
+        <p:nvPicPr>
+          <p:cNvPr id="6" name="그림 5">
+            <a:extLst>
+              <a:ext uri="{FF2B5EF4-FFF2-40B4-BE49-F238E27FC236}">
+                <a16:creationId xmlns:a16="http://schemas.microsoft.com/office/drawing/2014/main" id="{4BD1EE65-6D1F-42D3-91E6-1D8776873083}"/>
+              </a:ext>
+            </a:extLst>
+          </p:cNvPr>
+          <p:cNvPicPr>
+            <a:picLocks noChangeAspect="1"/>
+          </p:cNvPicPr>
+          <p:nvPr/>
+        </p:nvPicPr>
+        <p:blipFill>
+          <a:blip r:embed="rId2"/>
+          <a:stretch>
+            <a:fillRect/>
+          </a:stretch>
+        </p:blipFill>
+        <p:spPr>
+          <a:xfrm>
+            <a:off x="4497236" y="930507"/>
+            <a:ext cx="2941522" cy="5285208"/>
+          </a:xfrm>
+          <a:prstGeom prst="rect">
+            <a:avLst/>
+          </a:prstGeom>
+        </p:spPr>
+      </p:pic>
+      <p:pic>
+        <p:nvPicPr>
+          <p:cNvPr id="7" name="그림 6">
+            <a:extLst>
+              <a:ext uri="{FF2B5EF4-FFF2-40B4-BE49-F238E27FC236}">
+                <a16:creationId xmlns:a16="http://schemas.microsoft.com/office/drawing/2014/main" id="{ABCB5981-BCF6-4F61-8399-7BD91E181A20}"/>
+              </a:ext>
+            </a:extLst>
+          </p:cNvPr>
+          <p:cNvPicPr>
+            <a:picLocks noChangeAspect="1"/>
+          </p:cNvPicPr>
+          <p:nvPr/>
+        </p:nvPicPr>
+        <p:blipFill>
+          <a:blip r:embed="rId3"/>
+          <a:stretch>
+            <a:fillRect/>
+          </a:stretch>
+        </p:blipFill>
+        <p:spPr>
+          <a:xfrm>
+            <a:off x="7806766" y="930507"/>
+            <a:ext cx="3050625" cy="5285208"/>
+          </a:xfrm>
+          <a:prstGeom prst="rect">
+            <a:avLst/>
+          </a:prstGeom>
+        </p:spPr>
+      </p:pic>
+      <p:sp>
+        <p:nvSpPr>
+          <p:cNvPr id="9" name="TextBox 8">
+            <a:extLst>
+              <a:ext uri="{FF2B5EF4-FFF2-40B4-BE49-F238E27FC236}">
+                <a16:creationId xmlns:a16="http://schemas.microsoft.com/office/drawing/2014/main" id="{14F1BFCB-CE35-493F-9AD0-F45A606B79A6}"/>
+              </a:ext>
+            </a:extLst>
+          </p:cNvPr>
+          <p:cNvSpPr txBox="1"/>
+          <p:nvPr/>
+        </p:nvSpPr>
+        <p:spPr>
+          <a:xfrm flipH="1">
+            <a:off x="766688" y="1028700"/>
+            <a:ext cx="5667524" cy="3139321"/>
+          </a:xfrm>
+          <a:prstGeom prst="rect">
+            <a:avLst/>
+          </a:prstGeom>
+          <a:noFill/>
+        </p:spPr>
+        <p:txBody>
+          <a:bodyPr wrap="square" rtlCol="0">
+            <a:spAutoFit/>
+          </a:bodyPr>
+          <a:lstStyle/>
+          <a:p>
+            <a:r>
+              <a:rPr lang="en-US" altLang="ko-KR" dirty="0">
+                <a:latin typeface="나눔고딕코딩" panose="020D0009000000000000" pitchFamily="49" charset="-127"/>
+                <a:ea typeface="나눔고딕코딩" panose="020D0009000000000000" pitchFamily="49" charset="-127"/>
+              </a:rPr>
+              <a:t>struct Sample1</a:t>
+            </a:r>
+          </a:p>
+          <a:p>
+            <a:r>
+              <a:rPr lang="en-US" altLang="ko-KR" dirty="0">
+                <a:latin typeface="나눔고딕코딩" panose="020D0009000000000000" pitchFamily="49" charset="-127"/>
+                <a:ea typeface="나눔고딕코딩" panose="020D0009000000000000" pitchFamily="49" charset="-127"/>
+              </a:rPr>
+              <a:t>{</a:t>
+            </a:r>
+          </a:p>
+          <a:p>
+            <a:r>
+              <a:rPr lang="en-US" altLang="ko-KR" dirty="0">
+                <a:latin typeface="나눔고딕코딩" panose="020D0009000000000000" pitchFamily="49" charset="-127"/>
+                <a:ea typeface="나눔고딕코딩" panose="020D0009000000000000" pitchFamily="49" charset="-127"/>
+              </a:rPr>
+              <a:t>  1: i32 field1; </a:t>
+            </a:r>
+          </a:p>
+          <a:p>
+            <a:r>
+              <a:rPr lang="en-US" altLang="ko-KR" dirty="0">
+                <a:latin typeface="나눔고딕코딩" panose="020D0009000000000000" pitchFamily="49" charset="-127"/>
+                <a:ea typeface="나눔고딕코딩" panose="020D0009000000000000" pitchFamily="49" charset="-127"/>
+              </a:rPr>
+              <a:t>  2: i32 field2; </a:t>
+            </a:r>
+          </a:p>
+          <a:p>
+            <a:r>
+              <a:rPr lang="en-US" altLang="ko-KR" dirty="0">
+                <a:latin typeface="나눔고딕코딩" panose="020D0009000000000000" pitchFamily="49" charset="-127"/>
+                <a:ea typeface="나눔고딕코딩" panose="020D0009000000000000" pitchFamily="49" charset="-127"/>
+              </a:rPr>
+              <a:t>  3: string field3;</a:t>
+            </a:r>
+          </a:p>
+          <a:p>
+            <a:r>
+              <a:rPr lang="en-US" altLang="ko-KR" dirty="0">
+                <a:latin typeface="나눔고딕코딩" panose="020D0009000000000000" pitchFamily="49" charset="-127"/>
+                <a:ea typeface="나눔고딕코딩" panose="020D0009000000000000" pitchFamily="49" charset="-127"/>
+              </a:rPr>
+              <a:t>}</a:t>
+            </a:r>
+            <a:r>
+              <a:rPr lang="ko-KR" altLang="en-US" dirty="0">
+                <a:latin typeface="나눔고딕코딩" panose="020D0009000000000000" pitchFamily="49" charset="-127"/>
+                <a:ea typeface="나눔고딕코딩" panose="020D0009000000000000" pitchFamily="49" charset="-127"/>
+              </a:rPr>
+              <a:t> </a:t>
+            </a:r>
+            <a:endParaRPr lang="en-US" altLang="ko-KR" dirty="0">
+              <a:latin typeface="나눔고딕코딩" panose="020D0009000000000000" pitchFamily="49" charset="-127"/>
+              <a:ea typeface="나눔고딕코딩" panose="020D0009000000000000" pitchFamily="49" charset="-127"/>
+            </a:endParaRPr>
+          </a:p>
+          <a:p>
+            <a:endParaRPr lang="en-US" altLang="ko-KR" dirty="0">
+              <a:latin typeface="나눔고딕코딩" panose="020D0009000000000000" pitchFamily="49" charset="-127"/>
+              <a:ea typeface="나눔고딕코딩" panose="020D0009000000000000" pitchFamily="49" charset="-127"/>
+            </a:endParaRPr>
+          </a:p>
+          <a:p>
+            <a:endParaRPr lang="en-US" altLang="ko-KR" dirty="0">
+              <a:latin typeface="나눔고딕코딩" panose="020D0009000000000000" pitchFamily="49" charset="-127"/>
+              <a:ea typeface="나눔고딕코딩" panose="020D0009000000000000" pitchFamily="49" charset="-127"/>
+            </a:endParaRPr>
+          </a:p>
+          <a:p>
+            <a:r>
+              <a:rPr lang="ko-KR" altLang="en-US" dirty="0">
+                <a:latin typeface="나눔고딕코딩" panose="020D0009000000000000" pitchFamily="49" charset="-127"/>
+                <a:ea typeface="나눔고딕코딩" panose="020D0009000000000000" pitchFamily="49" charset="-127"/>
+              </a:rPr>
+              <a:t>위 정의에서 각 언어별 </a:t>
+            </a:r>
+            <a:endParaRPr lang="en-US" altLang="ko-KR" dirty="0">
+              <a:latin typeface="나눔고딕코딩" panose="020D0009000000000000" pitchFamily="49" charset="-127"/>
+              <a:ea typeface="나눔고딕코딩" panose="020D0009000000000000" pitchFamily="49" charset="-127"/>
+            </a:endParaRPr>
+          </a:p>
+          <a:p>
+            <a:r>
+              <a:rPr lang="ko-KR" altLang="en-US" dirty="0">
+                <a:latin typeface="나눔고딕코딩" panose="020D0009000000000000" pitchFamily="49" charset="-127"/>
+                <a:ea typeface="나눔고딕코딩" panose="020D0009000000000000" pitchFamily="49" charset="-127"/>
+              </a:rPr>
+              <a:t>메시지와 통신 관련 코드 생성</a:t>
+            </a:r>
+            <a:endParaRPr lang="en-US" altLang="ko-KR" dirty="0">
+              <a:latin typeface="나눔고딕코딩" panose="020D0009000000000000" pitchFamily="49" charset="-127"/>
+              <a:ea typeface="나눔고딕코딩" panose="020D0009000000000000" pitchFamily="49" charset="-127"/>
+            </a:endParaRPr>
+          </a:p>
+          <a:p>
+            <a:endParaRPr lang="ko-KR" altLang="en-US" dirty="0">
+              <a:latin typeface="나눔고딕코딩" panose="020D0009000000000000" pitchFamily="49" charset="-127"/>
+              <a:ea typeface="나눔고딕코딩" panose="020D0009000000000000" pitchFamily="49" charset="-127"/>
+            </a:endParaRPr>
+          </a:p>
+        </p:txBody>
+      </p:sp>
+    </p:spTree>
+    <p:extLst>
+      <p:ext uri="{BB962C8B-B14F-4D97-AF65-F5344CB8AC3E}">
+        <p14:creationId xmlns:p14="http://schemas.microsoft.com/office/powerpoint/2010/main" val="3770821035"/>
+      </p:ext>
+    </p:extLst>
+  </p:cSld>
+  <p:clrMapOvr>
+    <a:masterClrMapping/>
+  </p:clrMapOvr>
+</p:sld>
+</file>
+
+<file path=ppt/slides/slide40.xml><?xml version="1.0" encoding="utf-8"?>
 <p:sld xmlns:a="http://schemas.openxmlformats.org/drawingml/2006/main" xmlns:r="http://schemas.openxmlformats.org/officeDocument/2006/relationships" xmlns:p="http://schemas.openxmlformats.org/presentationml/2006/main">
   <p:cSld>
     <p:spTree>
@@ -26318,7 +25512,7 @@
             <a:fld id="{068760B5-AC99-4A9F-9335-BAC898D4A850}" type="slidenum">
               <a:rPr lang="ko-KR" altLang="en-US" smtClean="0"/>
               <a:pPr/>
-              <a:t>41</a:t>
+              <a:t>40</a:t>
             </a:fld>
             <a:endParaRPr lang="ko-KR" altLang="en-US" dirty="0"/>
           </a:p>
@@ -26739,7 +25933,7 @@
 </p:sld>
 </file>
 
-<file path=ppt/slides/slide42.xml><?xml version="1.0" encoding="utf-8"?>
+<file path=ppt/slides/slide41.xml><?xml version="1.0" encoding="utf-8"?>
 <p:sld xmlns:a="http://schemas.openxmlformats.org/drawingml/2006/main" xmlns:r="http://schemas.openxmlformats.org/officeDocument/2006/relationships" xmlns:p="http://schemas.openxmlformats.org/presentationml/2006/main">
   <p:cSld>
     <p:spTree>
@@ -26884,7 +26078,7 @@
             <a:fld id="{068760B5-AC99-4A9F-9335-BAC898D4A850}" type="slidenum">
               <a:rPr lang="ko-KR" altLang="en-US" smtClean="0"/>
               <a:pPr/>
-              <a:t>42</a:t>
+              <a:t>41</a:t>
             </a:fld>
             <a:endParaRPr lang="ko-KR" altLang="en-US" dirty="0"/>
           </a:p>
@@ -26926,7 +26120,7 @@
 </p:sld>
 </file>
 
-<file path=ppt/slides/slide43.xml><?xml version="1.0" encoding="utf-8"?>
+<file path=ppt/slides/slide42.xml><?xml version="1.0" encoding="utf-8"?>
 <p:sld xmlns:a="http://schemas.openxmlformats.org/drawingml/2006/main" xmlns:r="http://schemas.openxmlformats.org/officeDocument/2006/relationships" xmlns:p="http://schemas.openxmlformats.org/presentationml/2006/main">
   <p:cSld>
     <p:spTree>
@@ -26965,7 +26159,7 @@
             <a:fld id="{068760B5-AC99-4A9F-9335-BAC898D4A850}" type="slidenum">
               <a:rPr lang="ko-KR" altLang="en-US" smtClean="0"/>
               <a:pPr/>
-              <a:t>43</a:t>
+              <a:t>42</a:t>
             </a:fld>
             <a:endParaRPr lang="ko-KR" altLang="en-US" dirty="0"/>
           </a:p>
@@ -27036,6 +26230,213 @@
     <p:extLst>
       <p:ext uri="{BB962C8B-B14F-4D97-AF65-F5344CB8AC3E}">
         <p14:creationId xmlns:p14="http://schemas.microsoft.com/office/powerpoint/2010/main" val="902821917"/>
+      </p:ext>
+    </p:extLst>
+  </p:cSld>
+  <p:clrMapOvr>
+    <a:masterClrMapping/>
+  </p:clrMapOvr>
+</p:sld>
+</file>
+
+<file path=ppt/slides/slide43.xml><?xml version="1.0" encoding="utf-8"?>
+<p:sld xmlns:a="http://schemas.openxmlformats.org/drawingml/2006/main" xmlns:r="http://schemas.openxmlformats.org/officeDocument/2006/relationships" xmlns:p="http://schemas.openxmlformats.org/presentationml/2006/main">
+  <p:cSld>
+    <p:spTree>
+      <p:nvGrpSpPr>
+        <p:cNvPr id="1" name=""/>
+        <p:cNvGrpSpPr/>
+        <p:nvPr/>
+      </p:nvGrpSpPr>
+      <p:grpSpPr>
+        <a:xfrm>
+          <a:off x="0" y="0"/>
+          <a:ext cx="0" cy="0"/>
+          <a:chOff x="0" y="0"/>
+          <a:chExt cx="0" cy="0"/>
+        </a:xfrm>
+      </p:grpSpPr>
+      <p:sp>
+        <p:nvSpPr>
+          <p:cNvPr id="2" name="제목 1"/>
+          <p:cNvSpPr>
+            <a:spLocks noGrp="1"/>
+          </p:cNvSpPr>
+          <p:nvPr>
+            <p:ph type="title"/>
+          </p:nvPr>
+        </p:nvSpPr>
+        <p:spPr/>
+        <p:txBody>
+          <a:bodyPr/>
+          <a:lstStyle/>
+          <a:p>
+            <a:r>
+              <a:rPr lang="en-US" altLang="ko-KR" dirty="0"/>
+              <a:t>Flex</a:t>
+            </a:r>
+            <a:r>
+              <a:rPr lang="ko-KR" altLang="en-US" dirty="0"/>
+              <a:t>와 </a:t>
+            </a:r>
+            <a:r>
+              <a:rPr lang="en-US" altLang="ko-KR" dirty="0"/>
+              <a:t>Bison </a:t>
+            </a:r>
+            <a:r>
+              <a:rPr lang="ko-KR" altLang="en-US" dirty="0"/>
+              <a:t>설치</a:t>
+            </a:r>
+          </a:p>
+        </p:txBody>
+      </p:sp>
+      <p:sp>
+        <p:nvSpPr>
+          <p:cNvPr id="3" name="내용 개체 틀 2"/>
+          <p:cNvSpPr>
+            <a:spLocks noGrp="1"/>
+          </p:cNvSpPr>
+          <p:nvPr>
+            <p:ph idx="1"/>
+          </p:nvPr>
+        </p:nvSpPr>
+        <p:spPr/>
+        <p:txBody>
+          <a:bodyPr/>
+          <a:lstStyle/>
+          <a:p>
+            <a:r>
+              <a:rPr lang="ko-KR" altLang="en-US" dirty="0"/>
+              <a:t>다운로드 </a:t>
+            </a:r>
+            <a:endParaRPr lang="en-US" altLang="ko-KR" dirty="0"/>
+          </a:p>
+          <a:p>
+            <a:pPr lvl="1"/>
+            <a:r>
+              <a:rPr lang="en-US" altLang="ko-KR" dirty="0">
+                <a:hlinkClick r:id="rId2"/>
+              </a:rPr>
+              <a:t>https://sourceforge.net/projects/winflexbison/</a:t>
+            </a:r>
+            <a:endParaRPr lang="en-US" altLang="ko-KR" dirty="0"/>
+          </a:p>
+          <a:p>
+            <a:endParaRPr lang="en-US" altLang="ko-KR" dirty="0"/>
+          </a:p>
+          <a:p>
+            <a:r>
+              <a:rPr lang="en-US" altLang="ko-KR" dirty="0"/>
+              <a:t>exe </a:t>
+            </a:r>
+            <a:r>
+              <a:rPr lang="ko-KR" altLang="en-US" dirty="0"/>
+              <a:t>파일들 이름을 각 </a:t>
+            </a:r>
+            <a:r>
+              <a:rPr lang="en-US" altLang="ko-KR" dirty="0"/>
+              <a:t>flex.exe</a:t>
+            </a:r>
+            <a:r>
+              <a:rPr lang="ko-KR" altLang="en-US" dirty="0"/>
+              <a:t>와 </a:t>
+            </a:r>
+            <a:r>
+              <a:rPr lang="en-US" altLang="ko-KR" dirty="0"/>
+              <a:t>bison.exe</a:t>
+            </a:r>
+            <a:r>
+              <a:rPr lang="ko-KR" altLang="en-US" dirty="0"/>
+              <a:t>로 변경 </a:t>
+            </a:r>
+            <a:endParaRPr lang="en-US" altLang="ko-KR" dirty="0"/>
+          </a:p>
+          <a:p>
+            <a:pPr lvl="1"/>
+            <a:r>
+              <a:rPr lang="en-US" altLang="ko-KR" dirty="0"/>
+              <a:t>Win- </a:t>
+            </a:r>
+            <a:r>
+              <a:rPr lang="ko-KR" altLang="en-US" dirty="0"/>
+              <a:t>계속 치기 귀찮음 </a:t>
+            </a:r>
+            <a:endParaRPr lang="en-US" altLang="ko-KR" dirty="0"/>
+          </a:p>
+          <a:p>
+            <a:endParaRPr lang="en-US" altLang="ko-KR" dirty="0"/>
+          </a:p>
+          <a:p>
+            <a:r>
+              <a:rPr lang="ko-KR" altLang="en-US" dirty="0"/>
+              <a:t>경로에 있기만 하면 됨</a:t>
+            </a:r>
+            <a:endParaRPr lang="en-US" altLang="ko-KR" dirty="0"/>
+          </a:p>
+          <a:p>
+            <a:endParaRPr lang="en-US" altLang="ko-KR" dirty="0"/>
+          </a:p>
+          <a:p>
+            <a:pPr lvl="1"/>
+            <a:endParaRPr lang="ko-KR" altLang="en-US" dirty="0"/>
+          </a:p>
+        </p:txBody>
+      </p:sp>
+      <p:sp>
+        <p:nvSpPr>
+          <p:cNvPr id="5" name="슬라이드 번호 개체 틀 4"/>
+          <p:cNvSpPr>
+            <a:spLocks noGrp="1"/>
+          </p:cNvSpPr>
+          <p:nvPr>
+            <p:ph type="sldNum" sz="quarter" idx="12"/>
+          </p:nvPr>
+        </p:nvSpPr>
+        <p:spPr/>
+        <p:txBody>
+          <a:bodyPr/>
+          <a:lstStyle/>
+          <a:p>
+            <a:r>
+              <a:rPr lang="en-US" altLang="ko-KR"/>
+              <a:t>Slide </a:t>
+            </a:r>
+            <a:fld id="{068760B5-AC99-4A9F-9335-BAC898D4A850}" type="slidenum">
+              <a:rPr lang="ko-KR" altLang="en-US" smtClean="0"/>
+              <a:pPr/>
+              <a:t>43</a:t>
+            </a:fld>
+            <a:endParaRPr lang="ko-KR" altLang="en-US" dirty="0"/>
+          </a:p>
+        </p:txBody>
+      </p:sp>
+      <p:sp>
+        <p:nvSpPr>
+          <p:cNvPr id="6" name="바닥글 개체 틀 5"/>
+          <p:cNvSpPr>
+            <a:spLocks noGrp="1"/>
+          </p:cNvSpPr>
+          <p:nvPr>
+            <p:ph type="ftr" sz="quarter" idx="11"/>
+          </p:nvPr>
+        </p:nvSpPr>
+        <p:spPr/>
+        <p:txBody>
+          <a:bodyPr/>
+          <a:lstStyle/>
+          <a:p>
+            <a:r>
+              <a:rPr lang="ko-KR" altLang="en-US"/>
+              <a:t>컴파일러</a:t>
+            </a:r>
+            <a:endParaRPr lang="ko-KR" altLang="en-US" dirty="0"/>
+          </a:p>
+        </p:txBody>
+      </p:sp>
+    </p:spTree>
+    <p:extLst>
+      <p:ext uri="{BB962C8B-B14F-4D97-AF65-F5344CB8AC3E}">
+        <p14:creationId xmlns:p14="http://schemas.microsoft.com/office/powerpoint/2010/main" val="2471536087"/>
       </p:ext>
     </p:extLst>
   </p:cSld>
@@ -27078,20 +26479,8 @@
           <a:lstStyle/>
           <a:p>
             <a:r>
-              <a:rPr lang="en-US" altLang="ko-KR" dirty="0"/>
-              <a:t>Flex</a:t>
-            </a:r>
-            <a:r>
-              <a:rPr lang="ko-KR" altLang="en-US" dirty="0"/>
-              <a:t>와 </a:t>
-            </a:r>
-            <a:r>
-              <a:rPr lang="en-US" altLang="ko-KR" dirty="0"/>
-              <a:t>Bison </a:t>
-            </a:r>
-            <a:r>
-              <a:rPr lang="ko-KR" altLang="en-US" dirty="0"/>
-              <a:t>설치</a:t>
+              <a:rPr lang="ko-KR" altLang="en-US" dirty="0"/>
+              <a:t>부탁 </a:t>
             </a:r>
           </a:p>
         </p:txBody>
@@ -27113,59 +26502,55 @@
           <a:p>
             <a:r>
               <a:rPr lang="ko-KR" altLang="en-US" dirty="0"/>
-              <a:t>다운로드 </a:t>
+              <a:t>이상한 기호들과 </a:t>
+            </a:r>
+            <a:r>
+              <a:rPr lang="en-US" altLang="ko-KR" dirty="0" err="1"/>
+              <a:t>yy</a:t>
+            </a:r>
+            <a:r>
+              <a:rPr lang="ko-KR" altLang="en-US" dirty="0"/>
+              <a:t>로 시작하는 함수들이 처음에는 부담 </a:t>
             </a:r>
             <a:endParaRPr lang="en-US" altLang="ko-KR" dirty="0"/>
           </a:p>
           <a:p>
-            <a:pPr lvl="1"/>
-            <a:r>
-              <a:rPr lang="en-US" altLang="ko-KR" dirty="0">
-                <a:hlinkClick r:id="rId2"/>
-              </a:rPr>
-              <a:t>https://sourceforge.net/projects/winflexbison/</a:t>
-            </a:r>
             <a:endParaRPr lang="en-US" altLang="ko-KR" dirty="0"/>
           </a:p>
           <a:p>
+            <a:r>
+              <a:rPr lang="ko-KR" altLang="en-US" dirty="0"/>
+              <a:t>좀만 애정을 갖고 보면 괜찮음 </a:t>
+            </a:r>
             <a:endParaRPr lang="en-US" altLang="ko-KR" dirty="0"/>
           </a:p>
           <a:p>
-            <a:r>
-              <a:rPr lang="en-US" altLang="ko-KR" dirty="0"/>
-              <a:t>exe </a:t>
-            </a:r>
-            <a:r>
-              <a:rPr lang="ko-KR" altLang="en-US" dirty="0"/>
-              <a:t>파일들 이름을 각 </a:t>
-            </a:r>
-            <a:r>
-              <a:rPr lang="en-US" altLang="ko-KR" dirty="0"/>
-              <a:t>flex.exe</a:t>
-            </a:r>
-            <a:r>
-              <a:rPr lang="ko-KR" altLang="en-US" dirty="0"/>
-              <a:t>와 </a:t>
-            </a:r>
-            <a:r>
-              <a:rPr lang="en-US" altLang="ko-KR" dirty="0"/>
-              <a:t>bison.exe</a:t>
-            </a:r>
-            <a:r>
-              <a:rPr lang="ko-KR" altLang="en-US" dirty="0"/>
-              <a:t>로 변경 </a:t>
-            </a:r>
             <a:endParaRPr lang="en-US" altLang="ko-KR" dirty="0"/>
           </a:p>
           <a:p>
-            <a:pPr lvl="1"/>
-            <a:r>
-              <a:rPr lang="en-US" altLang="ko-KR" dirty="0"/>
-              <a:t>Win- </a:t>
-            </a:r>
-            <a:r>
-              <a:rPr lang="ko-KR" altLang="en-US" dirty="0"/>
-              <a:t>계속 치기 귀찮음 </a:t>
+            <a:r>
+              <a:rPr lang="en-US" altLang="ko-KR" dirty="0"/>
+              <a:t>$, %, </a:t>
+            </a:r>
+            <a:r>
+              <a:rPr lang="en-US" altLang="ko-KR" dirty="0" err="1"/>
+              <a:t>yylval</a:t>
+            </a:r>
+            <a:r>
+              <a:rPr lang="en-US" altLang="ko-KR" dirty="0"/>
+              <a:t>, </a:t>
+            </a:r>
+            <a:r>
+              <a:rPr lang="en-US" altLang="ko-KR" dirty="0" err="1"/>
+              <a:t>yylex</a:t>
+            </a:r>
+            <a:r>
+              <a:rPr lang="en-US" altLang="ko-KR" dirty="0"/>
+              <a:t>() </a:t>
+            </a:r>
+            <a:r>
+              <a:rPr lang="ko-KR" altLang="en-US" dirty="0"/>
+              <a:t>등을 귀엽다 봐주길 </a:t>
             </a:r>
             <a:endParaRPr lang="en-US" altLang="ko-KR" dirty="0"/>
           </a:p>
@@ -27173,17 +26558,6 @@
             <a:endParaRPr lang="en-US" altLang="ko-KR" dirty="0"/>
           </a:p>
           <a:p>
-            <a:r>
-              <a:rPr lang="ko-KR" altLang="en-US" dirty="0"/>
-              <a:t>경로에 있기만 하면 됨</a:t>
-            </a:r>
-            <a:endParaRPr lang="en-US" altLang="ko-KR" dirty="0"/>
-          </a:p>
-          <a:p>
-            <a:endParaRPr lang="en-US" altLang="ko-KR" dirty="0"/>
-          </a:p>
-          <a:p>
-            <a:pPr lvl="1"/>
             <a:endParaRPr lang="ko-KR" altLang="en-US" dirty="0"/>
           </a:p>
         </p:txBody>
@@ -27242,7 +26616,7 @@
     </p:spTree>
     <p:extLst>
       <p:ext uri="{BB962C8B-B14F-4D97-AF65-F5344CB8AC3E}">
-        <p14:creationId xmlns:p14="http://schemas.microsoft.com/office/powerpoint/2010/main" val="2471536087"/>
+        <p14:creationId xmlns:p14="http://schemas.microsoft.com/office/powerpoint/2010/main" val="3936338303"/>
       </p:ext>
     </p:extLst>
   </p:cSld>
@@ -27285,8 +26659,12 @@
           <a:lstStyle/>
           <a:p>
             <a:r>
-              <a:rPr lang="ko-KR" altLang="en-US" dirty="0"/>
-              <a:t>부탁 </a:t>
+              <a:rPr lang="en-US" altLang="ko-KR" dirty="0"/>
+              <a:t>BISON </a:t>
+            </a:r>
+            <a:r>
+              <a:rPr lang="ko-KR" altLang="en-US" dirty="0"/>
+              <a:t>계산기 예제</a:t>
             </a:r>
           </a:p>
         </p:txBody>
@@ -27307,60 +26685,41 @@
           <a:lstStyle/>
           <a:p>
             <a:r>
-              <a:rPr lang="ko-KR" altLang="en-US" dirty="0"/>
-              <a:t>이상한 기호들과 </a:t>
-            </a:r>
-            <a:r>
-              <a:rPr lang="en-US" altLang="ko-KR" dirty="0" err="1"/>
-              <a:t>yy</a:t>
-            </a:r>
-            <a:r>
-              <a:rPr lang="ko-KR" altLang="en-US" dirty="0"/>
-              <a:t>로 시작하는 함수들이 처음에는 부담 </a:t>
+              <a:rPr lang="en-US" altLang="ko-KR" dirty="0"/>
+              <a:t>PDF </a:t>
+            </a:r>
+            <a:r>
+              <a:rPr lang="ko-KR" altLang="en-US" dirty="0"/>
+              <a:t>내용을 보고 타이핑을 하는 게 이해에 좀 더 도움이 됨 </a:t>
             </a:r>
             <a:endParaRPr lang="en-US" altLang="ko-KR" dirty="0"/>
           </a:p>
           <a:p>
+            <a:pPr lvl="1"/>
+            <a:r>
+              <a:rPr lang="en-US" altLang="ko-KR" dirty="0">
+                <a:hlinkClick r:id="rId2"/>
+              </a:rPr>
+              <a:t>https://www.bowaggoner.com/writeups/jumpstart/flexbison/jumpstart_flexbison.pdf</a:t>
+            </a:r>
             <a:endParaRPr lang="en-US" altLang="ko-KR" dirty="0"/>
           </a:p>
           <a:p>
-            <a:r>
-              <a:rPr lang="ko-KR" altLang="en-US" dirty="0"/>
-              <a:t>좀만 애정을 갖고 보면 괜찮음 </a:t>
+            <a:pPr lvl="1"/>
+            <a:r>
+              <a:rPr lang="ko-KR" altLang="en-US" dirty="0"/>
+              <a:t>파일은 여기서 받음 </a:t>
             </a:r>
             <a:endParaRPr lang="en-US" altLang="ko-KR" dirty="0"/>
           </a:p>
           <a:p>
-            <a:endParaRPr lang="en-US" altLang="ko-KR" dirty="0"/>
-          </a:p>
-          <a:p>
-            <a:r>
-              <a:rPr lang="en-US" altLang="ko-KR" dirty="0"/>
-              <a:t>$, %, </a:t>
-            </a:r>
-            <a:r>
-              <a:rPr lang="en-US" altLang="ko-KR" dirty="0" err="1"/>
-              <a:t>yylval</a:t>
-            </a:r>
-            <a:r>
-              <a:rPr lang="en-US" altLang="ko-KR" dirty="0"/>
-              <a:t>, </a:t>
-            </a:r>
-            <a:r>
-              <a:rPr lang="en-US" altLang="ko-KR" dirty="0" err="1"/>
-              <a:t>yylex</a:t>
-            </a:r>
-            <a:r>
-              <a:rPr lang="en-US" altLang="ko-KR" dirty="0"/>
-              <a:t>() </a:t>
-            </a:r>
-            <a:r>
-              <a:rPr lang="ko-KR" altLang="en-US" dirty="0"/>
-              <a:t>등을 귀엽다 봐주길 </a:t>
-            </a:r>
-            <a:endParaRPr lang="en-US" altLang="ko-KR" dirty="0"/>
-          </a:p>
-          <a:p>
+            <a:pPr lvl="2"/>
+            <a:r>
+              <a:rPr lang="en-US" altLang="ko-KR" dirty="0">
+                <a:hlinkClick r:id="rId3"/>
+              </a:rPr>
+              <a:t>https://www.bowaggoner.com/writeups/jumpstart/flexbison/</a:t>
+            </a:r>
             <a:endParaRPr lang="en-US" altLang="ko-KR" dirty="0"/>
           </a:p>
           <a:p>
@@ -27422,7 +26781,7 @@
     </p:spTree>
     <p:extLst>
       <p:ext uri="{BB962C8B-B14F-4D97-AF65-F5344CB8AC3E}">
-        <p14:creationId xmlns:p14="http://schemas.microsoft.com/office/powerpoint/2010/main" val="3936338303"/>
+        <p14:creationId xmlns:p14="http://schemas.microsoft.com/office/powerpoint/2010/main" val="304323686"/>
       </p:ext>
     </p:extLst>
   </p:cSld>
@@ -27465,12 +26824,8 @@
           <a:lstStyle/>
           <a:p>
             <a:r>
-              <a:rPr lang="en-US" altLang="ko-KR" dirty="0"/>
-              <a:t>BISON </a:t>
-            </a:r>
-            <a:r>
-              <a:rPr lang="ko-KR" altLang="en-US" dirty="0"/>
-              <a:t>계산기 예제</a:t>
+              <a:rPr lang="ko-KR" altLang="en-US" dirty="0"/>
+              <a:t>동작 흐름</a:t>
             </a:r>
           </a:p>
         </p:txBody>
@@ -27491,42 +26846,61 @@
           <a:lstStyle/>
           <a:p>
             <a:r>
-              <a:rPr lang="en-US" altLang="ko-KR" dirty="0"/>
-              <a:t>PDF </a:t>
-            </a:r>
-            <a:r>
-              <a:rPr lang="ko-KR" altLang="en-US" dirty="0"/>
-              <a:t>내용을 보고 타이핑을 하는 게 이해에 좀 더 도움이 됨 </a:t>
-            </a:r>
+              <a:rPr lang="ko-KR" altLang="en-US" dirty="0"/>
+              <a:t>자체 언어로 정의된 토큰</a:t>
+            </a:r>
+            <a:r>
+              <a:rPr lang="en-US" altLang="ko-KR" dirty="0"/>
+              <a:t>, </a:t>
+            </a:r>
+            <a:r>
+              <a:rPr lang="ko-KR" altLang="en-US" dirty="0"/>
+              <a:t>문법 파일에서 </a:t>
+            </a:r>
+            <a:r>
+              <a:rPr lang="en-US" altLang="ko-KR" dirty="0"/>
+              <a:t>C/C++ </a:t>
+            </a:r>
+            <a:r>
+              <a:rPr lang="ko-KR" altLang="en-US" dirty="0"/>
+              <a:t>코드를 생성한다</a:t>
+            </a:r>
+            <a:r>
+              <a:rPr lang="en-US" altLang="ko-KR" dirty="0"/>
+              <a:t>. </a:t>
+            </a:r>
+          </a:p>
+          <a:p>
             <a:endParaRPr lang="en-US" altLang="ko-KR" dirty="0"/>
           </a:p>
           <a:p>
+            <a:r>
+              <a:rPr lang="ko-KR" altLang="en-US" dirty="0"/>
+              <a:t>생성된 파일을 사용하여 </a:t>
+            </a:r>
+            <a:r>
+              <a:rPr lang="ko-KR" altLang="en-US" dirty="0" err="1"/>
+              <a:t>파서를</a:t>
+            </a:r>
+            <a:r>
+              <a:rPr lang="ko-KR" altLang="en-US" dirty="0"/>
+              <a:t> 작성한다</a:t>
+            </a:r>
+            <a:r>
+              <a:rPr lang="en-US" altLang="ko-KR" dirty="0"/>
+              <a:t>.</a:t>
+            </a:r>
+          </a:p>
+          <a:p>
             <a:pPr lvl="1"/>
             <a:r>
-              <a:rPr lang="en-US" altLang="ko-KR" dirty="0">
-                <a:hlinkClick r:id="rId2"/>
-              </a:rPr>
-              <a:t>https://www.bowaggoner.com/writeups/jumpstart/flexbison/jumpstart_flexbison.pdf</a:t>
-            </a:r>
-            <a:endParaRPr lang="en-US" altLang="ko-KR" dirty="0"/>
-          </a:p>
-          <a:p>
-            <a:pPr lvl="1"/>
-            <a:r>
-              <a:rPr lang="ko-KR" altLang="en-US" dirty="0"/>
-              <a:t>파일은 여기서 받음 </a:t>
-            </a:r>
-            <a:endParaRPr lang="en-US" altLang="ko-KR" dirty="0"/>
-          </a:p>
-          <a:p>
-            <a:pPr lvl="2"/>
-            <a:r>
-              <a:rPr lang="en-US" altLang="ko-KR" dirty="0">
-                <a:hlinkClick r:id="rId3"/>
-              </a:rPr>
-              <a:t>https://www.bowaggoner.com/writeups/jumpstart/flexbison/</a:t>
-            </a:r>
-            <a:endParaRPr lang="en-US" altLang="ko-KR" dirty="0"/>
+              <a:rPr lang="ko-KR" altLang="en-US" dirty="0"/>
+              <a:t>주로 파스 트리에 기초하여 의미 처리 작업을 한다</a:t>
+            </a:r>
+            <a:r>
+              <a:rPr lang="en-US" altLang="ko-KR" dirty="0"/>
+              <a:t>. </a:t>
+            </a:r>
           </a:p>
           <a:p>
             <a:endParaRPr lang="ko-KR" altLang="en-US" dirty="0"/>
@@ -27587,7 +26961,7 @@
     </p:spTree>
     <p:extLst>
       <p:ext uri="{BB962C8B-B14F-4D97-AF65-F5344CB8AC3E}">
-        <p14:creationId xmlns:p14="http://schemas.microsoft.com/office/powerpoint/2010/main" val="304323686"/>
+        <p14:creationId xmlns:p14="http://schemas.microsoft.com/office/powerpoint/2010/main" val="303193708"/>
       </p:ext>
     </p:extLst>
   </p:cSld>
@@ -27630,8 +27004,12 @@
           <a:lstStyle/>
           <a:p>
             <a:r>
-              <a:rPr lang="ko-KR" altLang="en-US" dirty="0"/>
-              <a:t>동작 흐름</a:t>
+              <a:rPr lang="en-US" altLang="ko-KR" dirty="0"/>
+              <a:t>Flex </a:t>
+            </a:r>
+            <a:r>
+              <a:rPr lang="ko-KR" altLang="en-US" dirty="0"/>
+              <a:t>파일 </a:t>
             </a:r>
           </a:p>
         </p:txBody>
@@ -27652,64 +27030,139 @@
           <a:lstStyle/>
           <a:p>
             <a:r>
-              <a:rPr lang="ko-KR" altLang="en-US" dirty="0"/>
-              <a:t>자체 언어로 정의된 토큰</a:t>
-            </a:r>
-            <a:r>
-              <a:rPr lang="en-US" altLang="ko-KR" dirty="0"/>
-              <a:t>, </a:t>
-            </a:r>
-            <a:r>
-              <a:rPr lang="ko-KR" altLang="en-US" dirty="0"/>
-              <a:t>문법 파일에서 </a:t>
-            </a:r>
+              <a:rPr lang="en-US" altLang="ko-KR" dirty="0"/>
+              <a:t>%%</a:t>
+            </a:r>
+            <a:r>
+              <a:rPr lang="ko-KR" altLang="en-US" dirty="0"/>
+              <a:t>로</a:t>
+            </a:r>
+            <a:r>
+              <a:rPr lang="en-US" altLang="ko-KR" dirty="0"/>
+              <a:t> </a:t>
+            </a:r>
+            <a:r>
+              <a:rPr lang="ko-KR" altLang="en-US" dirty="0"/>
+              <a:t>구분된 세개의 섹션 </a:t>
+            </a:r>
+            <a:endParaRPr lang="en-US" altLang="ko-KR" dirty="0"/>
+          </a:p>
+          <a:p>
             <a:r>
               <a:rPr lang="en-US" altLang="ko-KR" dirty="0"/>
               <a:t>C/C++ </a:t>
             </a:r>
             <a:r>
               <a:rPr lang="ko-KR" altLang="en-US" dirty="0"/>
-              <a:t>코드를 생성한다</a:t>
-            </a:r>
-            <a:r>
-              <a:rPr lang="en-US" altLang="ko-KR" dirty="0"/>
-              <a:t>. </a:t>
-            </a:r>
-          </a:p>
-          <a:p>
+              <a:t>섹션</a:t>
+            </a:r>
             <a:endParaRPr lang="en-US" altLang="ko-KR" dirty="0"/>
           </a:p>
           <a:p>
-            <a:r>
-              <a:rPr lang="ko-KR" altLang="en-US" dirty="0"/>
-              <a:t>생성된 파일을 사용하여 </a:t>
+            <a:pPr lvl="1"/>
+            <a:r>
+              <a:rPr lang="en-US" altLang="ko-KR" dirty="0"/>
+              <a:t> %{, %}</a:t>
+            </a:r>
+            <a:r>
+              <a:rPr lang="ko-KR" altLang="en-US" dirty="0"/>
+              <a:t>로</a:t>
+            </a:r>
+            <a:r>
+              <a:rPr lang="en-US" altLang="ko-KR" dirty="0"/>
+              <a:t> </a:t>
+            </a:r>
+            <a:r>
+              <a:rPr lang="ko-KR" altLang="en-US" dirty="0"/>
+              <a:t>지정됨 </a:t>
+            </a:r>
+            <a:endParaRPr lang="en-US" altLang="ko-KR" dirty="0"/>
+          </a:p>
+          <a:p>
+            <a:pPr lvl="1"/>
+            <a:r>
+              <a:rPr lang="ko-KR" altLang="en-US" dirty="0"/>
+              <a:t>생성된 </a:t>
+            </a:r>
+            <a:r>
+              <a:rPr lang="en-US" altLang="ko-KR" dirty="0"/>
+              <a:t>C++ </a:t>
+            </a:r>
+            <a:r>
+              <a:rPr lang="ko-KR" altLang="en-US" dirty="0"/>
+              <a:t>파일로 그대로 저장됨 </a:t>
+            </a:r>
+            <a:endParaRPr lang="en-US" altLang="ko-KR" dirty="0"/>
+          </a:p>
+          <a:p>
+            <a:r>
+              <a:rPr lang="ko-KR" altLang="en-US" dirty="0"/>
+              <a:t>토큰 섹션 </a:t>
+            </a:r>
+            <a:endParaRPr lang="en-US" altLang="ko-KR" dirty="0"/>
+          </a:p>
+          <a:p>
+            <a:pPr lvl="1"/>
+            <a:r>
+              <a:rPr lang="ko-KR" altLang="en-US" dirty="0"/>
+              <a:t>토큰들과 </a:t>
             </a:r>
             <a:r>
               <a:rPr lang="ko-KR" altLang="en-US" dirty="0" err="1"/>
-              <a:t>파서를</a:t>
-            </a:r>
-            <a:r>
-              <a:rPr lang="ko-KR" altLang="en-US" dirty="0"/>
-              <a:t> 작성한다</a:t>
-            </a:r>
-            <a:r>
-              <a:rPr lang="en-US" altLang="ko-KR" dirty="0"/>
-              <a:t>.</a:t>
-            </a:r>
+              <a:t>토큰별</a:t>
+            </a:r>
+            <a:r>
+              <a:rPr lang="ko-KR" altLang="en-US" dirty="0"/>
+              <a:t> 처리 동작 정의 </a:t>
+            </a:r>
+            <a:endParaRPr lang="en-US" altLang="ko-KR" dirty="0"/>
+          </a:p>
+          <a:p>
+            <a:r>
+              <a:rPr lang="en-US" altLang="ko-KR" dirty="0"/>
+              <a:t>C/C++ </a:t>
+            </a:r>
+            <a:r>
+              <a:rPr lang="ko-KR" altLang="en-US" dirty="0"/>
+              <a:t>섹션 </a:t>
+            </a:r>
+            <a:endParaRPr lang="en-US" altLang="ko-KR" dirty="0"/>
           </a:p>
           <a:p>
             <a:pPr lvl="1"/>
             <a:r>
-              <a:rPr lang="ko-KR" altLang="en-US" dirty="0"/>
-              <a:t>주로 파스 트리에 기초하여 의미 처리 작업을 한다</a:t>
-            </a:r>
-            <a:r>
-              <a:rPr lang="en-US" altLang="ko-KR" dirty="0"/>
-              <a:t>. </a:t>
-            </a:r>
-          </a:p>
-          <a:p>
-            <a:endParaRPr lang="ko-KR" altLang="en-US" dirty="0"/>
+              <a:rPr lang="en-US" altLang="ko-KR" dirty="0"/>
+              <a:t>%{, %} </a:t>
+            </a:r>
+            <a:r>
+              <a:rPr lang="ko-KR" altLang="en-US" dirty="0"/>
+              <a:t>없이 작성 </a:t>
+            </a:r>
+            <a:endParaRPr lang="en-US" altLang="ko-KR" dirty="0"/>
+          </a:p>
+          <a:p>
+            <a:pPr lvl="1"/>
+            <a:r>
+              <a:rPr lang="ko-KR" altLang="en-US" dirty="0"/>
+              <a:t>전통적으로 </a:t>
+            </a:r>
+            <a:r>
+              <a:rPr lang="en-US" altLang="ko-KR" dirty="0"/>
+              <a:t>main() </a:t>
+            </a:r>
+            <a:r>
+              <a:rPr lang="ko-KR" altLang="en-US" dirty="0"/>
+              <a:t>함수가 여기에 옴 </a:t>
+            </a:r>
+            <a:endParaRPr lang="en-US" altLang="ko-KR" dirty="0"/>
+          </a:p>
+          <a:p>
+            <a:pPr lvl="1"/>
+            <a:r>
+              <a:rPr lang="ko-KR" altLang="en-US" dirty="0"/>
+              <a:t>특별히 지킬 필요는 없음</a:t>
+            </a:r>
+            <a:endParaRPr lang="en-US" altLang="ko-KR" dirty="0"/>
           </a:p>
         </p:txBody>
       </p:sp>
@@ -27767,7 +27220,7 @@
     </p:spTree>
     <p:extLst>
       <p:ext uri="{BB962C8B-B14F-4D97-AF65-F5344CB8AC3E}">
-        <p14:creationId xmlns:p14="http://schemas.microsoft.com/office/powerpoint/2010/main" val="303193708"/>
+        <p14:creationId xmlns:p14="http://schemas.microsoft.com/office/powerpoint/2010/main" val="3281234733"/>
       </p:ext>
     </p:extLst>
   </p:cSld>
@@ -27811,7 +27264,7 @@
           <a:p>
             <a:r>
               <a:rPr lang="en-US" altLang="ko-KR" dirty="0"/>
-              <a:t>Flex </a:t>
+              <a:t>Bison </a:t>
             </a:r>
             <a:r>
               <a:rPr lang="ko-KR" altLang="en-US" dirty="0"/>
@@ -27856,6 +27309,14 @@
           <a:p>
             <a:r>
               <a:rPr lang="en-US" altLang="ko-KR" dirty="0"/>
+              <a:t>Flex</a:t>
+            </a:r>
+            <a:r>
+              <a:rPr lang="ko-KR" altLang="en-US" dirty="0"/>
+              <a:t>와 동일한 </a:t>
+            </a:r>
+            <a:r>
+              <a:rPr lang="en-US" altLang="ko-KR" dirty="0"/>
               <a:t>C/C++ </a:t>
             </a:r>
             <a:r>
@@ -27867,108 +27328,70 @@
           <a:p>
             <a:pPr lvl="1"/>
             <a:r>
-              <a:rPr lang="en-US" altLang="ko-KR" dirty="0"/>
-              <a:t> %{, %}</a:t>
-            </a:r>
-            <a:r>
-              <a:rPr lang="ko-KR" altLang="en-US" dirty="0"/>
-              <a:t>로</a:t>
-            </a:r>
-            <a:r>
-              <a:rPr lang="en-US" altLang="ko-KR" dirty="0"/>
+              <a:rPr lang="ko-KR" altLang="en-US" dirty="0"/>
+              <a:t>추가로 </a:t>
+            </a:r>
+            <a:r>
+              <a:rPr lang="en-US" altLang="ko-KR" dirty="0"/>
+              <a:t>%union,</a:t>
+            </a:r>
+            <a:r>
+              <a:rPr lang="ko-KR" altLang="en-US" dirty="0"/>
               <a:t> </a:t>
             </a:r>
             <a:r>
-              <a:rPr lang="ko-KR" altLang="en-US" dirty="0"/>
-              <a:t>지정됨 </a:t>
+              <a:rPr lang="en-US" altLang="ko-KR" dirty="0"/>
+              <a:t>%token, %type </a:t>
+            </a:r>
+            <a:r>
+              <a:rPr lang="ko-KR" altLang="en-US" dirty="0"/>
+              <a:t>정의 </a:t>
             </a:r>
             <a:endParaRPr lang="en-US" altLang="ko-KR" dirty="0"/>
           </a:p>
           <a:p>
+            <a:r>
+              <a:rPr lang="en-US" altLang="ko-KR" dirty="0"/>
+              <a:t>BNF </a:t>
+            </a:r>
+            <a:r>
+              <a:rPr lang="ko-KR" altLang="en-US" dirty="0"/>
+              <a:t>정의 섹션 </a:t>
+            </a:r>
+            <a:endParaRPr lang="en-US" altLang="ko-KR" dirty="0"/>
+          </a:p>
+          <a:p>
             <a:pPr lvl="1"/>
             <a:r>
               <a:rPr lang="ko-KR" altLang="en-US" dirty="0"/>
-              <a:t>생성된 </a:t>
-            </a:r>
-            <a:r>
-              <a:rPr lang="en-US" altLang="ko-KR" dirty="0"/>
-              <a:t>C++ </a:t>
-            </a:r>
-            <a:r>
-              <a:rPr lang="ko-KR" altLang="en-US" dirty="0"/>
-              <a:t>파일로 그대로 저장됨 </a:t>
+              <a:t>추가로 각 </a:t>
+            </a:r>
+            <a:r>
+              <a:rPr lang="ko-KR" altLang="en-US" dirty="0" err="1"/>
+              <a:t>기호별</a:t>
+            </a:r>
+            <a:r>
+              <a:rPr lang="ko-KR" altLang="en-US" dirty="0"/>
+              <a:t> 처리 코드 작성 가능 </a:t>
             </a:r>
             <a:endParaRPr lang="en-US" altLang="ko-KR" dirty="0"/>
           </a:p>
           <a:p>
             <a:r>
-              <a:rPr lang="ko-KR" altLang="en-US" dirty="0"/>
-              <a:t>토큰 섹션 </a:t>
+              <a:rPr lang="en-US" altLang="ko-KR" dirty="0"/>
+              <a:t>C/C++ </a:t>
+            </a:r>
+            <a:r>
+              <a:rPr lang="ko-KR" altLang="en-US" dirty="0"/>
+              <a:t>섹션 </a:t>
             </a:r>
             <a:endParaRPr lang="en-US" altLang="ko-KR" dirty="0"/>
           </a:p>
           <a:p>
-            <a:pPr lvl="1"/>
-            <a:r>
-              <a:rPr lang="ko-KR" altLang="en-US" dirty="0"/>
-              <a:t>토큰들과 </a:t>
-            </a:r>
-            <a:r>
-              <a:rPr lang="ko-KR" altLang="en-US" dirty="0" err="1"/>
-              <a:t>토큰별</a:t>
-            </a:r>
-            <a:r>
-              <a:rPr lang="ko-KR" altLang="en-US" dirty="0"/>
-              <a:t> 처리 동작 정의 </a:t>
-            </a:r>
             <a:endParaRPr lang="en-US" altLang="ko-KR" dirty="0"/>
           </a:p>
           <a:p>
-            <a:r>
-              <a:rPr lang="en-US" altLang="ko-KR" dirty="0"/>
-              <a:t>C/C++ </a:t>
-            </a:r>
-            <a:r>
-              <a:rPr lang="ko-KR" altLang="en-US" dirty="0"/>
-              <a:t>섹션 </a:t>
-            </a:r>
-            <a:endParaRPr lang="en-US" altLang="ko-KR" dirty="0"/>
-          </a:p>
-          <a:p>
-            <a:pPr lvl="1"/>
-            <a:r>
-              <a:rPr lang="en-US" altLang="ko-KR" dirty="0"/>
-              <a:t>%{, %} </a:t>
-            </a:r>
-            <a:r>
-              <a:rPr lang="ko-KR" altLang="en-US" dirty="0"/>
-              <a:t>없이 작성 </a:t>
-            </a:r>
-            <a:endParaRPr lang="en-US" altLang="ko-KR" dirty="0"/>
-          </a:p>
-          <a:p>
-            <a:pPr lvl="1"/>
-            <a:r>
-              <a:rPr lang="ko-KR" altLang="en-US" dirty="0"/>
-              <a:t>전통적으로 </a:t>
-            </a:r>
-            <a:r>
-              <a:rPr lang="en-US" altLang="ko-KR" dirty="0"/>
-              <a:t>main() </a:t>
-            </a:r>
-            <a:r>
-              <a:rPr lang="ko-KR" altLang="en-US" dirty="0"/>
-              <a:t>함수가 여기에 옴 </a:t>
-            </a:r>
-            <a:endParaRPr lang="en-US" altLang="ko-KR" dirty="0"/>
-          </a:p>
-          <a:p>
-            <a:pPr lvl="1"/>
-            <a:r>
-              <a:rPr lang="ko-KR" altLang="en-US" dirty="0"/>
-              <a:t>특별히 지킬 필요는 없음</a:t>
-            </a:r>
-            <a:endParaRPr lang="en-US" altLang="ko-KR" dirty="0"/>
+            <a:endParaRPr lang="ko-KR" altLang="en-US" dirty="0"/>
           </a:p>
         </p:txBody>
       </p:sp>
@@ -28026,7 +27449,7 @@
     </p:spTree>
     <p:extLst>
       <p:ext uri="{BB962C8B-B14F-4D97-AF65-F5344CB8AC3E}">
-        <p14:creationId xmlns:p14="http://schemas.microsoft.com/office/powerpoint/2010/main" val="3281234733"/>
+        <p14:creationId xmlns:p14="http://schemas.microsoft.com/office/powerpoint/2010/main" val="3019917225"/>
       </p:ext>
     </p:extLst>
   </p:cSld>
@@ -28069,468 +27492,6 @@
           <a:lstStyle/>
           <a:p>
             <a:r>
-              <a:rPr lang="en-US" altLang="ko-KR" dirty="0"/>
-              <a:t>Bison </a:t>
-            </a:r>
-            <a:r>
-              <a:rPr lang="ko-KR" altLang="en-US" dirty="0"/>
-              <a:t>파일 </a:t>
-            </a:r>
-          </a:p>
-        </p:txBody>
-      </p:sp>
-      <p:sp>
-        <p:nvSpPr>
-          <p:cNvPr id="3" name="내용 개체 틀 2"/>
-          <p:cNvSpPr>
-            <a:spLocks noGrp="1"/>
-          </p:cNvSpPr>
-          <p:nvPr>
-            <p:ph idx="1"/>
-          </p:nvPr>
-        </p:nvSpPr>
-        <p:spPr/>
-        <p:txBody>
-          <a:bodyPr/>
-          <a:lstStyle/>
-          <a:p>
-            <a:r>
-              <a:rPr lang="en-US" altLang="ko-KR" dirty="0"/>
-              <a:t>%%</a:t>
-            </a:r>
-            <a:r>
-              <a:rPr lang="ko-KR" altLang="en-US" dirty="0"/>
-              <a:t>로</a:t>
-            </a:r>
-            <a:r>
-              <a:rPr lang="en-US" altLang="ko-KR" dirty="0"/>
-              <a:t> </a:t>
-            </a:r>
-            <a:r>
-              <a:rPr lang="ko-KR" altLang="en-US" dirty="0"/>
-              <a:t>구분된 세개의 섹션 </a:t>
-            </a:r>
-            <a:endParaRPr lang="en-US" altLang="ko-KR" dirty="0"/>
-          </a:p>
-          <a:p>
-            <a:r>
-              <a:rPr lang="en-US" altLang="ko-KR" dirty="0"/>
-              <a:t>Flex</a:t>
-            </a:r>
-            <a:r>
-              <a:rPr lang="ko-KR" altLang="en-US" dirty="0"/>
-              <a:t>와 동일한 </a:t>
-            </a:r>
-            <a:r>
-              <a:rPr lang="en-US" altLang="ko-KR" dirty="0"/>
-              <a:t>C/C++ </a:t>
-            </a:r>
-            <a:r>
-              <a:rPr lang="ko-KR" altLang="en-US" dirty="0"/>
-              <a:t>섹션</a:t>
-            </a:r>
-            <a:endParaRPr lang="en-US" altLang="ko-KR" dirty="0"/>
-          </a:p>
-          <a:p>
-            <a:pPr lvl="1"/>
-            <a:r>
-              <a:rPr lang="ko-KR" altLang="en-US" dirty="0"/>
-              <a:t>추가로 </a:t>
-            </a:r>
-            <a:r>
-              <a:rPr lang="en-US" altLang="ko-KR" dirty="0"/>
-              <a:t>%union,</a:t>
-            </a:r>
-            <a:r>
-              <a:rPr lang="ko-KR" altLang="en-US" dirty="0"/>
-              <a:t> </a:t>
-            </a:r>
-            <a:r>
-              <a:rPr lang="en-US" altLang="ko-KR" dirty="0"/>
-              <a:t>%token, %type </a:t>
-            </a:r>
-            <a:r>
-              <a:rPr lang="ko-KR" altLang="en-US" dirty="0"/>
-              <a:t>정의 </a:t>
-            </a:r>
-            <a:endParaRPr lang="en-US" altLang="ko-KR" dirty="0"/>
-          </a:p>
-          <a:p>
-            <a:r>
-              <a:rPr lang="en-US" altLang="ko-KR" dirty="0"/>
-              <a:t>BNF </a:t>
-            </a:r>
-            <a:r>
-              <a:rPr lang="ko-KR" altLang="en-US" dirty="0"/>
-              <a:t>정의 섹션 </a:t>
-            </a:r>
-            <a:endParaRPr lang="en-US" altLang="ko-KR" dirty="0"/>
-          </a:p>
-          <a:p>
-            <a:pPr lvl="1"/>
-            <a:r>
-              <a:rPr lang="ko-KR" altLang="en-US" dirty="0"/>
-              <a:t>추가로 각 </a:t>
-            </a:r>
-            <a:r>
-              <a:rPr lang="ko-KR" altLang="en-US" dirty="0" err="1"/>
-              <a:t>기호별</a:t>
-            </a:r>
-            <a:r>
-              <a:rPr lang="ko-KR" altLang="en-US" dirty="0"/>
-              <a:t> 처리 코드 작성 가능 </a:t>
-            </a:r>
-            <a:endParaRPr lang="en-US" altLang="ko-KR" dirty="0"/>
-          </a:p>
-          <a:p>
-            <a:r>
-              <a:rPr lang="en-US" altLang="ko-KR" dirty="0"/>
-              <a:t>C/C++ </a:t>
-            </a:r>
-            <a:r>
-              <a:rPr lang="ko-KR" altLang="en-US" dirty="0"/>
-              <a:t>섹션 </a:t>
-            </a:r>
-            <a:endParaRPr lang="en-US" altLang="ko-KR" dirty="0"/>
-          </a:p>
-          <a:p>
-            <a:endParaRPr lang="en-US" altLang="ko-KR" dirty="0"/>
-          </a:p>
-          <a:p>
-            <a:endParaRPr lang="ko-KR" altLang="en-US" dirty="0"/>
-          </a:p>
-        </p:txBody>
-      </p:sp>
-      <p:sp>
-        <p:nvSpPr>
-          <p:cNvPr id="5" name="슬라이드 번호 개체 틀 4"/>
-          <p:cNvSpPr>
-            <a:spLocks noGrp="1"/>
-          </p:cNvSpPr>
-          <p:nvPr>
-            <p:ph type="sldNum" sz="quarter" idx="12"/>
-          </p:nvPr>
-        </p:nvSpPr>
-        <p:spPr/>
-        <p:txBody>
-          <a:bodyPr/>
-          <a:lstStyle/>
-          <a:p>
-            <a:r>
-              <a:rPr lang="en-US" altLang="ko-KR"/>
-              <a:t>Slide </a:t>
-            </a:r>
-            <a:fld id="{068760B5-AC99-4A9F-9335-BAC898D4A850}" type="slidenum">
-              <a:rPr lang="ko-KR" altLang="en-US" smtClean="0"/>
-              <a:pPr/>
-              <a:t>49</a:t>
-            </a:fld>
-            <a:endParaRPr lang="ko-KR" altLang="en-US" dirty="0"/>
-          </a:p>
-        </p:txBody>
-      </p:sp>
-      <p:sp>
-        <p:nvSpPr>
-          <p:cNvPr id="6" name="바닥글 개체 틀 5"/>
-          <p:cNvSpPr>
-            <a:spLocks noGrp="1"/>
-          </p:cNvSpPr>
-          <p:nvPr>
-            <p:ph type="ftr" sz="quarter" idx="11"/>
-          </p:nvPr>
-        </p:nvSpPr>
-        <p:spPr/>
-        <p:txBody>
-          <a:bodyPr/>
-          <a:lstStyle/>
-          <a:p>
-            <a:r>
-              <a:rPr lang="ko-KR" altLang="en-US"/>
-              <a:t>컴파일러</a:t>
-            </a:r>
-            <a:endParaRPr lang="ko-KR" altLang="en-US" dirty="0"/>
-          </a:p>
-        </p:txBody>
-      </p:sp>
-    </p:spTree>
-    <p:extLst>
-      <p:ext uri="{BB962C8B-B14F-4D97-AF65-F5344CB8AC3E}">
-        <p14:creationId xmlns:p14="http://schemas.microsoft.com/office/powerpoint/2010/main" val="3019917225"/>
-      </p:ext>
-    </p:extLst>
-  </p:cSld>
-  <p:clrMapOvr>
-    <a:masterClrMapping/>
-  </p:clrMapOvr>
-</p:sld>
-</file>
-
-<file path=ppt/slides/slide5.xml><?xml version="1.0" encoding="utf-8"?>
-<p:sld xmlns:a="http://schemas.openxmlformats.org/drawingml/2006/main" xmlns:r="http://schemas.openxmlformats.org/officeDocument/2006/relationships" xmlns:p="http://schemas.openxmlformats.org/presentationml/2006/main">
-  <p:cSld>
-    <p:spTree>
-      <p:nvGrpSpPr>
-        <p:cNvPr id="1" name=""/>
-        <p:cNvGrpSpPr/>
-        <p:nvPr/>
-      </p:nvGrpSpPr>
-      <p:grpSpPr>
-        <a:xfrm>
-          <a:off x="0" y="0"/>
-          <a:ext cx="0" cy="0"/>
-          <a:chOff x="0" y="0"/>
-          <a:chExt cx="0" cy="0"/>
-        </a:xfrm>
-      </p:grpSpPr>
-      <p:sp>
-        <p:nvSpPr>
-          <p:cNvPr id="2" name="제목 1">
-            <a:extLst>
-              <a:ext uri="{FF2B5EF4-FFF2-40B4-BE49-F238E27FC236}">
-                <a16:creationId xmlns:a16="http://schemas.microsoft.com/office/drawing/2014/main" id="{D1393EC4-1575-40B1-A5C9-B6C806A7EE32}"/>
-              </a:ext>
-            </a:extLst>
-          </p:cNvPr>
-          <p:cNvSpPr>
-            <a:spLocks noGrp="1"/>
-          </p:cNvSpPr>
-          <p:nvPr>
-            <p:ph type="title"/>
-          </p:nvPr>
-        </p:nvSpPr>
-        <p:spPr/>
-        <p:txBody>
-          <a:bodyPr/>
-          <a:lstStyle/>
-          <a:p>
-            <a:r>
-              <a:rPr lang="ko-KR" altLang="en-US" dirty="0" err="1"/>
-              <a:t>언리얼</a:t>
-            </a:r>
-            <a:r>
-              <a:rPr lang="ko-KR" altLang="en-US" dirty="0"/>
-              <a:t> </a:t>
-            </a:r>
-            <a:r>
-              <a:rPr lang="en-US" altLang="ko-KR" dirty="0"/>
-              <a:t>4 </a:t>
-            </a:r>
-            <a:r>
-              <a:rPr lang="ko-KR" altLang="en-US" dirty="0" err="1"/>
-              <a:t>블루프린트</a:t>
-            </a:r>
-            <a:endParaRPr lang="ko-KR" altLang="en-US" dirty="0"/>
-          </a:p>
-        </p:txBody>
-      </p:sp>
-      <p:sp>
-        <p:nvSpPr>
-          <p:cNvPr id="4" name="바닥글 개체 틀 3">
-            <a:extLst>
-              <a:ext uri="{FF2B5EF4-FFF2-40B4-BE49-F238E27FC236}">
-                <a16:creationId xmlns:a16="http://schemas.microsoft.com/office/drawing/2014/main" id="{30416953-3BE1-4281-94B9-388FCFDE2C68}"/>
-              </a:ext>
-            </a:extLst>
-          </p:cNvPr>
-          <p:cNvSpPr>
-            <a:spLocks noGrp="1"/>
-          </p:cNvSpPr>
-          <p:nvPr>
-            <p:ph type="ftr" sz="quarter" idx="11"/>
-          </p:nvPr>
-        </p:nvSpPr>
-        <p:spPr/>
-        <p:txBody>
-          <a:bodyPr/>
-          <a:lstStyle/>
-          <a:p>
-            <a:r>
-              <a:rPr lang="ko-KR" altLang="en-US"/>
-              <a:t>컴파일러</a:t>
-            </a:r>
-            <a:endParaRPr lang="ko-KR" altLang="en-US" dirty="0"/>
-          </a:p>
-        </p:txBody>
-      </p:sp>
-      <p:sp>
-        <p:nvSpPr>
-          <p:cNvPr id="5" name="슬라이드 번호 개체 틀 4">
-            <a:extLst>
-              <a:ext uri="{FF2B5EF4-FFF2-40B4-BE49-F238E27FC236}">
-                <a16:creationId xmlns:a16="http://schemas.microsoft.com/office/drawing/2014/main" id="{38629A36-EC90-4EE2-8697-D49AA8FAE310}"/>
-              </a:ext>
-            </a:extLst>
-          </p:cNvPr>
-          <p:cNvSpPr>
-            <a:spLocks noGrp="1"/>
-          </p:cNvSpPr>
-          <p:nvPr>
-            <p:ph type="sldNum" sz="quarter" idx="12"/>
-          </p:nvPr>
-        </p:nvSpPr>
-        <p:spPr/>
-        <p:txBody>
-          <a:bodyPr/>
-          <a:lstStyle/>
-          <a:p>
-            <a:r>
-              <a:rPr lang="en-US" altLang="ko-KR"/>
-              <a:t>Slide </a:t>
-            </a:r>
-            <a:fld id="{068760B5-AC99-4A9F-9335-BAC898D4A850}" type="slidenum">
-              <a:rPr lang="ko-KR" altLang="en-US" smtClean="0"/>
-              <a:pPr/>
-              <a:t>5</a:t>
-            </a:fld>
-            <a:endParaRPr lang="ko-KR" altLang="en-US" dirty="0"/>
-          </a:p>
-        </p:txBody>
-      </p:sp>
-      <p:pic>
-        <p:nvPicPr>
-          <p:cNvPr id="11" name="그림 10">
-            <a:extLst>
-              <a:ext uri="{FF2B5EF4-FFF2-40B4-BE49-F238E27FC236}">
-                <a16:creationId xmlns:a16="http://schemas.microsoft.com/office/drawing/2014/main" id="{0F412566-0B88-407B-9B4B-43323DEE04E4}"/>
-              </a:ext>
-            </a:extLst>
-          </p:cNvPr>
-          <p:cNvPicPr>
-            <a:picLocks noChangeAspect="1"/>
-          </p:cNvPicPr>
-          <p:nvPr/>
-        </p:nvPicPr>
-        <p:blipFill>
-          <a:blip r:embed="rId2">
-            <a:extLst>
-              <a:ext uri="{28A0092B-C50C-407E-A947-70E740481C1C}">
-                <a14:useLocalDpi xmlns:a14="http://schemas.microsoft.com/office/drawing/2010/main" val="0"/>
-              </a:ext>
-            </a:extLst>
-          </a:blip>
-          <a:stretch>
-            <a:fillRect/>
-          </a:stretch>
-        </p:blipFill>
-        <p:spPr>
-          <a:xfrm>
-            <a:off x="838200" y="1656100"/>
-            <a:ext cx="8076493" cy="4543554"/>
-          </a:xfrm>
-          <a:prstGeom prst="rect">
-            <a:avLst/>
-          </a:prstGeom>
-        </p:spPr>
-      </p:pic>
-      <p:sp>
-        <p:nvSpPr>
-          <p:cNvPr id="12" name="TextBox 11">
-            <a:extLst>
-              <a:ext uri="{FF2B5EF4-FFF2-40B4-BE49-F238E27FC236}">
-                <a16:creationId xmlns:a16="http://schemas.microsoft.com/office/drawing/2014/main" id="{9894A3C2-EEC3-4A52-892F-766C91C201A1}"/>
-              </a:ext>
-            </a:extLst>
-          </p:cNvPr>
-          <p:cNvSpPr txBox="1"/>
-          <p:nvPr/>
-        </p:nvSpPr>
-        <p:spPr>
-          <a:xfrm>
-            <a:off x="838200" y="1029540"/>
-            <a:ext cx="6906208" cy="369332"/>
-          </a:xfrm>
-          <a:prstGeom prst="rect">
-            <a:avLst/>
-          </a:prstGeom>
-          <a:noFill/>
-        </p:spPr>
-        <p:txBody>
-          <a:bodyPr wrap="square" rtlCol="0">
-            <a:spAutoFit/>
-          </a:bodyPr>
-          <a:lstStyle/>
-          <a:p>
-            <a:r>
-              <a:rPr lang="ko-KR" altLang="en-US" dirty="0">
-                <a:latin typeface="나눔고딕코딩" panose="020D0009000000000000" pitchFamily="49" charset="-127"/>
-                <a:ea typeface="나눔고딕코딩" panose="020D0009000000000000" pitchFamily="49" charset="-127"/>
-              </a:rPr>
-              <a:t>비주얼 언어의 파싱과 실행</a:t>
-            </a:r>
-            <a:r>
-              <a:rPr lang="en-US" altLang="ko-KR" dirty="0">
-                <a:latin typeface="나눔고딕코딩" panose="020D0009000000000000" pitchFamily="49" charset="-127"/>
-                <a:ea typeface="나눔고딕코딩" panose="020D0009000000000000" pitchFamily="49" charset="-127"/>
-              </a:rPr>
-              <a:t>. </a:t>
-            </a:r>
-            <a:r>
-              <a:rPr lang="ko-KR" altLang="en-US" dirty="0">
-                <a:latin typeface="나눔고딕코딩" panose="020D0009000000000000" pitchFamily="49" charset="-127"/>
-                <a:ea typeface="나눔고딕코딩" panose="020D0009000000000000" pitchFamily="49" charset="-127"/>
-              </a:rPr>
-              <a:t>컴파일러 관련 기술의 응용</a:t>
-            </a:r>
-            <a:r>
-              <a:rPr lang="en-US" altLang="ko-KR" dirty="0">
-                <a:latin typeface="나눔고딕코딩" panose="020D0009000000000000" pitchFamily="49" charset="-127"/>
-                <a:ea typeface="나눔고딕코딩" panose="020D0009000000000000" pitchFamily="49" charset="-127"/>
-              </a:rPr>
-              <a:t>.</a:t>
-            </a:r>
-            <a:endParaRPr lang="ko-KR" altLang="en-US" dirty="0">
-              <a:latin typeface="나눔고딕코딩" panose="020D0009000000000000" pitchFamily="49" charset="-127"/>
-              <a:ea typeface="나눔고딕코딩" panose="020D0009000000000000" pitchFamily="49" charset="-127"/>
-            </a:endParaRPr>
-          </a:p>
-        </p:txBody>
-      </p:sp>
-    </p:spTree>
-    <p:extLst>
-      <p:ext uri="{BB962C8B-B14F-4D97-AF65-F5344CB8AC3E}">
-        <p14:creationId xmlns:p14="http://schemas.microsoft.com/office/powerpoint/2010/main" val="207378079"/>
-      </p:ext>
-    </p:extLst>
-  </p:cSld>
-  <p:clrMapOvr>
-    <a:masterClrMapping/>
-  </p:clrMapOvr>
-</p:sld>
-</file>
-
-<file path=ppt/slides/slide50.xml><?xml version="1.0" encoding="utf-8"?>
-<p:sld xmlns:a="http://schemas.openxmlformats.org/drawingml/2006/main" xmlns:r="http://schemas.openxmlformats.org/officeDocument/2006/relationships" xmlns:p="http://schemas.openxmlformats.org/presentationml/2006/main">
-  <p:cSld>
-    <p:spTree>
-      <p:nvGrpSpPr>
-        <p:cNvPr id="1" name=""/>
-        <p:cNvGrpSpPr/>
-        <p:nvPr/>
-      </p:nvGrpSpPr>
-      <p:grpSpPr>
-        <a:xfrm>
-          <a:off x="0" y="0"/>
-          <a:ext cx="0" cy="0"/>
-          <a:chOff x="0" y="0"/>
-          <a:chExt cx="0" cy="0"/>
-        </a:xfrm>
-      </p:grpSpPr>
-      <p:sp>
-        <p:nvSpPr>
-          <p:cNvPr id="2" name="제목 1"/>
-          <p:cNvSpPr>
-            <a:spLocks noGrp="1"/>
-          </p:cNvSpPr>
-          <p:nvPr>
-            <p:ph type="title"/>
-          </p:nvPr>
-        </p:nvSpPr>
-        <p:spPr/>
-        <p:txBody>
-          <a:bodyPr/>
-          <a:lstStyle/>
-          <a:p>
-            <a:r>
               <a:rPr lang="ko-KR" altLang="en-US" dirty="0"/>
               <a:t>예제와 차이점들</a:t>
             </a:r>
@@ -28732,7 +27693,7 @@
             <a:fld id="{068760B5-AC99-4A9F-9335-BAC898D4A850}" type="slidenum">
               <a:rPr lang="ko-KR" altLang="en-US" smtClean="0"/>
               <a:pPr/>
-              <a:t>50</a:t>
+              <a:t>49</a:t>
             </a:fld>
             <a:endParaRPr lang="ko-KR" altLang="en-US" dirty="0"/>
           </a:p>
@@ -28774,326 +27735,7 @@
 </p:sld>
 </file>
 
-<file path=ppt/slides/slide51.xml><?xml version="1.0" encoding="utf-8"?>
-<p:sld xmlns:a="http://schemas.openxmlformats.org/drawingml/2006/main" xmlns:r="http://schemas.openxmlformats.org/officeDocument/2006/relationships" xmlns:p="http://schemas.openxmlformats.org/presentationml/2006/main">
-  <p:cSld>
-    <p:spTree>
-      <p:nvGrpSpPr>
-        <p:cNvPr id="1" name=""/>
-        <p:cNvGrpSpPr/>
-        <p:nvPr/>
-      </p:nvGrpSpPr>
-      <p:grpSpPr>
-        <a:xfrm>
-          <a:off x="0" y="0"/>
-          <a:ext cx="0" cy="0"/>
-          <a:chOff x="0" y="0"/>
-          <a:chExt cx="0" cy="0"/>
-        </a:xfrm>
-      </p:grpSpPr>
-      <p:sp>
-        <p:nvSpPr>
-          <p:cNvPr id="2" name="제목 1"/>
-          <p:cNvSpPr>
-            <a:spLocks noGrp="1"/>
-          </p:cNvSpPr>
-          <p:nvPr>
-            <p:ph type="title"/>
-          </p:nvPr>
-        </p:nvSpPr>
-        <p:spPr/>
-        <p:txBody>
-          <a:bodyPr/>
-          <a:lstStyle/>
-          <a:p>
-            <a:r>
-              <a:rPr lang="ko-KR" altLang="en-US" dirty="0"/>
-              <a:t>연습 </a:t>
-            </a:r>
-          </a:p>
-        </p:txBody>
-      </p:sp>
-      <p:sp>
-        <p:nvSpPr>
-          <p:cNvPr id="3" name="내용 개체 틀 2"/>
-          <p:cNvSpPr>
-            <a:spLocks noGrp="1"/>
-          </p:cNvSpPr>
-          <p:nvPr>
-            <p:ph idx="1"/>
-          </p:nvPr>
-        </p:nvSpPr>
-        <p:spPr/>
-        <p:txBody>
-          <a:bodyPr/>
-          <a:lstStyle/>
-          <a:p>
-            <a:r>
-              <a:rPr lang="ko-KR" altLang="en-US" dirty="0"/>
-              <a:t>예제 입력 후 빌드하고 테스트 </a:t>
-            </a:r>
-            <a:endParaRPr lang="en-US" altLang="ko-KR" dirty="0"/>
-          </a:p>
-          <a:p>
-            <a:endParaRPr lang="en-US" altLang="ko-KR" dirty="0"/>
-          </a:p>
-          <a:p>
-            <a:r>
-              <a:rPr lang="ko-KR" altLang="en-US" dirty="0"/>
-              <a:t>디버깅 모드로 실행해 보면 좋을 듯 </a:t>
-            </a:r>
-            <a:endParaRPr lang="en-US" altLang="ko-KR" dirty="0"/>
-          </a:p>
-          <a:p>
-            <a:pPr lvl="1"/>
-            <a:r>
-              <a:rPr lang="en-US" altLang="ko-KR" dirty="0"/>
-              <a:t>.</a:t>
-            </a:r>
-            <a:r>
-              <a:rPr lang="en-US" altLang="ko-KR" dirty="0" err="1"/>
-              <a:t>ll</a:t>
-            </a:r>
-            <a:r>
-              <a:rPr lang="en-US" altLang="ko-KR" dirty="0"/>
-              <a:t> </a:t>
-            </a:r>
-            <a:r>
-              <a:rPr lang="ko-KR" altLang="en-US" dirty="0"/>
-              <a:t>파일과 </a:t>
-            </a:r>
-            <a:r>
-              <a:rPr lang="en-US" altLang="ko-KR" dirty="0"/>
-              <a:t>.</a:t>
-            </a:r>
-            <a:r>
-              <a:rPr lang="en-US" altLang="ko-KR" dirty="0" err="1"/>
-              <a:t>yy</a:t>
-            </a:r>
-            <a:r>
-              <a:rPr lang="en-US" altLang="ko-KR" dirty="0"/>
-              <a:t> </a:t>
-            </a:r>
-            <a:r>
-              <a:rPr lang="ko-KR" altLang="en-US" dirty="0"/>
-              <a:t>파일에 중단점 설정해야 됨</a:t>
-            </a:r>
-            <a:endParaRPr lang="en-US" altLang="ko-KR" dirty="0"/>
-          </a:p>
-          <a:p>
-            <a:pPr lvl="1"/>
-            <a:r>
-              <a:rPr lang="en-US" altLang="ko-KR" dirty="0"/>
-              <a:t>#line</a:t>
-            </a:r>
-            <a:r>
-              <a:rPr lang="ko-KR" altLang="en-US" dirty="0"/>
-              <a:t>으로 걸려 있음</a:t>
-            </a:r>
-            <a:endParaRPr lang="en-US" altLang="ko-KR" dirty="0"/>
-          </a:p>
-          <a:p>
-            <a:endParaRPr lang="ko-KR" altLang="en-US" dirty="0"/>
-          </a:p>
-        </p:txBody>
-      </p:sp>
-      <p:sp>
-        <p:nvSpPr>
-          <p:cNvPr id="5" name="슬라이드 번호 개체 틀 4"/>
-          <p:cNvSpPr>
-            <a:spLocks noGrp="1"/>
-          </p:cNvSpPr>
-          <p:nvPr>
-            <p:ph type="sldNum" sz="quarter" idx="12"/>
-          </p:nvPr>
-        </p:nvSpPr>
-        <p:spPr/>
-        <p:txBody>
-          <a:bodyPr/>
-          <a:lstStyle/>
-          <a:p>
-            <a:r>
-              <a:rPr lang="en-US" altLang="ko-KR"/>
-              <a:t>Slide </a:t>
-            </a:r>
-            <a:fld id="{068760B5-AC99-4A9F-9335-BAC898D4A850}" type="slidenum">
-              <a:rPr lang="ko-KR" altLang="en-US" smtClean="0"/>
-              <a:pPr/>
-              <a:t>51</a:t>
-            </a:fld>
-            <a:endParaRPr lang="ko-KR" altLang="en-US" dirty="0"/>
-          </a:p>
-        </p:txBody>
-      </p:sp>
-      <p:sp>
-        <p:nvSpPr>
-          <p:cNvPr id="6" name="바닥글 개체 틀 5"/>
-          <p:cNvSpPr>
-            <a:spLocks noGrp="1"/>
-          </p:cNvSpPr>
-          <p:nvPr>
-            <p:ph type="ftr" sz="quarter" idx="11"/>
-          </p:nvPr>
-        </p:nvSpPr>
-        <p:spPr/>
-        <p:txBody>
-          <a:bodyPr/>
-          <a:lstStyle/>
-          <a:p>
-            <a:r>
-              <a:rPr lang="ko-KR" altLang="en-US"/>
-              <a:t>컴파일러</a:t>
-            </a:r>
-            <a:endParaRPr lang="ko-KR" altLang="en-US" dirty="0"/>
-          </a:p>
-        </p:txBody>
-      </p:sp>
-    </p:spTree>
-    <p:extLst>
-      <p:ext uri="{BB962C8B-B14F-4D97-AF65-F5344CB8AC3E}">
-        <p14:creationId xmlns:p14="http://schemas.microsoft.com/office/powerpoint/2010/main" val="2435499363"/>
-      </p:ext>
-    </p:extLst>
-  </p:cSld>
-  <p:clrMapOvr>
-    <a:masterClrMapping/>
-  </p:clrMapOvr>
-</p:sld>
-</file>
-
-<file path=ppt/slides/slide52.xml><?xml version="1.0" encoding="utf-8"?>
-<p:sld xmlns:a="http://schemas.openxmlformats.org/drawingml/2006/main" xmlns:r="http://schemas.openxmlformats.org/officeDocument/2006/relationships" xmlns:p="http://schemas.openxmlformats.org/presentationml/2006/main">
-  <p:cSld>
-    <p:spTree>
-      <p:nvGrpSpPr>
-        <p:cNvPr id="1" name=""/>
-        <p:cNvGrpSpPr/>
-        <p:nvPr/>
-      </p:nvGrpSpPr>
-      <p:grpSpPr>
-        <a:xfrm>
-          <a:off x="0" y="0"/>
-          <a:ext cx="0" cy="0"/>
-          <a:chOff x="0" y="0"/>
-          <a:chExt cx="0" cy="0"/>
-        </a:xfrm>
-      </p:grpSpPr>
-      <p:sp>
-        <p:nvSpPr>
-          <p:cNvPr id="4" name="바닥글 개체 틀 3">
-            <a:extLst>
-              <a:ext uri="{FF2B5EF4-FFF2-40B4-BE49-F238E27FC236}">
-                <a16:creationId xmlns:a16="http://schemas.microsoft.com/office/drawing/2014/main" id="{31AB0243-77BC-45DA-8CCC-12CE14D720A9}"/>
-              </a:ext>
-            </a:extLst>
-          </p:cNvPr>
-          <p:cNvSpPr>
-            <a:spLocks noGrp="1"/>
-          </p:cNvSpPr>
-          <p:nvPr>
-            <p:ph type="ftr" sz="quarter" idx="11"/>
-          </p:nvPr>
-        </p:nvSpPr>
-        <p:spPr/>
-        <p:txBody>
-          <a:bodyPr/>
-          <a:lstStyle/>
-          <a:p>
-            <a:r>
-              <a:rPr lang="ko-KR" altLang="en-US"/>
-              <a:t>컴파일러</a:t>
-            </a:r>
-            <a:endParaRPr lang="ko-KR" altLang="en-US" dirty="0"/>
-          </a:p>
-        </p:txBody>
-      </p:sp>
-      <p:sp>
-        <p:nvSpPr>
-          <p:cNvPr id="5" name="슬라이드 번호 개체 틀 4">
-            <a:extLst>
-              <a:ext uri="{FF2B5EF4-FFF2-40B4-BE49-F238E27FC236}">
-                <a16:creationId xmlns:a16="http://schemas.microsoft.com/office/drawing/2014/main" id="{00A4CFE5-6D3F-4FB8-83B6-693CC5EB34DB}"/>
-              </a:ext>
-            </a:extLst>
-          </p:cNvPr>
-          <p:cNvSpPr>
-            <a:spLocks noGrp="1"/>
-          </p:cNvSpPr>
-          <p:nvPr>
-            <p:ph type="sldNum" sz="quarter" idx="12"/>
-          </p:nvPr>
-        </p:nvSpPr>
-        <p:spPr/>
-        <p:txBody>
-          <a:bodyPr/>
-          <a:lstStyle/>
-          <a:p>
-            <a:r>
-              <a:rPr lang="en-US" altLang="ko-KR"/>
-              <a:t>Slide </a:t>
-            </a:r>
-            <a:fld id="{068760B5-AC99-4A9F-9335-BAC898D4A850}" type="slidenum">
-              <a:rPr lang="ko-KR" altLang="en-US" smtClean="0"/>
-              <a:pPr/>
-              <a:t>52</a:t>
-            </a:fld>
-            <a:endParaRPr lang="ko-KR" altLang="en-US" dirty="0"/>
-          </a:p>
-        </p:txBody>
-      </p:sp>
-      <p:sp>
-        <p:nvSpPr>
-          <p:cNvPr id="3" name="내용 개체 틀 2">
-            <a:extLst>
-              <a:ext uri="{FF2B5EF4-FFF2-40B4-BE49-F238E27FC236}">
-                <a16:creationId xmlns:a16="http://schemas.microsoft.com/office/drawing/2014/main" id="{37F4846D-2F7B-4F45-BB5A-9AF990258A80}"/>
-              </a:ext>
-            </a:extLst>
-          </p:cNvPr>
-          <p:cNvSpPr>
-            <a:spLocks noGrp="1"/>
-          </p:cNvSpPr>
-          <p:nvPr>
-            <p:ph idx="4294967295"/>
-          </p:nvPr>
-        </p:nvSpPr>
-        <p:spPr>
-          <a:xfrm>
-            <a:off x="788377" y="2044212"/>
-            <a:ext cx="10515600" cy="487973"/>
-          </a:xfrm>
-        </p:spPr>
-        <p:txBody>
-          <a:bodyPr>
-            <a:normAutofit/>
-          </a:bodyPr>
-          <a:lstStyle/>
-          <a:p>
-            <a:pPr marL="0" indent="0" algn="ctr">
-              <a:buNone/>
-            </a:pPr>
-            <a:r>
-              <a:rPr lang="ko-KR" altLang="en-US"/>
-              <a:t>수고하셨습니다</a:t>
-            </a:r>
-            <a:endParaRPr lang="ko-KR" altLang="en-US" dirty="0"/>
-          </a:p>
-        </p:txBody>
-      </p:sp>
-    </p:spTree>
-    <p:extLst>
-      <p:ext uri="{BB962C8B-B14F-4D97-AF65-F5344CB8AC3E}">
-        <p14:creationId xmlns:p14="http://schemas.microsoft.com/office/powerpoint/2010/main" val="2464260217"/>
-      </p:ext>
-    </p:extLst>
-  </p:cSld>
-  <p:clrMapOvr>
-    <a:masterClrMapping/>
-  </p:clrMapOvr>
-</p:sld>
-</file>
-
-<file path=ppt/slides/slide6.xml><?xml version="1.0" encoding="utf-8"?>
+<file path=ppt/slides/slide5.xml><?xml version="1.0" encoding="utf-8"?>
 <p:sld xmlns:a="http://schemas.openxmlformats.org/drawingml/2006/main" xmlns:r="http://schemas.openxmlformats.org/officeDocument/2006/relationships" xmlns:p="http://schemas.openxmlformats.org/presentationml/2006/main">
   <p:cSld>
     <p:spTree>
@@ -29259,7 +27901,7 @@
             <a:fld id="{068760B5-AC99-4A9F-9335-BAC898D4A850}" type="slidenum">
               <a:rPr lang="ko-KR" altLang="en-US" smtClean="0"/>
               <a:pPr/>
-              <a:t>6</a:t>
+              <a:t>5</a:t>
             </a:fld>
             <a:endParaRPr lang="ko-KR" altLang="en-US" dirty="0"/>
           </a:p>
@@ -29458,7 +28100,326 @@
 </p:sld>
 </file>
 
-<file path=ppt/slides/slide7.xml><?xml version="1.0" encoding="utf-8"?>
+<file path=ppt/slides/slide50.xml><?xml version="1.0" encoding="utf-8"?>
+<p:sld xmlns:a="http://schemas.openxmlformats.org/drawingml/2006/main" xmlns:r="http://schemas.openxmlformats.org/officeDocument/2006/relationships" xmlns:p="http://schemas.openxmlformats.org/presentationml/2006/main">
+  <p:cSld>
+    <p:spTree>
+      <p:nvGrpSpPr>
+        <p:cNvPr id="1" name=""/>
+        <p:cNvGrpSpPr/>
+        <p:nvPr/>
+      </p:nvGrpSpPr>
+      <p:grpSpPr>
+        <a:xfrm>
+          <a:off x="0" y="0"/>
+          <a:ext cx="0" cy="0"/>
+          <a:chOff x="0" y="0"/>
+          <a:chExt cx="0" cy="0"/>
+        </a:xfrm>
+      </p:grpSpPr>
+      <p:sp>
+        <p:nvSpPr>
+          <p:cNvPr id="2" name="제목 1"/>
+          <p:cNvSpPr>
+            <a:spLocks noGrp="1"/>
+          </p:cNvSpPr>
+          <p:nvPr>
+            <p:ph type="title"/>
+          </p:nvPr>
+        </p:nvSpPr>
+        <p:spPr/>
+        <p:txBody>
+          <a:bodyPr/>
+          <a:lstStyle/>
+          <a:p>
+            <a:r>
+              <a:rPr lang="ko-KR" altLang="en-US" dirty="0"/>
+              <a:t>연습 </a:t>
+            </a:r>
+          </a:p>
+        </p:txBody>
+      </p:sp>
+      <p:sp>
+        <p:nvSpPr>
+          <p:cNvPr id="3" name="내용 개체 틀 2"/>
+          <p:cNvSpPr>
+            <a:spLocks noGrp="1"/>
+          </p:cNvSpPr>
+          <p:nvPr>
+            <p:ph idx="1"/>
+          </p:nvPr>
+        </p:nvSpPr>
+        <p:spPr/>
+        <p:txBody>
+          <a:bodyPr/>
+          <a:lstStyle/>
+          <a:p>
+            <a:r>
+              <a:rPr lang="ko-KR" altLang="en-US" dirty="0"/>
+              <a:t>예제 입력 후 빌드하고 테스트 </a:t>
+            </a:r>
+            <a:endParaRPr lang="en-US" altLang="ko-KR" dirty="0"/>
+          </a:p>
+          <a:p>
+            <a:endParaRPr lang="en-US" altLang="ko-KR" dirty="0"/>
+          </a:p>
+          <a:p>
+            <a:r>
+              <a:rPr lang="ko-KR" altLang="en-US" dirty="0"/>
+              <a:t>디버깅 모드로 실행해 보면 좋을 듯 </a:t>
+            </a:r>
+            <a:endParaRPr lang="en-US" altLang="ko-KR" dirty="0"/>
+          </a:p>
+          <a:p>
+            <a:pPr lvl="1"/>
+            <a:r>
+              <a:rPr lang="en-US" altLang="ko-KR" dirty="0"/>
+              <a:t>.</a:t>
+            </a:r>
+            <a:r>
+              <a:rPr lang="en-US" altLang="ko-KR" dirty="0" err="1"/>
+              <a:t>ll</a:t>
+            </a:r>
+            <a:r>
+              <a:rPr lang="en-US" altLang="ko-KR" dirty="0"/>
+              <a:t> </a:t>
+            </a:r>
+            <a:r>
+              <a:rPr lang="ko-KR" altLang="en-US" dirty="0"/>
+              <a:t>파일과 </a:t>
+            </a:r>
+            <a:r>
+              <a:rPr lang="en-US" altLang="ko-KR" dirty="0"/>
+              <a:t>.</a:t>
+            </a:r>
+            <a:r>
+              <a:rPr lang="en-US" altLang="ko-KR" dirty="0" err="1"/>
+              <a:t>yy</a:t>
+            </a:r>
+            <a:r>
+              <a:rPr lang="en-US" altLang="ko-KR" dirty="0"/>
+              <a:t> </a:t>
+            </a:r>
+            <a:r>
+              <a:rPr lang="ko-KR" altLang="en-US" dirty="0"/>
+              <a:t>파일에 중단점 설정해야 됨</a:t>
+            </a:r>
+            <a:endParaRPr lang="en-US" altLang="ko-KR" dirty="0"/>
+          </a:p>
+          <a:p>
+            <a:pPr lvl="1"/>
+            <a:r>
+              <a:rPr lang="en-US" altLang="ko-KR" dirty="0"/>
+              <a:t>#line</a:t>
+            </a:r>
+            <a:r>
+              <a:rPr lang="ko-KR" altLang="en-US" dirty="0"/>
+              <a:t>으로 걸려 있음</a:t>
+            </a:r>
+            <a:endParaRPr lang="en-US" altLang="ko-KR" dirty="0"/>
+          </a:p>
+          <a:p>
+            <a:endParaRPr lang="ko-KR" altLang="en-US" dirty="0"/>
+          </a:p>
+        </p:txBody>
+      </p:sp>
+      <p:sp>
+        <p:nvSpPr>
+          <p:cNvPr id="5" name="슬라이드 번호 개체 틀 4"/>
+          <p:cNvSpPr>
+            <a:spLocks noGrp="1"/>
+          </p:cNvSpPr>
+          <p:nvPr>
+            <p:ph type="sldNum" sz="quarter" idx="12"/>
+          </p:nvPr>
+        </p:nvSpPr>
+        <p:spPr/>
+        <p:txBody>
+          <a:bodyPr/>
+          <a:lstStyle/>
+          <a:p>
+            <a:r>
+              <a:rPr lang="en-US" altLang="ko-KR"/>
+              <a:t>Slide </a:t>
+            </a:r>
+            <a:fld id="{068760B5-AC99-4A9F-9335-BAC898D4A850}" type="slidenum">
+              <a:rPr lang="ko-KR" altLang="en-US" smtClean="0"/>
+              <a:pPr/>
+              <a:t>50</a:t>
+            </a:fld>
+            <a:endParaRPr lang="ko-KR" altLang="en-US" dirty="0"/>
+          </a:p>
+        </p:txBody>
+      </p:sp>
+      <p:sp>
+        <p:nvSpPr>
+          <p:cNvPr id="6" name="바닥글 개체 틀 5"/>
+          <p:cNvSpPr>
+            <a:spLocks noGrp="1"/>
+          </p:cNvSpPr>
+          <p:nvPr>
+            <p:ph type="ftr" sz="quarter" idx="11"/>
+          </p:nvPr>
+        </p:nvSpPr>
+        <p:spPr/>
+        <p:txBody>
+          <a:bodyPr/>
+          <a:lstStyle/>
+          <a:p>
+            <a:r>
+              <a:rPr lang="ko-KR" altLang="en-US"/>
+              <a:t>컴파일러</a:t>
+            </a:r>
+            <a:endParaRPr lang="ko-KR" altLang="en-US" dirty="0"/>
+          </a:p>
+        </p:txBody>
+      </p:sp>
+    </p:spTree>
+    <p:extLst>
+      <p:ext uri="{BB962C8B-B14F-4D97-AF65-F5344CB8AC3E}">
+        <p14:creationId xmlns:p14="http://schemas.microsoft.com/office/powerpoint/2010/main" val="2435499363"/>
+      </p:ext>
+    </p:extLst>
+  </p:cSld>
+  <p:clrMapOvr>
+    <a:masterClrMapping/>
+  </p:clrMapOvr>
+</p:sld>
+</file>
+
+<file path=ppt/slides/slide51.xml><?xml version="1.0" encoding="utf-8"?>
+<p:sld xmlns:a="http://schemas.openxmlformats.org/drawingml/2006/main" xmlns:r="http://schemas.openxmlformats.org/officeDocument/2006/relationships" xmlns:p="http://schemas.openxmlformats.org/presentationml/2006/main">
+  <p:cSld>
+    <p:spTree>
+      <p:nvGrpSpPr>
+        <p:cNvPr id="1" name=""/>
+        <p:cNvGrpSpPr/>
+        <p:nvPr/>
+      </p:nvGrpSpPr>
+      <p:grpSpPr>
+        <a:xfrm>
+          <a:off x="0" y="0"/>
+          <a:ext cx="0" cy="0"/>
+          <a:chOff x="0" y="0"/>
+          <a:chExt cx="0" cy="0"/>
+        </a:xfrm>
+      </p:grpSpPr>
+      <p:sp>
+        <p:nvSpPr>
+          <p:cNvPr id="4" name="바닥글 개체 틀 3">
+            <a:extLst>
+              <a:ext uri="{FF2B5EF4-FFF2-40B4-BE49-F238E27FC236}">
+                <a16:creationId xmlns:a16="http://schemas.microsoft.com/office/drawing/2014/main" id="{31AB0243-77BC-45DA-8CCC-12CE14D720A9}"/>
+              </a:ext>
+            </a:extLst>
+          </p:cNvPr>
+          <p:cNvSpPr>
+            <a:spLocks noGrp="1"/>
+          </p:cNvSpPr>
+          <p:nvPr>
+            <p:ph type="ftr" sz="quarter" idx="11"/>
+          </p:nvPr>
+        </p:nvSpPr>
+        <p:spPr/>
+        <p:txBody>
+          <a:bodyPr/>
+          <a:lstStyle/>
+          <a:p>
+            <a:r>
+              <a:rPr lang="ko-KR" altLang="en-US"/>
+              <a:t>컴파일러</a:t>
+            </a:r>
+            <a:endParaRPr lang="ko-KR" altLang="en-US" dirty="0"/>
+          </a:p>
+        </p:txBody>
+      </p:sp>
+      <p:sp>
+        <p:nvSpPr>
+          <p:cNvPr id="5" name="슬라이드 번호 개체 틀 4">
+            <a:extLst>
+              <a:ext uri="{FF2B5EF4-FFF2-40B4-BE49-F238E27FC236}">
+                <a16:creationId xmlns:a16="http://schemas.microsoft.com/office/drawing/2014/main" id="{00A4CFE5-6D3F-4FB8-83B6-693CC5EB34DB}"/>
+              </a:ext>
+            </a:extLst>
+          </p:cNvPr>
+          <p:cNvSpPr>
+            <a:spLocks noGrp="1"/>
+          </p:cNvSpPr>
+          <p:nvPr>
+            <p:ph type="sldNum" sz="quarter" idx="12"/>
+          </p:nvPr>
+        </p:nvSpPr>
+        <p:spPr/>
+        <p:txBody>
+          <a:bodyPr/>
+          <a:lstStyle/>
+          <a:p>
+            <a:r>
+              <a:rPr lang="en-US" altLang="ko-KR"/>
+              <a:t>Slide </a:t>
+            </a:r>
+            <a:fld id="{068760B5-AC99-4A9F-9335-BAC898D4A850}" type="slidenum">
+              <a:rPr lang="ko-KR" altLang="en-US" smtClean="0"/>
+              <a:pPr/>
+              <a:t>51</a:t>
+            </a:fld>
+            <a:endParaRPr lang="ko-KR" altLang="en-US" dirty="0"/>
+          </a:p>
+        </p:txBody>
+      </p:sp>
+      <p:sp>
+        <p:nvSpPr>
+          <p:cNvPr id="3" name="내용 개체 틀 2">
+            <a:extLst>
+              <a:ext uri="{FF2B5EF4-FFF2-40B4-BE49-F238E27FC236}">
+                <a16:creationId xmlns:a16="http://schemas.microsoft.com/office/drawing/2014/main" id="{37F4846D-2F7B-4F45-BB5A-9AF990258A80}"/>
+              </a:ext>
+            </a:extLst>
+          </p:cNvPr>
+          <p:cNvSpPr>
+            <a:spLocks noGrp="1"/>
+          </p:cNvSpPr>
+          <p:nvPr>
+            <p:ph idx="4294967295"/>
+          </p:nvPr>
+        </p:nvSpPr>
+        <p:spPr>
+          <a:xfrm>
+            <a:off x="788377" y="2044212"/>
+            <a:ext cx="10515600" cy="487973"/>
+          </a:xfrm>
+        </p:spPr>
+        <p:txBody>
+          <a:bodyPr>
+            <a:normAutofit/>
+          </a:bodyPr>
+          <a:lstStyle/>
+          <a:p>
+            <a:pPr marL="0" indent="0" algn="ctr">
+              <a:buNone/>
+            </a:pPr>
+            <a:r>
+              <a:rPr lang="ko-KR" altLang="en-US"/>
+              <a:t>수고하셨습니다</a:t>
+            </a:r>
+            <a:endParaRPr lang="ko-KR" altLang="en-US" dirty="0"/>
+          </a:p>
+        </p:txBody>
+      </p:sp>
+    </p:spTree>
+    <p:extLst>
+      <p:ext uri="{BB962C8B-B14F-4D97-AF65-F5344CB8AC3E}">
+        <p14:creationId xmlns:p14="http://schemas.microsoft.com/office/powerpoint/2010/main" val="2464260217"/>
+      </p:ext>
+    </p:extLst>
+  </p:cSld>
+  <p:clrMapOvr>
+    <a:masterClrMapping/>
+  </p:clrMapOvr>
+</p:sld>
+</file>
+
+<file path=ppt/slides/slide6.xml><?xml version="1.0" encoding="utf-8"?>
 <p:sld xmlns:a="http://schemas.openxmlformats.org/drawingml/2006/main" xmlns:r="http://schemas.openxmlformats.org/officeDocument/2006/relationships" xmlns:p="http://schemas.openxmlformats.org/presentationml/2006/main">
   <p:cSld>
     <p:spTree>
@@ -29522,7 +28483,7 @@
         <p:spPr/>
         <p:txBody>
           <a:bodyPr>
-            <a:normAutofit fontScale="92500" lnSpcReduction="10000"/>
+            <a:normAutofit fontScale="92500" lnSpcReduction="20000"/>
           </a:bodyPr>
           <a:lstStyle/>
           <a:p>
@@ -29679,7 +28640,23 @@
             <a:pPr lvl="1"/>
             <a:r>
               <a:rPr lang="ko-KR" altLang="en-US" dirty="0"/>
-              <a:t>응용과 함께 다른 여러 얘기</a:t>
+              <a:t>데이터 스키마 언어 설계</a:t>
+            </a:r>
+            <a:endParaRPr lang="en-US" altLang="ko-KR" dirty="0"/>
+          </a:p>
+          <a:p>
+            <a:pPr lvl="1"/>
+            <a:r>
+              <a:rPr lang="ko-KR" altLang="en-US" dirty="0"/>
+              <a:t>질의 응답 </a:t>
+            </a:r>
+            <a:r>
+              <a:rPr lang="en-US" altLang="ko-KR" dirty="0"/>
+              <a:t>/ </a:t>
+            </a:r>
+            <a:r>
+              <a:rPr lang="ko-KR" altLang="en-US" dirty="0"/>
+              <a:t>토의</a:t>
             </a:r>
           </a:p>
         </p:txBody>
@@ -29741,7 +28718,7 @@
             <a:fld id="{068760B5-AC99-4A9F-9335-BAC898D4A850}" type="slidenum">
               <a:rPr lang="ko-KR" altLang="en-US" smtClean="0"/>
               <a:pPr/>
-              <a:t>7</a:t>
+              <a:t>6</a:t>
             </a:fld>
             <a:endParaRPr lang="ko-KR" altLang="en-US" dirty="0"/>
           </a:p>
@@ -29760,7 +28737,7 @@
 </p:sld>
 </file>
 
-<file path=ppt/slides/slide8.xml><?xml version="1.0" encoding="utf-8"?>
+<file path=ppt/slides/slide7.xml><?xml version="1.0" encoding="utf-8"?>
 <p:sld xmlns:a="http://schemas.openxmlformats.org/drawingml/2006/main" xmlns:r="http://schemas.openxmlformats.org/officeDocument/2006/relationships" xmlns:p="http://schemas.openxmlformats.org/presentationml/2006/main">
   <p:cSld>
     <p:spTree>
@@ -30002,7 +28979,7 @@
             <a:fld id="{068760B5-AC99-4A9F-9335-BAC898D4A850}" type="slidenum">
               <a:rPr lang="ko-KR" altLang="en-US" smtClean="0"/>
               <a:pPr/>
-              <a:t>8</a:t>
+              <a:t>7</a:t>
             </a:fld>
             <a:endParaRPr lang="ko-KR" altLang="en-US" dirty="0"/>
           </a:p>
@@ -30503,7 +29480,7 @@
 </p:sld>
 </file>
 
-<file path=ppt/slides/slide9.xml><?xml version="1.0" encoding="utf-8"?>
+<file path=ppt/slides/slide8.xml><?xml version="1.0" encoding="utf-8"?>
 <p:sld xmlns:a="http://schemas.openxmlformats.org/drawingml/2006/main" xmlns:r="http://schemas.openxmlformats.org/officeDocument/2006/relationships" xmlns:p="http://schemas.openxmlformats.org/presentationml/2006/main">
   <p:cSld>
     <p:spTree>
@@ -30564,7 +29541,7 @@
             <a:fld id="{068760B5-AC99-4A9F-9335-BAC898D4A850}" type="slidenum">
               <a:rPr lang="ko-KR" altLang="en-US" smtClean="0"/>
               <a:pPr/>
-              <a:t>9</a:t>
+              <a:t>8</a:t>
             </a:fld>
             <a:endParaRPr lang="ko-KR" altLang="en-US" dirty="0"/>
           </a:p>
@@ -31927,6 +30904,811 @@
 </p:sld>
 </file>
 
+<file path=ppt/slides/slide9.xml><?xml version="1.0" encoding="utf-8"?>
+<p:sld xmlns:a="http://schemas.openxmlformats.org/drawingml/2006/main" xmlns:r="http://schemas.openxmlformats.org/officeDocument/2006/relationships" xmlns:p="http://schemas.openxmlformats.org/presentationml/2006/main">
+  <p:cSld>
+    <p:spTree>
+      <p:nvGrpSpPr>
+        <p:cNvPr id="1" name=""/>
+        <p:cNvGrpSpPr/>
+        <p:nvPr/>
+      </p:nvGrpSpPr>
+      <p:grpSpPr>
+        <a:xfrm>
+          <a:off x="0" y="0"/>
+          <a:ext cx="0" cy="0"/>
+          <a:chOff x="0" y="0"/>
+          <a:chExt cx="0" cy="0"/>
+        </a:xfrm>
+      </p:grpSpPr>
+      <p:sp>
+        <p:nvSpPr>
+          <p:cNvPr id="2" name="제목 1"/>
+          <p:cNvSpPr>
+            <a:spLocks noGrp="1"/>
+          </p:cNvSpPr>
+          <p:nvPr>
+            <p:ph type="title"/>
+          </p:nvPr>
+        </p:nvSpPr>
+        <p:spPr/>
+        <p:txBody>
+          <a:bodyPr/>
+          <a:lstStyle/>
+          <a:p>
+            <a:r>
+              <a:rPr lang="ko-KR" altLang="en-US" dirty="0"/>
+              <a:t>컴파일러 도구</a:t>
+            </a:r>
+          </a:p>
+        </p:txBody>
+      </p:sp>
+      <p:sp>
+        <p:nvSpPr>
+          <p:cNvPr id="3" name="내용 개체 틀 2"/>
+          <p:cNvSpPr>
+            <a:spLocks noGrp="1"/>
+          </p:cNvSpPr>
+          <p:nvPr>
+            <p:ph idx="1"/>
+          </p:nvPr>
+        </p:nvSpPr>
+        <p:spPr/>
+        <p:txBody>
+          <a:bodyPr/>
+          <a:lstStyle/>
+          <a:p>
+            <a:r>
+              <a:rPr lang="ko-KR" altLang="en-US" dirty="0"/>
+              <a:t>컴파일러 기능의 부분적인 개발 지원 도구들 </a:t>
+            </a:r>
+            <a:endParaRPr lang="en-US" altLang="ko-KR" dirty="0"/>
+          </a:p>
+          <a:p>
+            <a:pPr lvl="1"/>
+            <a:r>
+              <a:rPr lang="ko-KR" altLang="en-US" dirty="0" err="1"/>
+              <a:t>어휘분석</a:t>
+            </a:r>
+            <a:r>
+              <a:rPr lang="ko-KR" altLang="en-US" dirty="0"/>
+              <a:t> </a:t>
+            </a:r>
+            <a:endParaRPr lang="en-US" altLang="ko-KR" dirty="0"/>
+          </a:p>
+          <a:p>
+            <a:pPr lvl="2"/>
+            <a:r>
+              <a:rPr lang="en-US" altLang="ko-KR" dirty="0"/>
+              <a:t>Lex / Flex</a:t>
+            </a:r>
+          </a:p>
+          <a:p>
+            <a:pPr lvl="2"/>
+            <a:r>
+              <a:rPr lang="en-US" altLang="ko-KR" dirty="0" err="1"/>
+              <a:t>std</a:t>
+            </a:r>
+            <a:r>
+              <a:rPr lang="en-US" altLang="ko-KR" dirty="0"/>
+              <a:t>::regex</a:t>
+            </a:r>
+          </a:p>
+          <a:p>
+            <a:pPr lvl="1"/>
+            <a:r>
+              <a:rPr lang="ko-KR" altLang="en-US" dirty="0"/>
+              <a:t>구문분석 </a:t>
+            </a:r>
+            <a:r>
+              <a:rPr lang="en-US" altLang="ko-KR" dirty="0"/>
+              <a:t>(</a:t>
+            </a:r>
+            <a:r>
+              <a:rPr lang="ko-KR" altLang="en-US" dirty="0" err="1"/>
+              <a:t>파싱</a:t>
+            </a:r>
+            <a:r>
+              <a:rPr lang="en-US" altLang="ko-KR" dirty="0"/>
+              <a:t>) </a:t>
+            </a:r>
+          </a:p>
+          <a:p>
+            <a:pPr lvl="2"/>
+            <a:r>
+              <a:rPr lang="en-US" altLang="ko-KR" dirty="0" err="1"/>
+              <a:t>Yacc</a:t>
+            </a:r>
+            <a:r>
+              <a:rPr lang="en-US" altLang="ko-KR" dirty="0"/>
+              <a:t> / Bison </a:t>
+            </a:r>
+          </a:p>
+          <a:p>
+            <a:pPr lvl="2"/>
+            <a:r>
+              <a:rPr lang="en-US" altLang="ko-KR" dirty="0"/>
+              <a:t>ANTLR </a:t>
+            </a:r>
+          </a:p>
+          <a:p>
+            <a:pPr lvl="2"/>
+            <a:r>
+              <a:rPr lang="en-US" altLang="ko-KR" dirty="0"/>
+              <a:t>Boost Spirit</a:t>
+            </a:r>
+          </a:p>
+          <a:p>
+            <a:pPr lvl="1"/>
+            <a:r>
+              <a:rPr lang="ko-KR" altLang="en-US" dirty="0"/>
+              <a:t>코드 생성</a:t>
+            </a:r>
+            <a:endParaRPr lang="en-US" altLang="ko-KR" dirty="0"/>
+          </a:p>
+          <a:p>
+            <a:pPr lvl="2"/>
+            <a:r>
+              <a:rPr lang="en-US" altLang="ko-KR" dirty="0"/>
+              <a:t>LLVM </a:t>
+            </a:r>
+          </a:p>
+          <a:p>
+            <a:r>
+              <a:rPr lang="en-US" altLang="ko-KR" dirty="0"/>
+              <a:t>flex</a:t>
+            </a:r>
+            <a:r>
+              <a:rPr lang="ko-KR" altLang="en-US" dirty="0"/>
+              <a:t>와 </a:t>
+            </a:r>
+            <a:r>
+              <a:rPr lang="en-US" altLang="ko-KR" dirty="0"/>
+              <a:t>bison </a:t>
+            </a:r>
+            <a:r>
+              <a:rPr lang="ko-KR" altLang="en-US" dirty="0"/>
+              <a:t>을 살펴봄</a:t>
+            </a:r>
+          </a:p>
+        </p:txBody>
+      </p:sp>
+      <p:sp>
+        <p:nvSpPr>
+          <p:cNvPr id="5" name="슬라이드 번호 개체 틀 4"/>
+          <p:cNvSpPr>
+            <a:spLocks noGrp="1"/>
+          </p:cNvSpPr>
+          <p:nvPr>
+            <p:ph type="sldNum" sz="quarter" idx="12"/>
+          </p:nvPr>
+        </p:nvSpPr>
+        <p:spPr/>
+        <p:txBody>
+          <a:bodyPr/>
+          <a:lstStyle/>
+          <a:p>
+            <a:r>
+              <a:rPr lang="en-US" altLang="ko-KR"/>
+              <a:t>Slide </a:t>
+            </a:r>
+            <a:fld id="{068760B5-AC99-4A9F-9335-BAC898D4A850}" type="slidenum">
+              <a:rPr lang="ko-KR" altLang="en-US" smtClean="0"/>
+              <a:pPr/>
+              <a:t>9</a:t>
+            </a:fld>
+            <a:endParaRPr lang="ko-KR" altLang="en-US" dirty="0"/>
+          </a:p>
+        </p:txBody>
+      </p:sp>
+      <p:sp>
+        <p:nvSpPr>
+          <p:cNvPr id="6" name="바닥글 개체 틀 5"/>
+          <p:cNvSpPr>
+            <a:spLocks noGrp="1"/>
+          </p:cNvSpPr>
+          <p:nvPr>
+            <p:ph type="ftr" sz="quarter" idx="11"/>
+          </p:nvPr>
+        </p:nvSpPr>
+        <p:spPr/>
+        <p:txBody>
+          <a:bodyPr/>
+          <a:lstStyle/>
+          <a:p>
+            <a:r>
+              <a:rPr lang="ko-KR" altLang="en-US"/>
+              <a:t>컴파일러</a:t>
+            </a:r>
+            <a:endParaRPr lang="ko-KR" altLang="en-US" dirty="0"/>
+          </a:p>
+        </p:txBody>
+      </p:sp>
+    </p:spTree>
+    <p:extLst>
+      <p:ext uri="{BB962C8B-B14F-4D97-AF65-F5344CB8AC3E}">
+        <p14:creationId xmlns:p14="http://schemas.microsoft.com/office/powerpoint/2010/main" val="1834831338"/>
+      </p:ext>
+    </p:extLst>
+  </p:cSld>
+  <p:clrMapOvr>
+    <a:masterClrMapping/>
+  </p:clrMapOvr>
+  <p:timing>
+    <p:tnLst>
+      <p:par>
+        <p:cTn id="1" dur="indefinite" restart="never" nodeType="tmRoot">
+          <p:childTnLst>
+            <p:seq concurrent="1" nextAc="seek">
+              <p:cTn id="2" dur="indefinite" nodeType="mainSeq">
+                <p:childTnLst>
+                  <p:par>
+                    <p:cTn id="3" fill="hold">
+                      <p:stCondLst>
+                        <p:cond delay="indefinite"/>
+                      </p:stCondLst>
+                      <p:childTnLst>
+                        <p:par>
+                          <p:cTn id="4" fill="hold">
+                            <p:stCondLst>
+                              <p:cond delay="0"/>
+                            </p:stCondLst>
+                            <p:childTnLst>
+                              <p:par>
+                                <p:cTn id="5" presetID="1" presetClass="entr" presetSubtype="0" fill="hold" grpId="0" nodeType="clickEffect">
+                                  <p:stCondLst>
+                                    <p:cond delay="0"/>
+                                  </p:stCondLst>
+                                  <p:childTnLst>
+                                    <p:set>
+                                      <p:cBhvr>
+                                        <p:cTn id="6" dur="1" fill="hold">
+                                          <p:stCondLst>
+                                            <p:cond delay="0"/>
+                                          </p:stCondLst>
+                                        </p:cTn>
+                                        <p:tgtEl>
+                                          <p:spTgt spid="3">
+                                            <p:txEl>
+                                              <p:pRg st="0" end="0"/>
+                                            </p:txEl>
+                                          </p:spTgt>
+                                        </p:tgtEl>
+                                        <p:attrNameLst>
+                                          <p:attrName>style.visibility</p:attrName>
+                                        </p:attrNameLst>
+                                      </p:cBhvr>
+                                      <p:to>
+                                        <p:strVal val="visible"/>
+                                      </p:to>
+                                    </p:set>
+                                  </p:childTnLst>
+                                </p:cTn>
+                              </p:par>
+                            </p:childTnLst>
+                          </p:cTn>
+                        </p:par>
+                      </p:childTnLst>
+                    </p:cTn>
+                  </p:par>
+                  <p:par>
+                    <p:cTn id="7" fill="hold">
+                      <p:stCondLst>
+                        <p:cond delay="indefinite"/>
+                      </p:stCondLst>
+                      <p:childTnLst>
+                        <p:par>
+                          <p:cTn id="8" fill="hold">
+                            <p:stCondLst>
+                              <p:cond delay="0"/>
+                            </p:stCondLst>
+                            <p:childTnLst>
+                              <p:par>
+                                <p:cTn id="9" presetID="1" presetClass="entr" presetSubtype="0" fill="hold" grpId="0" nodeType="clickEffect">
+                                  <p:stCondLst>
+                                    <p:cond delay="0"/>
+                                  </p:stCondLst>
+                                  <p:childTnLst>
+                                    <p:set>
+                                      <p:cBhvr>
+                                        <p:cTn id="10" dur="1" fill="hold">
+                                          <p:stCondLst>
+                                            <p:cond delay="0"/>
+                                          </p:stCondLst>
+                                        </p:cTn>
+                                        <p:tgtEl>
+                                          <p:spTgt spid="3">
+                                            <p:txEl>
+                                              <p:pRg st="1" end="1"/>
+                                            </p:txEl>
+                                          </p:spTgt>
+                                        </p:tgtEl>
+                                        <p:attrNameLst>
+                                          <p:attrName>style.visibility</p:attrName>
+                                        </p:attrNameLst>
+                                      </p:cBhvr>
+                                      <p:to>
+                                        <p:strVal val="visible"/>
+                                      </p:to>
+                                    </p:set>
+                                  </p:childTnLst>
+                                </p:cTn>
+                              </p:par>
+                            </p:childTnLst>
+                          </p:cTn>
+                        </p:par>
+                      </p:childTnLst>
+                    </p:cTn>
+                  </p:par>
+                  <p:par>
+                    <p:cTn id="11" fill="hold">
+                      <p:stCondLst>
+                        <p:cond delay="indefinite"/>
+                      </p:stCondLst>
+                      <p:childTnLst>
+                        <p:par>
+                          <p:cTn id="12" fill="hold">
+                            <p:stCondLst>
+                              <p:cond delay="0"/>
+                            </p:stCondLst>
+                            <p:childTnLst>
+                              <p:par>
+                                <p:cTn id="13" presetID="1" presetClass="entr" presetSubtype="0" fill="hold" grpId="0" nodeType="clickEffect">
+                                  <p:stCondLst>
+                                    <p:cond delay="0"/>
+                                  </p:stCondLst>
+                                  <p:childTnLst>
+                                    <p:set>
+                                      <p:cBhvr>
+                                        <p:cTn id="14" dur="1" fill="hold">
+                                          <p:stCondLst>
+                                            <p:cond delay="0"/>
+                                          </p:stCondLst>
+                                        </p:cTn>
+                                        <p:tgtEl>
+                                          <p:spTgt spid="3">
+                                            <p:txEl>
+                                              <p:pRg st="2" end="2"/>
+                                            </p:txEl>
+                                          </p:spTgt>
+                                        </p:tgtEl>
+                                        <p:attrNameLst>
+                                          <p:attrName>style.visibility</p:attrName>
+                                        </p:attrNameLst>
+                                      </p:cBhvr>
+                                      <p:to>
+                                        <p:strVal val="visible"/>
+                                      </p:to>
+                                    </p:set>
+                                  </p:childTnLst>
+                                </p:cTn>
+                              </p:par>
+                            </p:childTnLst>
+                          </p:cTn>
+                        </p:par>
+                      </p:childTnLst>
+                    </p:cTn>
+                  </p:par>
+                  <p:par>
+                    <p:cTn id="15" fill="hold">
+                      <p:stCondLst>
+                        <p:cond delay="indefinite"/>
+                      </p:stCondLst>
+                      <p:childTnLst>
+                        <p:par>
+                          <p:cTn id="16" fill="hold">
+                            <p:stCondLst>
+                              <p:cond delay="0"/>
+                            </p:stCondLst>
+                            <p:childTnLst>
+                              <p:par>
+                                <p:cTn id="17" presetID="1" presetClass="entr" presetSubtype="0" fill="hold" grpId="0" nodeType="clickEffect">
+                                  <p:stCondLst>
+                                    <p:cond delay="0"/>
+                                  </p:stCondLst>
+                                  <p:childTnLst>
+                                    <p:set>
+                                      <p:cBhvr>
+                                        <p:cTn id="18" dur="1" fill="hold">
+                                          <p:stCondLst>
+                                            <p:cond delay="0"/>
+                                          </p:stCondLst>
+                                        </p:cTn>
+                                        <p:tgtEl>
+                                          <p:spTgt spid="3">
+                                            <p:txEl>
+                                              <p:pRg st="3" end="3"/>
+                                            </p:txEl>
+                                          </p:spTgt>
+                                        </p:tgtEl>
+                                        <p:attrNameLst>
+                                          <p:attrName>style.visibility</p:attrName>
+                                        </p:attrNameLst>
+                                      </p:cBhvr>
+                                      <p:to>
+                                        <p:strVal val="visible"/>
+                                      </p:to>
+                                    </p:set>
+                                  </p:childTnLst>
+                                </p:cTn>
+                              </p:par>
+                            </p:childTnLst>
+                          </p:cTn>
+                        </p:par>
+                      </p:childTnLst>
+                    </p:cTn>
+                  </p:par>
+                  <p:par>
+                    <p:cTn id="19" fill="hold">
+                      <p:stCondLst>
+                        <p:cond delay="indefinite"/>
+                      </p:stCondLst>
+                      <p:childTnLst>
+                        <p:par>
+                          <p:cTn id="20" fill="hold">
+                            <p:stCondLst>
+                              <p:cond delay="0"/>
+                            </p:stCondLst>
+                            <p:childTnLst>
+                              <p:par>
+                                <p:cTn id="21" presetID="1" presetClass="entr" presetSubtype="0" fill="hold" grpId="0" nodeType="clickEffect">
+                                  <p:stCondLst>
+                                    <p:cond delay="0"/>
+                                  </p:stCondLst>
+                                  <p:childTnLst>
+                                    <p:set>
+                                      <p:cBhvr>
+                                        <p:cTn id="22" dur="1" fill="hold">
+                                          <p:stCondLst>
+                                            <p:cond delay="0"/>
+                                          </p:stCondLst>
+                                        </p:cTn>
+                                        <p:tgtEl>
+                                          <p:spTgt spid="3">
+                                            <p:txEl>
+                                              <p:pRg st="4" end="4"/>
+                                            </p:txEl>
+                                          </p:spTgt>
+                                        </p:tgtEl>
+                                        <p:attrNameLst>
+                                          <p:attrName>style.visibility</p:attrName>
+                                        </p:attrNameLst>
+                                      </p:cBhvr>
+                                      <p:to>
+                                        <p:strVal val="visible"/>
+                                      </p:to>
+                                    </p:set>
+                                  </p:childTnLst>
+                                </p:cTn>
+                              </p:par>
+                            </p:childTnLst>
+                          </p:cTn>
+                        </p:par>
+                      </p:childTnLst>
+                    </p:cTn>
+                  </p:par>
+                  <p:par>
+                    <p:cTn id="23" fill="hold">
+                      <p:stCondLst>
+                        <p:cond delay="indefinite"/>
+                      </p:stCondLst>
+                      <p:childTnLst>
+                        <p:par>
+                          <p:cTn id="24" fill="hold">
+                            <p:stCondLst>
+                              <p:cond delay="0"/>
+                            </p:stCondLst>
+                            <p:childTnLst>
+                              <p:par>
+                                <p:cTn id="25" presetID="1" presetClass="entr" presetSubtype="0" fill="hold" grpId="0" nodeType="clickEffect">
+                                  <p:stCondLst>
+                                    <p:cond delay="0"/>
+                                  </p:stCondLst>
+                                  <p:childTnLst>
+                                    <p:set>
+                                      <p:cBhvr>
+                                        <p:cTn id="26" dur="1" fill="hold">
+                                          <p:stCondLst>
+                                            <p:cond delay="0"/>
+                                          </p:stCondLst>
+                                        </p:cTn>
+                                        <p:tgtEl>
+                                          <p:spTgt spid="3">
+                                            <p:txEl>
+                                              <p:pRg st="5" end="5"/>
+                                            </p:txEl>
+                                          </p:spTgt>
+                                        </p:tgtEl>
+                                        <p:attrNameLst>
+                                          <p:attrName>style.visibility</p:attrName>
+                                        </p:attrNameLst>
+                                      </p:cBhvr>
+                                      <p:to>
+                                        <p:strVal val="visible"/>
+                                      </p:to>
+                                    </p:set>
+                                  </p:childTnLst>
+                                </p:cTn>
+                              </p:par>
+                            </p:childTnLst>
+                          </p:cTn>
+                        </p:par>
+                      </p:childTnLst>
+                    </p:cTn>
+                  </p:par>
+                  <p:par>
+                    <p:cTn id="27" fill="hold">
+                      <p:stCondLst>
+                        <p:cond delay="indefinite"/>
+                      </p:stCondLst>
+                      <p:childTnLst>
+                        <p:par>
+                          <p:cTn id="28" fill="hold">
+                            <p:stCondLst>
+                              <p:cond delay="0"/>
+                            </p:stCondLst>
+                            <p:childTnLst>
+                              <p:par>
+                                <p:cTn id="29" presetID="1" presetClass="entr" presetSubtype="0" fill="hold" grpId="0" nodeType="clickEffect">
+                                  <p:stCondLst>
+                                    <p:cond delay="0"/>
+                                  </p:stCondLst>
+                                  <p:childTnLst>
+                                    <p:set>
+                                      <p:cBhvr>
+                                        <p:cTn id="30" dur="1" fill="hold">
+                                          <p:stCondLst>
+                                            <p:cond delay="0"/>
+                                          </p:stCondLst>
+                                        </p:cTn>
+                                        <p:tgtEl>
+                                          <p:spTgt spid="3">
+                                            <p:txEl>
+                                              <p:pRg st="6" end="6"/>
+                                            </p:txEl>
+                                          </p:spTgt>
+                                        </p:tgtEl>
+                                        <p:attrNameLst>
+                                          <p:attrName>style.visibility</p:attrName>
+                                        </p:attrNameLst>
+                                      </p:cBhvr>
+                                      <p:to>
+                                        <p:strVal val="visible"/>
+                                      </p:to>
+                                    </p:set>
+                                  </p:childTnLst>
+                                </p:cTn>
+                              </p:par>
+                            </p:childTnLst>
+                          </p:cTn>
+                        </p:par>
+                      </p:childTnLst>
+                    </p:cTn>
+                  </p:par>
+                  <p:par>
+                    <p:cTn id="31" fill="hold">
+                      <p:stCondLst>
+                        <p:cond delay="indefinite"/>
+                      </p:stCondLst>
+                      <p:childTnLst>
+                        <p:par>
+                          <p:cTn id="32" fill="hold">
+                            <p:stCondLst>
+                              <p:cond delay="0"/>
+                            </p:stCondLst>
+                            <p:childTnLst>
+                              <p:par>
+                                <p:cTn id="33" presetID="1" presetClass="entr" presetSubtype="0" fill="hold" grpId="0" nodeType="clickEffect">
+                                  <p:stCondLst>
+                                    <p:cond delay="0"/>
+                                  </p:stCondLst>
+                                  <p:childTnLst>
+                                    <p:set>
+                                      <p:cBhvr>
+                                        <p:cTn id="34" dur="1" fill="hold">
+                                          <p:stCondLst>
+                                            <p:cond delay="0"/>
+                                          </p:stCondLst>
+                                        </p:cTn>
+                                        <p:tgtEl>
+                                          <p:spTgt spid="3">
+                                            <p:txEl>
+                                              <p:pRg st="7" end="7"/>
+                                            </p:txEl>
+                                          </p:spTgt>
+                                        </p:tgtEl>
+                                        <p:attrNameLst>
+                                          <p:attrName>style.visibility</p:attrName>
+                                        </p:attrNameLst>
+                                      </p:cBhvr>
+                                      <p:to>
+                                        <p:strVal val="visible"/>
+                                      </p:to>
+                                    </p:set>
+                                  </p:childTnLst>
+                                </p:cTn>
+                              </p:par>
+                            </p:childTnLst>
+                          </p:cTn>
+                        </p:par>
+                      </p:childTnLst>
+                    </p:cTn>
+                  </p:par>
+                  <p:par>
+                    <p:cTn id="35" fill="hold">
+                      <p:stCondLst>
+                        <p:cond delay="indefinite"/>
+                      </p:stCondLst>
+                      <p:childTnLst>
+                        <p:par>
+                          <p:cTn id="36" fill="hold">
+                            <p:stCondLst>
+                              <p:cond delay="0"/>
+                            </p:stCondLst>
+                            <p:childTnLst>
+                              <p:par>
+                                <p:cTn id="37" presetID="1" presetClass="entr" presetSubtype="0" fill="hold" grpId="0" nodeType="clickEffect">
+                                  <p:stCondLst>
+                                    <p:cond delay="0"/>
+                                  </p:stCondLst>
+                                  <p:childTnLst>
+                                    <p:set>
+                                      <p:cBhvr>
+                                        <p:cTn id="38" dur="1" fill="hold">
+                                          <p:stCondLst>
+                                            <p:cond delay="0"/>
+                                          </p:stCondLst>
+                                        </p:cTn>
+                                        <p:tgtEl>
+                                          <p:spTgt spid="3">
+                                            <p:txEl>
+                                              <p:pRg st="8" end="8"/>
+                                            </p:txEl>
+                                          </p:spTgt>
+                                        </p:tgtEl>
+                                        <p:attrNameLst>
+                                          <p:attrName>style.visibility</p:attrName>
+                                        </p:attrNameLst>
+                                      </p:cBhvr>
+                                      <p:to>
+                                        <p:strVal val="visible"/>
+                                      </p:to>
+                                    </p:set>
+                                  </p:childTnLst>
+                                </p:cTn>
+                              </p:par>
+                            </p:childTnLst>
+                          </p:cTn>
+                        </p:par>
+                      </p:childTnLst>
+                    </p:cTn>
+                  </p:par>
+                  <p:par>
+                    <p:cTn id="39" fill="hold">
+                      <p:stCondLst>
+                        <p:cond delay="indefinite"/>
+                      </p:stCondLst>
+                      <p:childTnLst>
+                        <p:par>
+                          <p:cTn id="40" fill="hold">
+                            <p:stCondLst>
+                              <p:cond delay="0"/>
+                            </p:stCondLst>
+                            <p:childTnLst>
+                              <p:par>
+                                <p:cTn id="41" presetID="1" presetClass="entr" presetSubtype="0" fill="hold" grpId="0" nodeType="clickEffect">
+                                  <p:stCondLst>
+                                    <p:cond delay="0"/>
+                                  </p:stCondLst>
+                                  <p:childTnLst>
+                                    <p:set>
+                                      <p:cBhvr>
+                                        <p:cTn id="42" dur="1" fill="hold">
+                                          <p:stCondLst>
+                                            <p:cond delay="0"/>
+                                          </p:stCondLst>
+                                        </p:cTn>
+                                        <p:tgtEl>
+                                          <p:spTgt spid="3">
+                                            <p:txEl>
+                                              <p:pRg st="9" end="9"/>
+                                            </p:txEl>
+                                          </p:spTgt>
+                                        </p:tgtEl>
+                                        <p:attrNameLst>
+                                          <p:attrName>style.visibility</p:attrName>
+                                        </p:attrNameLst>
+                                      </p:cBhvr>
+                                      <p:to>
+                                        <p:strVal val="visible"/>
+                                      </p:to>
+                                    </p:set>
+                                  </p:childTnLst>
+                                </p:cTn>
+                              </p:par>
+                            </p:childTnLst>
+                          </p:cTn>
+                        </p:par>
+                      </p:childTnLst>
+                    </p:cTn>
+                  </p:par>
+                  <p:par>
+                    <p:cTn id="43" fill="hold">
+                      <p:stCondLst>
+                        <p:cond delay="indefinite"/>
+                      </p:stCondLst>
+                      <p:childTnLst>
+                        <p:par>
+                          <p:cTn id="44" fill="hold">
+                            <p:stCondLst>
+                              <p:cond delay="0"/>
+                            </p:stCondLst>
+                            <p:childTnLst>
+                              <p:par>
+                                <p:cTn id="45" presetID="1" presetClass="entr" presetSubtype="0" fill="hold" grpId="0" nodeType="clickEffect">
+                                  <p:stCondLst>
+                                    <p:cond delay="0"/>
+                                  </p:stCondLst>
+                                  <p:childTnLst>
+                                    <p:set>
+                                      <p:cBhvr>
+                                        <p:cTn id="46" dur="1" fill="hold">
+                                          <p:stCondLst>
+                                            <p:cond delay="0"/>
+                                          </p:stCondLst>
+                                        </p:cTn>
+                                        <p:tgtEl>
+                                          <p:spTgt spid="3">
+                                            <p:txEl>
+                                              <p:pRg st="10" end="10"/>
+                                            </p:txEl>
+                                          </p:spTgt>
+                                        </p:tgtEl>
+                                        <p:attrNameLst>
+                                          <p:attrName>style.visibility</p:attrName>
+                                        </p:attrNameLst>
+                                      </p:cBhvr>
+                                      <p:to>
+                                        <p:strVal val="visible"/>
+                                      </p:to>
+                                    </p:set>
+                                  </p:childTnLst>
+                                </p:cTn>
+                              </p:par>
+                            </p:childTnLst>
+                          </p:cTn>
+                        </p:par>
+                      </p:childTnLst>
+                    </p:cTn>
+                  </p:par>
+                </p:childTnLst>
+              </p:cTn>
+              <p:prevCondLst>
+                <p:cond evt="onPrev" delay="0">
+                  <p:tgtEl>
+                    <p:sldTgt/>
+                  </p:tgtEl>
+                </p:cond>
+              </p:prevCondLst>
+              <p:nextCondLst>
+                <p:cond evt="onNext" delay="0">
+                  <p:tgtEl>
+                    <p:sldTgt/>
+                  </p:tgtEl>
+                </p:cond>
+              </p:nextCondLst>
+            </p:seq>
+          </p:childTnLst>
+        </p:cTn>
+      </p:par>
+    </p:tnLst>
+    <p:bldLst>
+      <p:bldP spid="3" grpId="0" uiExpand="1" build="p"/>
+    </p:bldLst>
+  </p:timing>
+</p:sld>
+</file>
+
 <file path=ppt/theme/theme1.xml><?xml version="1.0" encoding="utf-8"?>
 <a:theme xmlns:a="http://schemas.openxmlformats.org/drawingml/2006/main" name="Office 테마">
   <a:themeElements>
